--- a/presentation.pptx
+++ b/presentation.pptx
@@ -101,9 +101,9 @@
     <p:sldId id="347" r:id="rId92"/>
     <p:sldId id="348" r:id="rId93"/>
     <p:sldId id="317" r:id="rId94"/>
-    <p:sldId id="318" r:id="rId95"/>
-    <p:sldId id="320" r:id="rId96"/>
-    <p:sldId id="307" r:id="rId97"/>
+    <p:sldId id="307" r:id="rId95"/>
+    <p:sldId id="318" r:id="rId96"/>
+    <p:sldId id="320" r:id="rId97"/>
   </p:sldIdLst>
   <p:sldSz cx="9144000" cy="6858000" type="screen4x3"/>
   <p:notesSz cx="6858000" cy="9144000"/>
@@ -599,7 +599,23 @@
           <a:bodyPr/>
           <a:lstStyle/>
           <a:p>
-            <a:endParaRPr lang="en-US" dirty="0"/>
+            <a:r>
+              <a:rPr lang="en-GB" dirty="0" smtClean="0"/>
+              <a:t>Hobby, Freelance,</a:t>
+            </a:r>
+            <a:r>
+              <a:rPr lang="en-GB" baseline="0" dirty="0" smtClean="0"/>
+              <a:t> professional</a:t>
+            </a:r>
+          </a:p>
+          <a:p>
+            <a:endParaRPr lang="en-GB" baseline="0" dirty="0" smtClean="0"/>
+          </a:p>
+          <a:p>
+            <a:r>
+              <a:rPr lang="en-GB" baseline="0" dirty="0" smtClean="0"/>
+              <a:t>Using node to consume AMQP queues and process messages, inserting into MySQL</a:t>
+            </a:r>
           </a:p>
         </p:txBody>
       </p:sp>
@@ -620,7 +636,7 @@
           <a:p>
             <a:fld id="{66631812-A541-604F-85AA-B8A61CCC8741}" type="slidenum">
               <a:rPr lang="en-US" smtClean="0"/>
-              <a:t>7</a:t>
+              <a:t>2</a:t>
             </a:fld>
             <a:endParaRPr lang="en-US" dirty="0"/>
           </a:p>
@@ -629,7 +645,7 @@
     </p:spTree>
     <p:extLst>
       <p:ext uri="{BB962C8B-B14F-4D97-AF65-F5344CB8AC3E}">
-        <p14:creationId xmlns:p14="http://schemas.microsoft.com/office/powerpoint/2010/main" val="3034630423"/>
+        <p14:creationId xmlns:p14="http://schemas.microsoft.com/office/powerpoint/2010/main" val="3388223381"/>
       </p:ext>
     </p:extLst>
   </p:cSld>
@@ -685,59 +701,20 @@
           <a:p>
             <a:r>
               <a:rPr lang="en-GB" dirty="0" smtClean="0"/>
-              <a:t>Algorithm:</a:t>
-            </a:r>
-          </a:p>
-          <a:p>
-            <a:r>
-              <a:rPr lang="en-GB" dirty="0" smtClean="0"/>
-              <a:t>Native module?</a:t>
-            </a:r>
-          </a:p>
-          <a:p>
-            <a:r>
-              <a:rPr lang="en-GB" dirty="0" err="1" smtClean="0"/>
-              <a:t>node_modules</a:t>
-            </a:r>
-            <a:r>
-              <a:rPr lang="en-GB" dirty="0" smtClean="0"/>
-              <a:t> in </a:t>
-            </a:r>
-            <a:r>
-              <a:rPr lang="en-GB" dirty="0" err="1" smtClean="0"/>
-              <a:t>pwd</a:t>
-            </a:r>
-            <a:r>
-              <a:rPr lang="en-GB" dirty="0" smtClean="0"/>
-              <a:t>?</a:t>
-            </a:r>
-          </a:p>
-          <a:p>
-            <a:r>
-              <a:rPr lang="en-GB" dirty="0" err="1" smtClean="0"/>
-              <a:t>node_modules</a:t>
-            </a:r>
-            <a:r>
-              <a:rPr lang="en-GB" dirty="0" smtClean="0"/>
-              <a:t> in parent </a:t>
-            </a:r>
-            <a:r>
-              <a:rPr lang="en-GB" dirty="0" err="1" smtClean="0"/>
-              <a:t>dir</a:t>
-            </a:r>
-            <a:r>
-              <a:rPr lang="en-GB" dirty="0" smtClean="0"/>
-              <a:t>?</a:t>
-            </a:r>
-          </a:p>
-          <a:p>
-            <a:r>
-              <a:rPr lang="en-GB" dirty="0" err="1" smtClean="0"/>
-              <a:t>require.paths</a:t>
-            </a:r>
-            <a:r>
-              <a:rPr lang="en-GB" dirty="0" smtClean="0"/>
-              <a:t> (for system modules)</a:t>
+              <a:t>Python/Ruby has strict</a:t>
+            </a:r>
+            <a:r>
+              <a:rPr lang="en-GB" baseline="0" dirty="0" smtClean="0"/>
+              <a:t> dynamic typing, java has strict static typing.</a:t>
+            </a:r>
+          </a:p>
+          <a:p>
+            <a:endParaRPr lang="en-GB" baseline="0" dirty="0" smtClean="0"/>
+          </a:p>
+          <a:p>
+            <a:r>
+              <a:rPr lang="en-GB" baseline="0" dirty="0" smtClean="0"/>
+              <a:t>Can cause problems, but just have to be careful when comparing types</a:t>
             </a:r>
             <a:endParaRPr lang="en-GB" dirty="0"/>
           </a:p>
@@ -760,7 +737,7 @@
           <a:p>
             <a:fld id="{66631812-A541-604F-85AA-B8A61CCC8741}" type="slidenum">
               <a:rPr lang="en-US" smtClean="0"/>
-              <a:t>34</a:t>
+              <a:t>15</a:t>
             </a:fld>
             <a:endParaRPr lang="en-US" dirty="0"/>
           </a:p>
@@ -769,7 +746,7 @@
     </p:spTree>
     <p:extLst>
       <p:ext uri="{BB962C8B-B14F-4D97-AF65-F5344CB8AC3E}">
-        <p14:creationId xmlns:p14="http://schemas.microsoft.com/office/powerpoint/2010/main" val="545612416"/>
+        <p14:creationId xmlns:p14="http://schemas.microsoft.com/office/powerpoint/2010/main" val="1520702266"/>
       </p:ext>
     </p:extLst>
   </p:cSld>
@@ -825,21 +802,20 @@
           <a:p>
             <a:r>
               <a:rPr lang="en-GB" dirty="0" smtClean="0"/>
-              <a:t>Discuss difference between global and local</a:t>
-            </a:r>
-          </a:p>
-          <a:p>
-            <a:r>
-              <a:rPr lang="en-GB" dirty="0" smtClean="0"/>
-              <a:t>discuss</a:t>
+              <a:t>Powerful,</a:t>
             </a:r>
             <a:r>
               <a:rPr lang="en-GB" baseline="0" dirty="0" smtClean="0"/>
-              <a:t> briefly </a:t>
-            </a:r>
-            <a:r>
-              <a:rPr lang="en-GB" baseline="0" dirty="0" err="1" smtClean="0"/>
-              <a:t>package.json</a:t>
+              <a:t> but often poorly understood, everyone + dog has implemented some sort of un-needed classical sugar for JS classes.</a:t>
+            </a:r>
+          </a:p>
+          <a:p>
+            <a:endParaRPr lang="en-GB" baseline="0" dirty="0" smtClean="0"/>
+          </a:p>
+          <a:p>
+            <a:r>
+              <a:rPr lang="en-GB" baseline="0" dirty="0" smtClean="0"/>
+              <a:t>We’ll look at this in more detail later.</a:t>
             </a:r>
             <a:endParaRPr lang="en-GB" dirty="0"/>
           </a:p>
@@ -862,7 +838,7 @@
           <a:p>
             <a:fld id="{66631812-A541-604F-85AA-B8A61CCC8741}" type="slidenum">
               <a:rPr lang="en-US" smtClean="0"/>
-              <a:t>36</a:t>
+              <a:t>16</a:t>
             </a:fld>
             <a:endParaRPr lang="en-US" dirty="0"/>
           </a:p>
@@ -871,7 +847,7 @@
     </p:spTree>
     <p:extLst>
       <p:ext uri="{BB962C8B-B14F-4D97-AF65-F5344CB8AC3E}">
-        <p14:creationId xmlns:p14="http://schemas.microsoft.com/office/powerpoint/2010/main" val="679041862"/>
+        <p14:creationId xmlns:p14="http://schemas.microsoft.com/office/powerpoint/2010/main" val="706152615"/>
       </p:ext>
     </p:extLst>
   </p:cSld>
@@ -927,17 +903,19 @@
           <a:p>
             <a:r>
               <a:rPr lang="en-GB" dirty="0" smtClean="0"/>
-              <a:t>Note</a:t>
+              <a:t>High</a:t>
             </a:r>
             <a:r>
               <a:rPr lang="en-GB" baseline="0" dirty="0" smtClean="0"/>
-              <a:t> the error argument in all callbacks</a:t>
-            </a:r>
-          </a:p>
-          <a:p>
+              <a:t>er order functions are extremely powerful, but as </a:t>
+            </a:r>
+            <a:r>
+              <a:rPr lang="en-GB" baseline="0" dirty="0" err="1" smtClean="0"/>
+              <a:t>rubyists</a:t>
+            </a:r>
             <a:r>
               <a:rPr lang="en-GB" baseline="0" dirty="0" smtClean="0"/>
-              <a:t>And the if error bail out pattern</a:t>
+              <a:t> you already know this.</a:t>
             </a:r>
             <a:endParaRPr lang="en-GB" dirty="0"/>
           </a:p>
@@ -960,7 +938,7 @@
           <a:p>
             <a:fld id="{66631812-A541-604F-85AA-B8A61CCC8741}" type="slidenum">
               <a:rPr lang="en-US" smtClean="0"/>
-              <a:t>38</a:t>
+              <a:t>17</a:t>
             </a:fld>
             <a:endParaRPr lang="en-US" dirty="0"/>
           </a:p>
@@ -969,7 +947,7 @@
     </p:spTree>
     <p:extLst>
       <p:ext uri="{BB962C8B-B14F-4D97-AF65-F5344CB8AC3E}">
-        <p14:creationId xmlns:p14="http://schemas.microsoft.com/office/powerpoint/2010/main" val="2466654008"/>
+        <p14:creationId xmlns:p14="http://schemas.microsoft.com/office/powerpoint/2010/main" val="2322869513"/>
       </p:ext>
     </p:extLst>
   </p:cSld>
@@ -1025,16 +1003,37 @@
           <a:p>
             <a:r>
               <a:rPr lang="en-GB" dirty="0" smtClean="0"/>
-              <a:t>stream, net, </a:t>
+              <a:t>For </a:t>
             </a:r>
             <a:r>
               <a:rPr lang="en-GB" dirty="0" err="1" smtClean="0"/>
-              <a:t>fs</a:t>
-            </a:r>
-            <a:r>
-              <a:rPr lang="en-GB" dirty="0" smtClean="0"/>
-              <a:t>, http, https</a:t>
-            </a:r>
+              <a:t>NodeJS</a:t>
+            </a:r>
+            <a:r>
+              <a:rPr lang="en-GB" dirty="0" smtClean="0"/>
+              <a:t> this was actually a huge advantage, there</a:t>
+            </a:r>
+            <a:r>
+              <a:rPr lang="en-GB" baseline="0" dirty="0" smtClean="0"/>
+              <a:t> was no previous standard library for things like </a:t>
+            </a:r>
+            <a:r>
+              <a:rPr lang="en-GB" baseline="0" dirty="0" err="1" smtClean="0"/>
+              <a:t>filesystem</a:t>
+            </a:r>
+            <a:r>
+              <a:rPr lang="en-GB" baseline="0" dirty="0" smtClean="0"/>
+              <a:t> access or </a:t>
+            </a:r>
+            <a:r>
+              <a:rPr lang="en-GB" baseline="0" dirty="0" err="1" smtClean="0"/>
+              <a:t>subprocess</a:t>
+            </a:r>
+            <a:r>
+              <a:rPr lang="en-GB" baseline="0" dirty="0" smtClean="0"/>
+              <a:t> management, so unlike in python and ruby where everything needs to re-implemented in such a way as to support the reactor – the only implementation is the asynchronous one.</a:t>
+            </a:r>
+            <a:endParaRPr lang="en-GB" dirty="0"/>
           </a:p>
         </p:txBody>
       </p:sp>
@@ -1055,7 +1054,7 @@
           <a:p>
             <a:fld id="{66631812-A541-604F-85AA-B8A61CCC8741}" type="slidenum">
               <a:rPr lang="en-US" smtClean="0"/>
-              <a:t>42</a:t>
+              <a:t>18</a:t>
             </a:fld>
             <a:endParaRPr lang="en-US" dirty="0"/>
           </a:p>
@@ -1064,7 +1063,7 @@
     </p:spTree>
     <p:extLst>
       <p:ext uri="{BB962C8B-B14F-4D97-AF65-F5344CB8AC3E}">
-        <p14:creationId xmlns:p14="http://schemas.microsoft.com/office/powerpoint/2010/main" val="4276465349"/>
+        <p14:creationId xmlns:p14="http://schemas.microsoft.com/office/powerpoint/2010/main" val="1289541655"/>
       </p:ext>
     </p:extLst>
   </p:cSld>
@@ -1120,15 +1119,7 @@
           <a:p>
             <a:r>
               <a:rPr lang="en-GB" dirty="0" smtClean="0"/>
-              <a:t>Common </a:t>
-            </a:r>
-            <a:r>
-              <a:rPr lang="en-GB" dirty="0" err="1" smtClean="0"/>
-              <a:t>async</a:t>
-            </a:r>
-            <a:r>
-              <a:rPr lang="en-GB" baseline="0" dirty="0" smtClean="0"/>
-              <a:t> control patterns abstracted out</a:t>
+              <a:t>Or thinks they do…</a:t>
             </a:r>
             <a:endParaRPr lang="en-GB" dirty="0"/>
           </a:p>
@@ -1151,7 +1142,7 @@
           <a:p>
             <a:fld id="{66631812-A541-604F-85AA-B8A61CCC8741}" type="slidenum">
               <a:rPr lang="en-US" smtClean="0"/>
-              <a:t>55</a:t>
+              <a:t>19</a:t>
             </a:fld>
             <a:endParaRPr lang="en-US" dirty="0"/>
           </a:p>
@@ -1160,7 +1151,7 @@
     </p:spTree>
     <p:extLst>
       <p:ext uri="{BB962C8B-B14F-4D97-AF65-F5344CB8AC3E}">
-        <p14:creationId xmlns:p14="http://schemas.microsoft.com/office/powerpoint/2010/main" val="20294831"/>
+        <p14:creationId xmlns:p14="http://schemas.microsoft.com/office/powerpoint/2010/main" val="981081335"/>
       </p:ext>
     </p:extLst>
   </p:cSld>
@@ -1216,22 +1207,12 @@
           <a:p>
             <a:r>
               <a:rPr lang="en-GB" dirty="0" smtClean="0"/>
-              <a:t>Consider if there were more</a:t>
+              <a:t>The</a:t>
             </a:r>
             <a:r>
               <a:rPr lang="en-GB" baseline="0" dirty="0" smtClean="0"/>
-              <a:t> than just 2 pre-requisites before we could call query, the nesting is annoying.</a:t>
-            </a:r>
-          </a:p>
-          <a:p>
-            <a:endParaRPr lang="en-GB" baseline="0" dirty="0" smtClean="0"/>
-          </a:p>
-          <a:p>
-            <a:r>
-              <a:rPr lang="en-GB" baseline="0" dirty="0" smtClean="0"/>
-              <a:t>Note also the repeating (if error then bail out) pattern </a:t>
-            </a:r>
-            <a:endParaRPr lang="en-GB" dirty="0"/>
+              <a:t> open source JavaScript engine that powers Google chrome</a:t>
+            </a:r>
           </a:p>
         </p:txBody>
       </p:sp>
@@ -1252,7 +1233,7 @@
           <a:p>
             <a:fld id="{66631812-A541-604F-85AA-B8A61CCC8741}" type="slidenum">
               <a:rPr lang="en-US" smtClean="0"/>
-              <a:t>56</a:t>
+              <a:t>21</a:t>
             </a:fld>
             <a:endParaRPr lang="en-US" dirty="0"/>
           </a:p>
@@ -1261,7 +1242,7 @@
     </p:spTree>
     <p:extLst>
       <p:ext uri="{BB962C8B-B14F-4D97-AF65-F5344CB8AC3E}">
-        <p14:creationId xmlns:p14="http://schemas.microsoft.com/office/powerpoint/2010/main" val="375954689"/>
+        <p14:creationId xmlns:p14="http://schemas.microsoft.com/office/powerpoint/2010/main" val="173945259"/>
       </p:ext>
     </p:extLst>
   </p:cSld>
@@ -1316,16 +1297,12 @@
           <a:lstStyle/>
           <a:p>
             <a:r>
-              <a:rPr lang="en-GB" dirty="0" err="1" smtClean="0"/>
-              <a:t>Function.bind</a:t>
-            </a:r>
-            <a:r>
-              <a:rPr lang="en-GB" dirty="0" smtClean="0"/>
-              <a:t> makes</a:t>
+              <a:rPr lang="en-GB" dirty="0" smtClean="0"/>
+              <a:t>V8 is fast.</a:t>
             </a:r>
             <a:r>
               <a:rPr lang="en-GB" baseline="0" dirty="0" smtClean="0"/>
-              <a:t> sure “this” is set properly in the tasks, and also allows us to curry the function</a:t>
+              <a:t> Extremely fast. Fast enough to make every other browser maker start making their JS engines much faster</a:t>
             </a:r>
             <a:endParaRPr lang="en-GB" dirty="0"/>
           </a:p>
@@ -1348,7 +1325,7 @@
           <a:p>
             <a:fld id="{66631812-A541-604F-85AA-B8A61CCC8741}" type="slidenum">
               <a:rPr lang="en-US" smtClean="0"/>
-              <a:t>57</a:t>
+              <a:t>22</a:t>
             </a:fld>
             <a:endParaRPr lang="en-US" dirty="0"/>
           </a:p>
@@ -1357,7 +1334,7 @@
     </p:spTree>
     <p:extLst>
       <p:ext uri="{BB962C8B-B14F-4D97-AF65-F5344CB8AC3E}">
-        <p14:creationId xmlns:p14="http://schemas.microsoft.com/office/powerpoint/2010/main" val="1002154800"/>
+        <p14:creationId xmlns:p14="http://schemas.microsoft.com/office/powerpoint/2010/main" val="2504857139"/>
       </p:ext>
     </p:extLst>
   </p:cSld>
@@ -1413,17 +1390,53 @@
           <a:p>
             <a:r>
               <a:rPr lang="en-GB" dirty="0" smtClean="0"/>
-              <a:t>We have a number of different connections and miscellanea to set up before we can start processing data in this program</a:t>
-            </a:r>
-          </a:p>
-          <a:p>
-            <a:r>
-              <a:rPr lang="en-GB" dirty="0" smtClean="0"/>
-              <a:t>We</a:t>
+              <a:t>The main reason for this is its JIT compiler. This is the</a:t>
             </a:r>
             <a:r>
               <a:rPr lang="en-GB" baseline="0" dirty="0" smtClean="0"/>
-              <a:t> spool them all up in parallel, and then continue with the program flow</a:t>
+              <a:t> same concept as </a:t>
+            </a:r>
+            <a:r>
+              <a:rPr lang="en-GB" baseline="0" dirty="0" err="1" smtClean="0"/>
+              <a:t>PyPy</a:t>
+            </a:r>
+            <a:r>
+              <a:rPr lang="en-GB" baseline="0" dirty="0" smtClean="0"/>
+              <a:t> or </a:t>
+            </a:r>
+            <a:r>
+              <a:rPr lang="en-GB" baseline="0" dirty="0" err="1" smtClean="0"/>
+              <a:t>rubinius</a:t>
+            </a:r>
+            <a:r>
+              <a:rPr lang="en-GB" baseline="0" dirty="0" smtClean="0"/>
+              <a:t>.</a:t>
+            </a:r>
+          </a:p>
+          <a:p>
+            <a:endParaRPr lang="en-GB" baseline="0" dirty="0" smtClean="0"/>
+          </a:p>
+          <a:p>
+            <a:r>
+              <a:rPr lang="en-GB" baseline="0" dirty="0" smtClean="0"/>
+              <a:t>When interpreting JavaScript V8 does a quick pass and produces an ordinary executable </a:t>
+            </a:r>
+            <a:r>
+              <a:rPr lang="en-GB" baseline="0" dirty="0" err="1" smtClean="0"/>
+              <a:t>bytecode</a:t>
+            </a:r>
+            <a:r>
+              <a:rPr lang="en-GB" baseline="0" dirty="0" smtClean="0"/>
+              <a:t>. It then profiles the running script in the background and identifies any “Hot Loops” and the types passing through them. This information is used to produce a more more optimised version of the compilation (which takes longer to produce than the first pass).</a:t>
+            </a:r>
+          </a:p>
+          <a:p>
+            <a:endParaRPr lang="en-GB" baseline="0" dirty="0" smtClean="0"/>
+          </a:p>
+          <a:p>
+            <a:r>
+              <a:rPr lang="en-GB" baseline="0" dirty="0" smtClean="0"/>
+              <a:t>This all happens transparently to the execution, and the result is simply very fast execution.</a:t>
             </a:r>
             <a:endParaRPr lang="en-GB" dirty="0"/>
           </a:p>
@@ -1446,7 +1459,7 @@
           <a:p>
             <a:fld id="{66631812-A541-604F-85AA-B8A61CCC8741}" type="slidenum">
               <a:rPr lang="en-US" smtClean="0"/>
-              <a:t>58</a:t>
+              <a:t>23</a:t>
             </a:fld>
             <a:endParaRPr lang="en-US" dirty="0"/>
           </a:p>
@@ -1455,7 +1468,7 @@
     </p:spTree>
     <p:extLst>
       <p:ext uri="{BB962C8B-B14F-4D97-AF65-F5344CB8AC3E}">
-        <p14:creationId xmlns:p14="http://schemas.microsoft.com/office/powerpoint/2010/main" val="3877243017"/>
+        <p14:creationId xmlns:p14="http://schemas.microsoft.com/office/powerpoint/2010/main" val="1059649491"/>
       </p:ext>
     </p:extLst>
   </p:cSld>
@@ -1511,28 +1524,20 @@
           <a:p>
             <a:r>
               <a:rPr lang="en-GB" dirty="0" smtClean="0"/>
-              <a:t>Assume that files is</a:t>
+              <a:t>The</a:t>
             </a:r>
             <a:r>
               <a:rPr lang="en-GB" baseline="0" dirty="0" smtClean="0"/>
-              <a:t> an array of high-level file objects which have a save() method that accepts a </a:t>
-            </a:r>
-            <a:r>
-              <a:rPr lang="en-GB" baseline="0" dirty="0" err="1" smtClean="0"/>
-              <a:t>callback</a:t>
-            </a:r>
+              <a:t> standardised version of JavaScript 1.5</a:t>
+            </a:r>
+          </a:p>
+          <a:p>
+            <a:endParaRPr lang="en-GB" baseline="0" dirty="0" smtClean="0"/>
+          </a:p>
+          <a:p>
             <a:r>
               <a:rPr lang="en-GB" baseline="0" dirty="0" smtClean="0"/>
-              <a:t> to be triggered on completion</a:t>
-            </a:r>
-          </a:p>
-          <a:p>
-            <a:endParaRPr lang="en-GB" baseline="0" dirty="0" smtClean="0"/>
-          </a:p>
-          <a:p>
-            <a:r>
-              <a:rPr lang="en-GB" baseline="0" dirty="0" smtClean="0"/>
-              <a:t>The series variant has the same signature, but runs the tasks in series.</a:t>
+              <a:t>Provides a number of useful language improvements – unlike the browser we don’t have to use shims and wrapper libraries</a:t>
             </a:r>
             <a:endParaRPr lang="en-GB" dirty="0"/>
           </a:p>
@@ -1555,7 +1560,7 @@
           <a:p>
             <a:fld id="{66631812-A541-604F-85AA-B8A61CCC8741}" type="slidenum">
               <a:rPr lang="en-US" smtClean="0"/>
-              <a:t>59</a:t>
+              <a:t>24</a:t>
             </a:fld>
             <a:endParaRPr lang="en-US" dirty="0"/>
           </a:p>
@@ -1564,7 +1569,7 @@
     </p:spTree>
     <p:extLst>
       <p:ext uri="{BB962C8B-B14F-4D97-AF65-F5344CB8AC3E}">
-        <p14:creationId xmlns:p14="http://schemas.microsoft.com/office/powerpoint/2010/main" val="3331941521"/>
+        <p14:creationId xmlns:p14="http://schemas.microsoft.com/office/powerpoint/2010/main" val="57061714"/>
       </p:ext>
     </p:extLst>
   </p:cSld>
@@ -1618,18 +1623,6 @@
           <a:bodyPr/>
           <a:lstStyle/>
           <a:p>
-            <a:r>
-              <a:rPr lang="en-GB" dirty="0" smtClean="0"/>
-              <a:t>Also provides</a:t>
-            </a:r>
-            <a:r>
-              <a:rPr lang="en-GB" baseline="0" dirty="0" smtClean="0"/>
-              <a:t> the common functional </a:t>
-            </a:r>
-            <a:r>
-              <a:rPr lang="en-GB" baseline="0" dirty="0" err="1" smtClean="0"/>
-              <a:t>constucts</a:t>
-            </a:r>
             <a:endParaRPr lang="en-GB" dirty="0"/>
           </a:p>
         </p:txBody>
@@ -1651,7 +1644,7 @@
           <a:p>
             <a:fld id="{66631812-A541-604F-85AA-B8A61CCC8741}" type="slidenum">
               <a:rPr lang="en-US" smtClean="0"/>
-              <a:t>60</a:t>
+              <a:t>25</a:t>
             </a:fld>
             <a:endParaRPr lang="en-US" dirty="0"/>
           </a:p>
@@ -1660,7 +1653,7 @@
     </p:spTree>
     <p:extLst>
       <p:ext uri="{BB962C8B-B14F-4D97-AF65-F5344CB8AC3E}">
-        <p14:creationId xmlns:p14="http://schemas.microsoft.com/office/powerpoint/2010/main" val="3189868025"/>
+        <p14:creationId xmlns:p14="http://schemas.microsoft.com/office/powerpoint/2010/main" val="3342177477"/>
       </p:ext>
     </p:extLst>
   </p:cSld>
@@ -1715,14 +1708,14 @@
           <a:lstStyle/>
           <a:p>
             <a:r>
-              <a:rPr lang="en-US" dirty="0" smtClean="0"/>
-              <a:t>We</a:t>
-            </a:r>
-            <a:r>
-              <a:rPr lang="en-US" baseline="0" dirty="0" smtClean="0"/>
-              <a:t> can speed this up by doing all the tasks at the same time</a:t>
-            </a:r>
-            <a:endParaRPr lang="en-US" dirty="0"/>
+              <a:rPr lang="en-GB" dirty="0" smtClean="0"/>
+              <a:t>Lets look</a:t>
+            </a:r>
+            <a:r>
+              <a:rPr lang="en-GB" baseline="0" dirty="0" smtClean="0"/>
+              <a:t> at these bits in more detail</a:t>
+            </a:r>
+            <a:endParaRPr lang="en-GB" dirty="0"/>
           </a:p>
         </p:txBody>
       </p:sp>
@@ -1743,7 +1736,7 @@
           <a:p>
             <a:fld id="{66631812-A541-604F-85AA-B8A61CCC8741}" type="slidenum">
               <a:rPr lang="en-US" smtClean="0"/>
-              <a:t>8</a:t>
+              <a:t>4</a:t>
             </a:fld>
             <a:endParaRPr lang="en-US" dirty="0"/>
           </a:p>
@@ -1752,7 +1745,7 @@
     </p:spTree>
     <p:extLst>
       <p:ext uri="{BB962C8B-B14F-4D97-AF65-F5344CB8AC3E}">
-        <p14:creationId xmlns:p14="http://schemas.microsoft.com/office/powerpoint/2010/main" val="1427303560"/>
+        <p14:creationId xmlns:p14="http://schemas.microsoft.com/office/powerpoint/2010/main" val="3669470372"/>
       </p:ext>
     </p:extLst>
   </p:cSld>
@@ -1808,47 +1801,8 @@
           <a:p>
             <a:r>
               <a:rPr lang="en-GB" dirty="0" smtClean="0"/>
-              <a:t>And some funky</a:t>
-            </a:r>
-            <a:r>
-              <a:rPr lang="en-GB" baseline="0" dirty="0" smtClean="0"/>
-              <a:t> control flow constructs</a:t>
-            </a:r>
-          </a:p>
-          <a:p>
-            <a:endParaRPr lang="en-GB" baseline="0" dirty="0" smtClean="0"/>
-          </a:p>
-          <a:p>
-            <a:r>
-              <a:rPr lang="en-GB" baseline="0" dirty="0" smtClean="0"/>
-              <a:t>Queue: takes a worker function and a concurrency limit, when tasks are pushed onto the queue will only run up to the limit at once. Emits events for saturated and drained</a:t>
-            </a:r>
-          </a:p>
-          <a:p>
-            <a:endParaRPr lang="en-GB" baseline="0" dirty="0" smtClean="0"/>
-          </a:p>
-          <a:p>
-            <a:r>
-              <a:rPr lang="en-GB" baseline="0" dirty="0" smtClean="0"/>
-              <a:t>Auto: specify workers much like series and parallel, but can say which tasks are dependencies of each other. A bit like in </a:t>
-            </a:r>
-            <a:r>
-              <a:rPr lang="en-GB" baseline="0" dirty="0" err="1" smtClean="0"/>
-              <a:t>Rakefiles</a:t>
-            </a:r>
-            <a:r>
-              <a:rPr lang="en-GB" baseline="0" dirty="0" smtClean="0"/>
-              <a:t>. Imagine this for an </a:t>
-            </a:r>
-            <a:r>
-              <a:rPr lang="en-GB" baseline="0" dirty="0" err="1" smtClean="0"/>
-              <a:t>async</a:t>
-            </a:r>
-            <a:r>
-              <a:rPr lang="en-GB" baseline="0" dirty="0" smtClean="0"/>
-              <a:t> deploy script.</a:t>
-            </a:r>
-            <a:endParaRPr lang="en-GB" dirty="0"/>
+              <a:t>Something to watch out for, due to the way GC works in v8, if your program uses more than 1GB of heap space, it will crash.</a:t>
+            </a:r>
           </a:p>
         </p:txBody>
       </p:sp>
@@ -1869,7 +1823,7 @@
           <a:p>
             <a:fld id="{66631812-A541-604F-85AA-B8A61CCC8741}" type="slidenum">
               <a:rPr lang="en-US" smtClean="0"/>
-              <a:t>61</a:t>
+              <a:t>26</a:t>
             </a:fld>
             <a:endParaRPr lang="en-US" dirty="0"/>
           </a:p>
@@ -1878,7 +1832,7 @@
     </p:spTree>
     <p:extLst>
       <p:ext uri="{BB962C8B-B14F-4D97-AF65-F5344CB8AC3E}">
-        <p14:creationId xmlns:p14="http://schemas.microsoft.com/office/powerpoint/2010/main" val="2379553780"/>
+        <p14:creationId xmlns:p14="http://schemas.microsoft.com/office/powerpoint/2010/main" val="2264918747"/>
       </p:ext>
     </p:extLst>
   </p:cSld>
@@ -1934,42 +1888,22 @@
           <a:p>
             <a:r>
               <a:rPr lang="en-GB" dirty="0" smtClean="0"/>
-              <a:t>Rack / WSGI</a:t>
-            </a:r>
-          </a:p>
-          <a:p>
-            <a:endParaRPr lang="en-GB" dirty="0" smtClean="0"/>
-          </a:p>
-          <a:p>
-            <a:r>
-              <a:rPr lang="en-GB" dirty="0" smtClean="0"/>
-              <a:t>Heavily</a:t>
+              <a:t>An interactive interpreter just</a:t>
             </a:r>
             <a:r>
               <a:rPr lang="en-GB" baseline="0" dirty="0" smtClean="0"/>
-              <a:t> based around pluggable middleware components which operate on the request/response </a:t>
+              <a:t> like </a:t>
+            </a:r>
+            <a:r>
+              <a:rPr lang="en-GB" baseline="0" dirty="0" err="1" smtClean="0"/>
+              <a:t>irb</a:t>
             </a:r>
             <a:r>
               <a:rPr lang="en-GB" baseline="0" dirty="0" smtClean="0"/>
-              <a:t>objects</a:t>
-            </a:r>
-          </a:p>
-          <a:p>
-            <a:endParaRPr lang="en-GB" baseline="0" dirty="0" smtClean="0"/>
-          </a:p>
-          <a:p>
-            <a:r>
-              <a:rPr lang="en-GB" baseline="0" dirty="0" smtClean="0"/>
-              <a:t>Provides things like routing, sessions, post-data / </a:t>
-            </a:r>
-            <a:r>
-              <a:rPr lang="en-GB" baseline="0" dirty="0" err="1" smtClean="0"/>
-              <a:t>querystring</a:t>
-            </a:r>
-            <a:r>
-              <a:rPr lang="en-GB" baseline="0" dirty="0" smtClean="0"/>
-              <a:t> parsing, profiling and even a little favicon server</a:t>
-            </a:r>
+              <a:t>, or python</a:t>
+            </a:r>
+          </a:p>
+          <a:p>
             <a:endParaRPr lang="en-GB" dirty="0"/>
           </a:p>
         </p:txBody>
@@ -1991,7 +1925,7 @@
           <a:p>
             <a:fld id="{66631812-A541-604F-85AA-B8A61CCC8741}" type="slidenum">
               <a:rPr lang="en-US" smtClean="0"/>
-              <a:t>63</a:t>
+              <a:t>28</a:t>
             </a:fld>
             <a:endParaRPr lang="en-US" dirty="0"/>
           </a:p>
@@ -2000,7 +1934,7 @@
     </p:spTree>
     <p:extLst>
       <p:ext uri="{BB962C8B-B14F-4D97-AF65-F5344CB8AC3E}">
-        <p14:creationId xmlns:p14="http://schemas.microsoft.com/office/powerpoint/2010/main" val="257137136"/>
+        <p14:creationId xmlns:p14="http://schemas.microsoft.com/office/powerpoint/2010/main" val="3576962916"/>
       </p:ext>
     </p:extLst>
   </p:cSld>
@@ -2054,39 +1988,6 @@
           <a:bodyPr/>
           <a:lstStyle/>
           <a:p>
-            <a:r>
-              <a:rPr lang="en-GB" dirty="0" smtClean="0"/>
-              <a:t>While connect</a:t>
-            </a:r>
-            <a:r>
-              <a:rPr lang="en-GB" baseline="0" dirty="0" smtClean="0"/>
-              <a:t> does provide a </a:t>
-            </a:r>
-            <a:r>
-              <a:rPr lang="en-GB" baseline="0" dirty="0" err="1" smtClean="0"/>
-              <a:t>sinatra</a:t>
-            </a:r>
-            <a:r>
-              <a:rPr lang="en-GB" baseline="0" dirty="0" smtClean="0"/>
-              <a:t>-style routing middleware, it’s fairly basic.</a:t>
-            </a:r>
-          </a:p>
-          <a:p>
-            <a:endParaRPr lang="en-GB" baseline="0" dirty="0" smtClean="0"/>
-          </a:p>
-          <a:p>
-            <a:r>
-              <a:rPr lang="en-GB" baseline="0" dirty="0" smtClean="0"/>
-              <a:t>Express is a framework designed to work on top of connect and connect compatible middleware to provide a much richer </a:t>
-            </a:r>
-            <a:r>
-              <a:rPr lang="en-GB" baseline="0" dirty="0" err="1" smtClean="0"/>
-              <a:t>sinatra</a:t>
-            </a:r>
-            <a:r>
-              <a:rPr lang="en-GB" baseline="0" dirty="0" smtClean="0"/>
-              <a:t>-like experience</a:t>
-            </a:r>
             <a:endParaRPr lang="en-GB" dirty="0"/>
           </a:p>
         </p:txBody>
@@ -2108,7 +2009,7 @@
           <a:p>
             <a:fld id="{66631812-A541-604F-85AA-B8A61CCC8741}" type="slidenum">
               <a:rPr lang="en-US" smtClean="0"/>
-              <a:t>65</a:t>
+              <a:t>29</a:t>
             </a:fld>
             <a:endParaRPr lang="en-US" dirty="0"/>
           </a:p>
@@ -2117,7 +2018,7 @@
     </p:spTree>
     <p:extLst>
       <p:ext uri="{BB962C8B-B14F-4D97-AF65-F5344CB8AC3E}">
-        <p14:creationId xmlns:p14="http://schemas.microsoft.com/office/powerpoint/2010/main" val="1218781532"/>
+        <p14:creationId xmlns:p14="http://schemas.microsoft.com/office/powerpoint/2010/main" val="1286389532"/>
       </p:ext>
     </p:extLst>
   </p:cSld>
@@ -2173,12 +2074,9 @@
           <a:p>
             <a:r>
               <a:rPr lang="en-GB" dirty="0" smtClean="0"/>
-              <a:t>You can</a:t>
-            </a:r>
-            <a:r>
-              <a:rPr lang="en-GB" baseline="0" dirty="0" smtClean="0"/>
-              <a:t> see the similarities with connect, including using the middleware.</a:t>
-            </a:r>
+              <a:t>Python style, rather than ruby’s single namespace</a:t>
+            </a:r>
+            <a:endParaRPr lang="en-GB" dirty="0"/>
           </a:p>
         </p:txBody>
       </p:sp>
@@ -2199,7 +2097,7 @@
           <a:p>
             <a:fld id="{66631812-A541-604F-85AA-B8A61CCC8741}" type="slidenum">
               <a:rPr lang="en-US" smtClean="0"/>
-              <a:t>66</a:t>
+              <a:t>30</a:t>
             </a:fld>
             <a:endParaRPr lang="en-US" dirty="0"/>
           </a:p>
@@ -2208,7 +2106,7 @@
     </p:spTree>
     <p:extLst>
       <p:ext uri="{BB962C8B-B14F-4D97-AF65-F5344CB8AC3E}">
-        <p14:creationId xmlns:p14="http://schemas.microsoft.com/office/powerpoint/2010/main" val="1638028995"/>
+        <p14:creationId xmlns:p14="http://schemas.microsoft.com/office/powerpoint/2010/main" val="2163029888"/>
       </p:ext>
     </p:extLst>
   </p:cSld>
@@ -2264,13 +2162,38 @@
           <a:p>
             <a:r>
               <a:rPr lang="en-GB" dirty="0" smtClean="0"/>
-              <a:t>HAML</a:t>
+              <a:t>Require returns</a:t>
             </a:r>
             <a:r>
               <a:rPr lang="en-GB" baseline="0" dirty="0" smtClean="0"/>
-              <a:t> inspired, there’s also a JS implementation of HAML available</a:t>
-            </a:r>
-            <a:endParaRPr lang="en-GB" dirty="0"/>
+              <a:t> an ordinary </a:t>
+            </a:r>
+            <a:r>
+              <a:rPr lang="en-GB" baseline="0" dirty="0" err="1" smtClean="0"/>
+              <a:t>javascript</a:t>
+            </a:r>
+            <a:r>
+              <a:rPr lang="en-GB" baseline="0" dirty="0" smtClean="0"/>
+              <a:t> object which is defined by the module</a:t>
+            </a:r>
+          </a:p>
+          <a:p>
+            <a:r>
+              <a:rPr lang="en-GB" baseline="0" dirty="0" smtClean="0"/>
+              <a:t>To use it, we just store this object in a variable scoped to the requiring module</a:t>
+            </a:r>
+          </a:p>
+          <a:p>
+            <a:r>
+              <a:rPr lang="en-GB" baseline="0" dirty="0" smtClean="0"/>
+              <a:t>If we start with . or / then interpret as file path, otherwise use module load paths</a:t>
+            </a:r>
+          </a:p>
+          <a:p>
+            <a:r>
+              <a:rPr lang="en-GB" baseline="0" dirty="0" smtClean="0"/>
+              <a:t>There is an internal cache so subsequent calls to require will always return the same module</a:t>
+            </a:r>
           </a:p>
         </p:txBody>
       </p:sp>
@@ -2291,7 +2214,7 @@
           <a:p>
             <a:fld id="{66631812-A541-604F-85AA-B8A61CCC8741}" type="slidenum">
               <a:rPr lang="en-US" smtClean="0"/>
-              <a:t>69</a:t>
+              <a:t>31</a:t>
             </a:fld>
             <a:endParaRPr lang="en-US" dirty="0"/>
           </a:p>
@@ -2300,7 +2223,7 @@
     </p:spTree>
     <p:extLst>
       <p:ext uri="{BB962C8B-B14F-4D97-AF65-F5344CB8AC3E}">
-        <p14:creationId xmlns:p14="http://schemas.microsoft.com/office/powerpoint/2010/main" val="9434458"/>
+        <p14:creationId xmlns:p14="http://schemas.microsoft.com/office/powerpoint/2010/main" val="3353350119"/>
       </p:ext>
     </p:extLst>
   </p:cSld>
@@ -2356,20 +2279,11 @@
           <a:p>
             <a:r>
               <a:rPr lang="en-GB" dirty="0" smtClean="0"/>
-              <a:t>Here’s the little sample module we’re going to be</a:t>
+              <a:t>Each module has an</a:t>
             </a:r>
             <a:r>
               <a:rPr lang="en-GB" baseline="0" dirty="0" smtClean="0"/>
-              <a:t> testing</a:t>
-            </a:r>
-          </a:p>
-          <a:p>
-            <a:endParaRPr lang="en-GB" baseline="0" dirty="0" smtClean="0"/>
-          </a:p>
-          <a:p>
-            <a:r>
-              <a:rPr lang="en-GB" baseline="0" dirty="0" smtClean="0"/>
-              <a:t>A traditional calculator, where the methods are roughly equivalent to buttons you’d get</a:t>
+              <a:t> “exports” object, which becomes the return value of “require”</a:t>
             </a:r>
             <a:endParaRPr lang="en-GB" dirty="0"/>
           </a:p>
@@ -2392,7 +2306,7 @@
           <a:p>
             <a:fld id="{66631812-A541-604F-85AA-B8A61CCC8741}" type="slidenum">
               <a:rPr lang="en-US" smtClean="0"/>
-              <a:t>72</a:t>
+              <a:t>32</a:t>
             </a:fld>
             <a:endParaRPr lang="en-US" dirty="0"/>
           </a:p>
@@ -2401,7 +2315,7 @@
     </p:spTree>
     <p:extLst>
       <p:ext uri="{BB962C8B-B14F-4D97-AF65-F5344CB8AC3E}">
-        <p14:creationId xmlns:p14="http://schemas.microsoft.com/office/powerpoint/2010/main" val="3055473272"/>
+        <p14:creationId xmlns:p14="http://schemas.microsoft.com/office/powerpoint/2010/main" val="3771942041"/>
       </p:ext>
     </p:extLst>
   </p:cSld>
@@ -2457,36 +2371,29 @@
           <a:p>
             <a:r>
               <a:rPr lang="en-GB" dirty="0" smtClean="0"/>
-              <a:t>And to see how the test frameworks handle </a:t>
+              <a:t>“module” in a module refers to the current scope, exports === </a:t>
             </a:r>
             <a:r>
               <a:rPr lang="en-GB" dirty="0" err="1" smtClean="0"/>
-              <a:t>async</a:t>
-            </a:r>
-            <a:r>
-              <a:rPr lang="en-GB" dirty="0" smtClean="0"/>
-              <a:t> code, we’ll add some arbitrary </a:t>
+              <a:t>module.exports</a:t>
+            </a:r>
+            <a:r>
+              <a:rPr lang="en-GB" dirty="0" smtClean="0"/>
+              <a:t>.</a:t>
+            </a:r>
+          </a:p>
+          <a:p>
+            <a:r>
+              <a:rPr lang="en-GB" dirty="0" smtClean="0"/>
+              <a:t>We can set </a:t>
             </a:r>
             <a:r>
               <a:rPr lang="en-GB" dirty="0" err="1" smtClean="0"/>
-              <a:t>callback</a:t>
-            </a:r>
-            <a:r>
-              <a:rPr lang="en-GB" dirty="0" smtClean="0"/>
-              <a:t> component into the implementation</a:t>
-            </a:r>
-          </a:p>
-          <a:p>
-            <a:endParaRPr lang="en-GB" dirty="0" smtClean="0"/>
-          </a:p>
-          <a:p>
-            <a:r>
-              <a:rPr lang="en-GB" dirty="0" smtClean="0"/>
-              <a:t>In</a:t>
-            </a:r>
-            <a:r>
-              <a:rPr lang="en-GB" baseline="0" dirty="0" smtClean="0"/>
-              <a:t> most real cases you’d probably be doing some form of IO and so this would occur naturally</a:t>
+              <a:t>module.exports</a:t>
+            </a:r>
+            <a:r>
+              <a:rPr lang="en-GB" dirty="0" smtClean="0"/>
+              <a:t> to anything we want – like a function.</a:t>
             </a:r>
             <a:endParaRPr lang="en-GB" dirty="0"/>
           </a:p>
@@ -2509,7 +2416,7 @@
           <a:p>
             <a:fld id="{66631812-A541-604F-85AA-B8A61CCC8741}" type="slidenum">
               <a:rPr lang="en-US" smtClean="0"/>
-              <a:t>73</a:t>
+              <a:t>33</a:t>
             </a:fld>
             <a:endParaRPr lang="en-US" dirty="0"/>
           </a:p>
@@ -2518,7 +2425,7 @@
     </p:spTree>
     <p:extLst>
       <p:ext uri="{BB962C8B-B14F-4D97-AF65-F5344CB8AC3E}">
-        <p14:creationId xmlns:p14="http://schemas.microsoft.com/office/powerpoint/2010/main" val="119951365"/>
+        <p14:creationId xmlns:p14="http://schemas.microsoft.com/office/powerpoint/2010/main" val="3882745360"/>
       </p:ext>
     </p:extLst>
   </p:cSld>
@@ -2574,24 +2481,59 @@
           <a:p>
             <a:r>
               <a:rPr lang="en-GB" dirty="0" smtClean="0"/>
-              <a:t>Not </a:t>
-            </a:r>
+              <a:t>Algorithm:</a:t>
+            </a:r>
+          </a:p>
+          <a:p>
+            <a:r>
+              <a:rPr lang="en-GB" dirty="0" smtClean="0"/>
+              <a:t>Native module?</a:t>
+            </a:r>
+          </a:p>
+          <a:p>
             <a:r>
               <a:rPr lang="en-GB" dirty="0" err="1" smtClean="0"/>
-              <a:t>rspec</a:t>
-            </a:r>
-            <a:r>
-              <a:rPr lang="en-GB" dirty="0" smtClean="0"/>
-              <a:t>-style assertions though!</a:t>
-            </a:r>
-          </a:p>
-          <a:p>
-            <a:endParaRPr lang="en-GB" dirty="0" smtClean="0"/>
-          </a:p>
-          <a:p>
-            <a:r>
-              <a:rPr lang="en-GB" dirty="0" smtClean="0"/>
-              <a:t>No reason they couldn’t be plugged in though.</a:t>
+              <a:t>node_modules</a:t>
+            </a:r>
+            <a:r>
+              <a:rPr lang="en-GB" dirty="0" smtClean="0"/>
+              <a:t> in </a:t>
+            </a:r>
+            <a:r>
+              <a:rPr lang="en-GB" dirty="0" err="1" smtClean="0"/>
+              <a:t>pwd</a:t>
+            </a:r>
+            <a:r>
+              <a:rPr lang="en-GB" dirty="0" smtClean="0"/>
+              <a:t>?</a:t>
+            </a:r>
+          </a:p>
+          <a:p>
+            <a:r>
+              <a:rPr lang="en-GB" dirty="0" err="1" smtClean="0"/>
+              <a:t>node_modules</a:t>
+            </a:r>
+            <a:r>
+              <a:rPr lang="en-GB" dirty="0" smtClean="0"/>
+              <a:t> in parent </a:t>
+            </a:r>
+            <a:r>
+              <a:rPr lang="en-GB" dirty="0" err="1" smtClean="0"/>
+              <a:t>dir</a:t>
+            </a:r>
+            <a:r>
+              <a:rPr lang="en-GB" dirty="0" smtClean="0"/>
+              <a:t>?</a:t>
+            </a:r>
+          </a:p>
+          <a:p>
+            <a:r>
+              <a:rPr lang="en-GB" dirty="0" err="1" smtClean="0"/>
+              <a:t>require.paths</a:t>
+            </a:r>
+            <a:r>
+              <a:rPr lang="en-GB" dirty="0" smtClean="0"/>
+              <a:t> (for system modules)</a:t>
             </a:r>
             <a:endParaRPr lang="en-GB" dirty="0"/>
           </a:p>
@@ -2614,7 +2556,7 @@
           <a:p>
             <a:fld id="{66631812-A541-604F-85AA-B8A61CCC8741}" type="slidenum">
               <a:rPr lang="en-US" smtClean="0"/>
-              <a:t>91</a:t>
+              <a:t>34</a:t>
             </a:fld>
             <a:endParaRPr lang="en-US" dirty="0"/>
           </a:p>
@@ -2623,7 +2565,209 @@
     </p:spTree>
     <p:extLst>
       <p:ext uri="{BB962C8B-B14F-4D97-AF65-F5344CB8AC3E}">
-        <p14:creationId xmlns:p14="http://schemas.microsoft.com/office/powerpoint/2010/main" val="90004260"/>
+        <p14:creationId xmlns:p14="http://schemas.microsoft.com/office/powerpoint/2010/main" val="545612416"/>
+      </p:ext>
+    </p:extLst>
+  </p:cSld>
+  <p:clrMapOvr>
+    <a:masterClrMapping/>
+  </p:clrMapOvr>
+</p:notes>
+</file>
+
+<file path=ppt/notesSlides/notesSlide28.xml><?xml version="1.0" encoding="utf-8"?>
+<p:notes xmlns:a="http://schemas.openxmlformats.org/drawingml/2006/main" xmlns:r="http://schemas.openxmlformats.org/officeDocument/2006/relationships" xmlns:p="http://schemas.openxmlformats.org/presentationml/2006/main">
+  <p:cSld>
+    <p:spTree>
+      <p:nvGrpSpPr>
+        <p:cNvPr id="1" name=""/>
+        <p:cNvGrpSpPr/>
+        <p:nvPr/>
+      </p:nvGrpSpPr>
+      <p:grpSpPr>
+        <a:xfrm>
+          <a:off x="0" y="0"/>
+          <a:ext cx="0" cy="0"/>
+          <a:chOff x="0" y="0"/>
+          <a:chExt cx="0" cy="0"/>
+        </a:xfrm>
+      </p:grpSpPr>
+      <p:sp>
+        <p:nvSpPr>
+          <p:cNvPr id="2" name="Slide Image Placeholder 1"/>
+          <p:cNvSpPr>
+            <a:spLocks noGrp="1" noRot="1" noChangeAspect="1"/>
+          </p:cNvSpPr>
+          <p:nvPr>
+            <p:ph type="sldImg"/>
+          </p:nvPr>
+        </p:nvSpPr>
+        <p:spPr/>
+      </p:sp>
+      <p:sp>
+        <p:nvSpPr>
+          <p:cNvPr id="3" name="Notes Placeholder 2"/>
+          <p:cNvSpPr>
+            <a:spLocks noGrp="1"/>
+          </p:cNvSpPr>
+          <p:nvPr>
+            <p:ph type="body" idx="1"/>
+          </p:nvPr>
+        </p:nvSpPr>
+        <p:spPr/>
+        <p:txBody>
+          <a:bodyPr/>
+          <a:lstStyle/>
+          <a:p>
+            <a:r>
+              <a:rPr lang="en-GB" dirty="0" smtClean="0"/>
+              <a:t>Like </a:t>
+            </a:r>
+            <a:r>
+              <a:rPr lang="en-GB" dirty="0" err="1" smtClean="0"/>
+              <a:t>rubygems</a:t>
+            </a:r>
+            <a:r>
+              <a:rPr lang="en-GB" dirty="0" smtClean="0"/>
+              <a:t>, manage</a:t>
+            </a:r>
+            <a:r>
+              <a:rPr lang="en-GB" baseline="0" dirty="0" smtClean="0"/>
+              <a:t> your dependencies</a:t>
+            </a:r>
+            <a:endParaRPr lang="en-GB" dirty="0"/>
+          </a:p>
+        </p:txBody>
+      </p:sp>
+      <p:sp>
+        <p:nvSpPr>
+          <p:cNvPr id="4" name="Slide Number Placeholder 3"/>
+          <p:cNvSpPr>
+            <a:spLocks noGrp="1"/>
+          </p:cNvSpPr>
+          <p:nvPr>
+            <p:ph type="sldNum" sz="quarter" idx="10"/>
+          </p:nvPr>
+        </p:nvSpPr>
+        <p:spPr/>
+        <p:txBody>
+          <a:bodyPr/>
+          <a:lstStyle/>
+          <a:p>
+            <a:fld id="{66631812-A541-604F-85AA-B8A61CCC8741}" type="slidenum">
+              <a:rPr lang="en-US" smtClean="0"/>
+              <a:t>35</a:t>
+            </a:fld>
+            <a:endParaRPr lang="en-US" dirty="0"/>
+          </a:p>
+        </p:txBody>
+      </p:sp>
+    </p:spTree>
+    <p:extLst>
+      <p:ext uri="{BB962C8B-B14F-4D97-AF65-F5344CB8AC3E}">
+        <p14:creationId xmlns:p14="http://schemas.microsoft.com/office/powerpoint/2010/main" val="2768371662"/>
+      </p:ext>
+    </p:extLst>
+  </p:cSld>
+  <p:clrMapOvr>
+    <a:masterClrMapping/>
+  </p:clrMapOvr>
+</p:notes>
+</file>
+
+<file path=ppt/notesSlides/notesSlide29.xml><?xml version="1.0" encoding="utf-8"?>
+<p:notes xmlns:a="http://schemas.openxmlformats.org/drawingml/2006/main" xmlns:r="http://schemas.openxmlformats.org/officeDocument/2006/relationships" xmlns:p="http://schemas.openxmlformats.org/presentationml/2006/main">
+  <p:cSld>
+    <p:spTree>
+      <p:nvGrpSpPr>
+        <p:cNvPr id="1" name=""/>
+        <p:cNvGrpSpPr/>
+        <p:nvPr/>
+      </p:nvGrpSpPr>
+      <p:grpSpPr>
+        <a:xfrm>
+          <a:off x="0" y="0"/>
+          <a:ext cx="0" cy="0"/>
+          <a:chOff x="0" y="0"/>
+          <a:chExt cx="0" cy="0"/>
+        </a:xfrm>
+      </p:grpSpPr>
+      <p:sp>
+        <p:nvSpPr>
+          <p:cNvPr id="2" name="Slide Image Placeholder 1"/>
+          <p:cNvSpPr>
+            <a:spLocks noGrp="1" noRot="1" noChangeAspect="1"/>
+          </p:cNvSpPr>
+          <p:nvPr>
+            <p:ph type="sldImg"/>
+          </p:nvPr>
+        </p:nvSpPr>
+        <p:spPr/>
+      </p:sp>
+      <p:sp>
+        <p:nvSpPr>
+          <p:cNvPr id="3" name="Notes Placeholder 2"/>
+          <p:cNvSpPr>
+            <a:spLocks noGrp="1"/>
+          </p:cNvSpPr>
+          <p:nvPr>
+            <p:ph type="body" idx="1"/>
+          </p:nvPr>
+        </p:nvSpPr>
+        <p:spPr/>
+        <p:txBody>
+          <a:bodyPr/>
+          <a:lstStyle/>
+          <a:p>
+            <a:r>
+              <a:rPr lang="en-GB" dirty="0" smtClean="0"/>
+              <a:t>Discuss difference between global and local</a:t>
+            </a:r>
+          </a:p>
+          <a:p>
+            <a:r>
+              <a:rPr lang="en-GB" dirty="0" smtClean="0"/>
+              <a:t>discuss</a:t>
+            </a:r>
+            <a:r>
+              <a:rPr lang="en-GB" baseline="0" dirty="0" smtClean="0"/>
+              <a:t> briefly </a:t>
+            </a:r>
+            <a:r>
+              <a:rPr lang="en-GB" baseline="0" dirty="0" err="1" smtClean="0"/>
+              <a:t>package.json</a:t>
+            </a:r>
+            <a:endParaRPr lang="en-GB" dirty="0"/>
+          </a:p>
+        </p:txBody>
+      </p:sp>
+      <p:sp>
+        <p:nvSpPr>
+          <p:cNvPr id="4" name="Slide Number Placeholder 3"/>
+          <p:cNvSpPr>
+            <a:spLocks noGrp="1"/>
+          </p:cNvSpPr>
+          <p:nvPr>
+            <p:ph type="sldNum" sz="quarter" idx="10"/>
+          </p:nvPr>
+        </p:nvSpPr>
+        <p:spPr/>
+        <p:txBody>
+          <a:bodyPr/>
+          <a:lstStyle/>
+          <a:p>
+            <a:fld id="{66631812-A541-604F-85AA-B8A61CCC8741}" type="slidenum">
+              <a:rPr lang="en-US" smtClean="0"/>
+              <a:t>36</a:t>
+            </a:fld>
+            <a:endParaRPr lang="en-US" dirty="0"/>
+          </a:p>
+        </p:txBody>
+      </p:sp>
+    </p:spTree>
+    <p:extLst>
+      <p:ext uri="{BB962C8B-B14F-4D97-AF65-F5344CB8AC3E}">
+        <p14:creationId xmlns:p14="http://schemas.microsoft.com/office/powerpoint/2010/main" val="679041862"/>
       </p:ext>
     </p:extLst>
   </p:cSld>
@@ -2677,36 +2821,7 @@
           <a:bodyPr/>
           <a:lstStyle/>
           <a:p>
-            <a:r>
-              <a:rPr lang="en-US" dirty="0" smtClean="0"/>
-              <a:t>However</a:t>
-            </a:r>
-            <a:r>
-              <a:rPr lang="en-US" baseline="0" dirty="0" smtClean="0"/>
-              <a:t> this comes with its own set of problems – not all tasks play nicely together</a:t>
-            </a:r>
-          </a:p>
-          <a:p>
-            <a:endParaRPr lang="en-US" baseline="0" dirty="0" smtClean="0"/>
-          </a:p>
-          <a:p>
-            <a:r>
-              <a:rPr lang="en-US" baseline="0" dirty="0" smtClean="0"/>
-              <a:t>Locks – and thus deadlocks</a:t>
-            </a:r>
-          </a:p>
-          <a:p>
-            <a:r>
-              <a:rPr lang="en-US" baseline="0" dirty="0" smtClean="0"/>
-              <a:t>Immutable state</a:t>
-            </a:r>
-          </a:p>
-          <a:p>
-            <a:r>
-              <a:rPr lang="en-US" baseline="0" dirty="0" smtClean="0"/>
-              <a:t>Software Transactional Memory</a:t>
-            </a:r>
-            <a:endParaRPr lang="en-US" dirty="0"/>
+            <a:endParaRPr lang="en-GB" dirty="0"/>
           </a:p>
         </p:txBody>
       </p:sp>
@@ -2727,7 +2842,7 @@
           <a:p>
             <a:fld id="{66631812-A541-604F-85AA-B8A61CCC8741}" type="slidenum">
               <a:rPr lang="en-US" smtClean="0"/>
-              <a:t>9</a:t>
+              <a:t>5</a:t>
             </a:fld>
             <a:endParaRPr lang="en-US" dirty="0"/>
           </a:p>
@@ -2736,7 +2851,1062 @@
     </p:spTree>
     <p:extLst>
       <p:ext uri="{BB962C8B-B14F-4D97-AF65-F5344CB8AC3E}">
-        <p14:creationId xmlns:p14="http://schemas.microsoft.com/office/powerpoint/2010/main" val="2711109673"/>
+        <p14:creationId xmlns:p14="http://schemas.microsoft.com/office/powerpoint/2010/main" val="4049186132"/>
+      </p:ext>
+    </p:extLst>
+  </p:cSld>
+  <p:clrMapOvr>
+    <a:masterClrMapping/>
+  </p:clrMapOvr>
+</p:notes>
+</file>
+
+<file path=ppt/notesSlides/notesSlide30.xml><?xml version="1.0" encoding="utf-8"?>
+<p:notes xmlns:a="http://schemas.openxmlformats.org/drawingml/2006/main" xmlns:r="http://schemas.openxmlformats.org/officeDocument/2006/relationships" xmlns:p="http://schemas.openxmlformats.org/presentationml/2006/main">
+  <p:cSld>
+    <p:spTree>
+      <p:nvGrpSpPr>
+        <p:cNvPr id="1" name=""/>
+        <p:cNvGrpSpPr/>
+        <p:nvPr/>
+      </p:nvGrpSpPr>
+      <p:grpSpPr>
+        <a:xfrm>
+          <a:off x="0" y="0"/>
+          <a:ext cx="0" cy="0"/>
+          <a:chOff x="0" y="0"/>
+          <a:chExt cx="0" cy="0"/>
+        </a:xfrm>
+      </p:grpSpPr>
+      <p:sp>
+        <p:nvSpPr>
+          <p:cNvPr id="2" name="Slide Image Placeholder 1"/>
+          <p:cNvSpPr>
+            <a:spLocks noGrp="1" noRot="1" noChangeAspect="1"/>
+          </p:cNvSpPr>
+          <p:nvPr>
+            <p:ph type="sldImg"/>
+          </p:nvPr>
+        </p:nvSpPr>
+        <p:spPr/>
+      </p:sp>
+      <p:sp>
+        <p:nvSpPr>
+          <p:cNvPr id="3" name="Notes Placeholder 2"/>
+          <p:cNvSpPr>
+            <a:spLocks noGrp="1"/>
+          </p:cNvSpPr>
+          <p:nvPr>
+            <p:ph type="body" idx="1"/>
+          </p:nvPr>
+        </p:nvSpPr>
+        <p:spPr/>
+        <p:txBody>
+          <a:bodyPr/>
+          <a:lstStyle/>
+          <a:p>
+            <a:r>
+              <a:rPr lang="en-GB" dirty="0" smtClean="0"/>
+              <a:t>Note</a:t>
+            </a:r>
+            <a:r>
+              <a:rPr lang="en-GB" baseline="0" dirty="0" smtClean="0"/>
+              <a:t> the error argument in all callbacks</a:t>
+            </a:r>
+          </a:p>
+          <a:p>
+            <a:r>
+              <a:rPr lang="en-GB" baseline="0" dirty="0" smtClean="0"/>
+              <a:t>And the if error bail out pattern</a:t>
+            </a:r>
+            <a:endParaRPr lang="en-GB" dirty="0"/>
+          </a:p>
+        </p:txBody>
+      </p:sp>
+      <p:sp>
+        <p:nvSpPr>
+          <p:cNvPr id="4" name="Slide Number Placeholder 3"/>
+          <p:cNvSpPr>
+            <a:spLocks noGrp="1"/>
+          </p:cNvSpPr>
+          <p:nvPr>
+            <p:ph type="sldNum" sz="quarter" idx="10"/>
+          </p:nvPr>
+        </p:nvSpPr>
+        <p:spPr/>
+        <p:txBody>
+          <a:bodyPr/>
+          <a:lstStyle/>
+          <a:p>
+            <a:fld id="{66631812-A541-604F-85AA-B8A61CCC8741}" type="slidenum">
+              <a:rPr lang="en-US" smtClean="0"/>
+              <a:t>38</a:t>
+            </a:fld>
+            <a:endParaRPr lang="en-US" dirty="0"/>
+          </a:p>
+        </p:txBody>
+      </p:sp>
+    </p:spTree>
+    <p:extLst>
+      <p:ext uri="{BB962C8B-B14F-4D97-AF65-F5344CB8AC3E}">
+        <p14:creationId xmlns:p14="http://schemas.microsoft.com/office/powerpoint/2010/main" val="2466654008"/>
+      </p:ext>
+    </p:extLst>
+  </p:cSld>
+  <p:clrMapOvr>
+    <a:masterClrMapping/>
+  </p:clrMapOvr>
+</p:notes>
+</file>
+
+<file path=ppt/notesSlides/notesSlide31.xml><?xml version="1.0" encoding="utf-8"?>
+<p:notes xmlns:a="http://schemas.openxmlformats.org/drawingml/2006/main" xmlns:r="http://schemas.openxmlformats.org/officeDocument/2006/relationships" xmlns:p="http://schemas.openxmlformats.org/presentationml/2006/main">
+  <p:cSld>
+    <p:spTree>
+      <p:nvGrpSpPr>
+        <p:cNvPr id="1" name=""/>
+        <p:cNvGrpSpPr/>
+        <p:nvPr/>
+      </p:nvGrpSpPr>
+      <p:grpSpPr>
+        <a:xfrm>
+          <a:off x="0" y="0"/>
+          <a:ext cx="0" cy="0"/>
+          <a:chOff x="0" y="0"/>
+          <a:chExt cx="0" cy="0"/>
+        </a:xfrm>
+      </p:grpSpPr>
+      <p:sp>
+        <p:nvSpPr>
+          <p:cNvPr id="2" name="Slide Image Placeholder 1"/>
+          <p:cNvSpPr>
+            <a:spLocks noGrp="1" noRot="1" noChangeAspect="1"/>
+          </p:cNvSpPr>
+          <p:nvPr>
+            <p:ph type="sldImg"/>
+          </p:nvPr>
+        </p:nvSpPr>
+        <p:spPr/>
+      </p:sp>
+      <p:sp>
+        <p:nvSpPr>
+          <p:cNvPr id="3" name="Notes Placeholder 2"/>
+          <p:cNvSpPr>
+            <a:spLocks noGrp="1"/>
+          </p:cNvSpPr>
+          <p:nvPr>
+            <p:ph type="body" idx="1"/>
+          </p:nvPr>
+        </p:nvSpPr>
+        <p:spPr/>
+        <p:txBody>
+          <a:bodyPr/>
+          <a:lstStyle/>
+          <a:p>
+            <a:r>
+              <a:rPr lang="en-GB" dirty="0" smtClean="0"/>
+              <a:t>When</a:t>
+            </a:r>
+            <a:r>
+              <a:rPr lang="en-GB" baseline="0" dirty="0" smtClean="0"/>
+              <a:t> writing computationally expensive code, we can use </a:t>
+            </a:r>
+            <a:r>
+              <a:rPr lang="en-GB" baseline="0" dirty="0" err="1" smtClean="0"/>
+              <a:t>process.nextTick</a:t>
+            </a:r>
+            <a:r>
+              <a:rPr lang="en-GB" baseline="0" dirty="0" smtClean="0"/>
+              <a:t> to schedule some code to be run after releasing the loop to other subroutines</a:t>
+            </a:r>
+            <a:endParaRPr lang="en-GB" dirty="0"/>
+          </a:p>
+        </p:txBody>
+      </p:sp>
+      <p:sp>
+        <p:nvSpPr>
+          <p:cNvPr id="4" name="Slide Number Placeholder 3"/>
+          <p:cNvSpPr>
+            <a:spLocks noGrp="1"/>
+          </p:cNvSpPr>
+          <p:nvPr>
+            <p:ph type="sldNum" sz="quarter" idx="10"/>
+          </p:nvPr>
+        </p:nvSpPr>
+        <p:spPr/>
+        <p:txBody>
+          <a:bodyPr/>
+          <a:lstStyle/>
+          <a:p>
+            <a:fld id="{66631812-A541-604F-85AA-B8A61CCC8741}" type="slidenum">
+              <a:rPr lang="en-US" smtClean="0"/>
+              <a:t>39</a:t>
+            </a:fld>
+            <a:endParaRPr lang="en-US" dirty="0"/>
+          </a:p>
+        </p:txBody>
+      </p:sp>
+    </p:spTree>
+    <p:extLst>
+      <p:ext uri="{BB962C8B-B14F-4D97-AF65-F5344CB8AC3E}">
+        <p14:creationId xmlns:p14="http://schemas.microsoft.com/office/powerpoint/2010/main" val="3271610038"/>
+      </p:ext>
+    </p:extLst>
+  </p:cSld>
+  <p:clrMapOvr>
+    <a:masterClrMapping/>
+  </p:clrMapOvr>
+</p:notes>
+</file>
+
+<file path=ppt/notesSlides/notesSlide32.xml><?xml version="1.0" encoding="utf-8"?>
+<p:notes xmlns:a="http://schemas.openxmlformats.org/drawingml/2006/main" xmlns:r="http://schemas.openxmlformats.org/officeDocument/2006/relationships" xmlns:p="http://schemas.openxmlformats.org/presentationml/2006/main">
+  <p:cSld>
+    <p:spTree>
+      <p:nvGrpSpPr>
+        <p:cNvPr id="1" name=""/>
+        <p:cNvGrpSpPr/>
+        <p:nvPr/>
+      </p:nvGrpSpPr>
+      <p:grpSpPr>
+        <a:xfrm>
+          <a:off x="0" y="0"/>
+          <a:ext cx="0" cy="0"/>
+          <a:chOff x="0" y="0"/>
+          <a:chExt cx="0" cy="0"/>
+        </a:xfrm>
+      </p:grpSpPr>
+      <p:sp>
+        <p:nvSpPr>
+          <p:cNvPr id="2" name="Slide Image Placeholder 1"/>
+          <p:cNvSpPr>
+            <a:spLocks noGrp="1" noRot="1" noChangeAspect="1"/>
+          </p:cNvSpPr>
+          <p:nvPr>
+            <p:ph type="sldImg"/>
+          </p:nvPr>
+        </p:nvSpPr>
+        <p:spPr/>
+      </p:sp>
+      <p:sp>
+        <p:nvSpPr>
+          <p:cNvPr id="3" name="Notes Placeholder 2"/>
+          <p:cNvSpPr>
+            <a:spLocks noGrp="1"/>
+          </p:cNvSpPr>
+          <p:nvPr>
+            <p:ph type="body" idx="1"/>
+          </p:nvPr>
+        </p:nvSpPr>
+        <p:spPr/>
+        <p:txBody>
+          <a:bodyPr/>
+          <a:lstStyle/>
+          <a:p>
+            <a:r>
+              <a:rPr lang="en-GB" dirty="0" smtClean="0"/>
+              <a:t>A standard pattern for listening to and</a:t>
+            </a:r>
+            <a:r>
+              <a:rPr lang="en-GB" baseline="0" dirty="0" smtClean="0"/>
+              <a:t> broadcasting events.</a:t>
+            </a:r>
+          </a:p>
+          <a:p>
+            <a:endParaRPr lang="en-GB" baseline="0" dirty="0" smtClean="0"/>
+          </a:p>
+          <a:p>
+            <a:r>
+              <a:rPr lang="en-GB" baseline="0" dirty="0" smtClean="0"/>
+              <a:t>The “error” event is special cased to raise an exception if it is fired when there is no listener</a:t>
+            </a:r>
+            <a:endParaRPr lang="en-GB" dirty="0"/>
+          </a:p>
+        </p:txBody>
+      </p:sp>
+      <p:sp>
+        <p:nvSpPr>
+          <p:cNvPr id="4" name="Slide Number Placeholder 3"/>
+          <p:cNvSpPr>
+            <a:spLocks noGrp="1"/>
+          </p:cNvSpPr>
+          <p:nvPr>
+            <p:ph type="sldNum" sz="quarter" idx="10"/>
+          </p:nvPr>
+        </p:nvSpPr>
+        <p:spPr/>
+        <p:txBody>
+          <a:bodyPr/>
+          <a:lstStyle/>
+          <a:p>
+            <a:fld id="{66631812-A541-604F-85AA-B8A61CCC8741}" type="slidenum">
+              <a:rPr lang="en-US" smtClean="0"/>
+              <a:t>41</a:t>
+            </a:fld>
+            <a:endParaRPr lang="en-US" dirty="0"/>
+          </a:p>
+        </p:txBody>
+      </p:sp>
+    </p:spTree>
+    <p:extLst>
+      <p:ext uri="{BB962C8B-B14F-4D97-AF65-F5344CB8AC3E}">
+        <p14:creationId xmlns:p14="http://schemas.microsoft.com/office/powerpoint/2010/main" val="953802019"/>
+      </p:ext>
+    </p:extLst>
+  </p:cSld>
+  <p:clrMapOvr>
+    <a:masterClrMapping/>
+  </p:clrMapOvr>
+</p:notes>
+</file>
+
+<file path=ppt/notesSlides/notesSlide33.xml><?xml version="1.0" encoding="utf-8"?>
+<p:notes xmlns:a="http://schemas.openxmlformats.org/drawingml/2006/main" xmlns:r="http://schemas.openxmlformats.org/officeDocument/2006/relationships" xmlns:p="http://schemas.openxmlformats.org/presentationml/2006/main">
+  <p:cSld>
+    <p:spTree>
+      <p:nvGrpSpPr>
+        <p:cNvPr id="1" name=""/>
+        <p:cNvGrpSpPr/>
+        <p:nvPr/>
+      </p:nvGrpSpPr>
+      <p:grpSpPr>
+        <a:xfrm>
+          <a:off x="0" y="0"/>
+          <a:ext cx="0" cy="0"/>
+          <a:chOff x="0" y="0"/>
+          <a:chExt cx="0" cy="0"/>
+        </a:xfrm>
+      </p:grpSpPr>
+      <p:sp>
+        <p:nvSpPr>
+          <p:cNvPr id="2" name="Slide Image Placeholder 1"/>
+          <p:cNvSpPr>
+            <a:spLocks noGrp="1" noRot="1" noChangeAspect="1"/>
+          </p:cNvSpPr>
+          <p:nvPr>
+            <p:ph type="sldImg"/>
+          </p:nvPr>
+        </p:nvSpPr>
+        <p:spPr/>
+      </p:sp>
+      <p:sp>
+        <p:nvSpPr>
+          <p:cNvPr id="3" name="Notes Placeholder 2"/>
+          <p:cNvSpPr>
+            <a:spLocks noGrp="1"/>
+          </p:cNvSpPr>
+          <p:nvPr>
+            <p:ph type="body" idx="1"/>
+          </p:nvPr>
+        </p:nvSpPr>
+        <p:spPr/>
+        <p:txBody>
+          <a:bodyPr/>
+          <a:lstStyle/>
+          <a:p>
+            <a:r>
+              <a:rPr lang="en-GB" dirty="0" smtClean="0"/>
+              <a:t>stream, net, </a:t>
+            </a:r>
+            <a:r>
+              <a:rPr lang="en-GB" dirty="0" err="1" smtClean="0"/>
+              <a:t>fs</a:t>
+            </a:r>
+            <a:r>
+              <a:rPr lang="en-GB" dirty="0" smtClean="0"/>
+              <a:t>, http, https</a:t>
+            </a:r>
+          </a:p>
+        </p:txBody>
+      </p:sp>
+      <p:sp>
+        <p:nvSpPr>
+          <p:cNvPr id="4" name="Slide Number Placeholder 3"/>
+          <p:cNvSpPr>
+            <a:spLocks noGrp="1"/>
+          </p:cNvSpPr>
+          <p:nvPr>
+            <p:ph type="sldNum" sz="quarter" idx="10"/>
+          </p:nvPr>
+        </p:nvSpPr>
+        <p:spPr/>
+        <p:txBody>
+          <a:bodyPr/>
+          <a:lstStyle/>
+          <a:p>
+            <a:fld id="{66631812-A541-604F-85AA-B8A61CCC8741}" type="slidenum">
+              <a:rPr lang="en-US" smtClean="0"/>
+              <a:t>42</a:t>
+            </a:fld>
+            <a:endParaRPr lang="en-US" dirty="0"/>
+          </a:p>
+        </p:txBody>
+      </p:sp>
+    </p:spTree>
+    <p:extLst>
+      <p:ext uri="{BB962C8B-B14F-4D97-AF65-F5344CB8AC3E}">
+        <p14:creationId xmlns:p14="http://schemas.microsoft.com/office/powerpoint/2010/main" val="4276465349"/>
+      </p:ext>
+    </p:extLst>
+  </p:cSld>
+  <p:clrMapOvr>
+    <a:masterClrMapping/>
+  </p:clrMapOvr>
+</p:notes>
+</file>
+
+<file path=ppt/notesSlides/notesSlide34.xml><?xml version="1.0" encoding="utf-8"?>
+<p:notes xmlns:a="http://schemas.openxmlformats.org/drawingml/2006/main" xmlns:r="http://schemas.openxmlformats.org/officeDocument/2006/relationships" xmlns:p="http://schemas.openxmlformats.org/presentationml/2006/main">
+  <p:cSld>
+    <p:spTree>
+      <p:nvGrpSpPr>
+        <p:cNvPr id="1" name=""/>
+        <p:cNvGrpSpPr/>
+        <p:nvPr/>
+      </p:nvGrpSpPr>
+      <p:grpSpPr>
+        <a:xfrm>
+          <a:off x="0" y="0"/>
+          <a:ext cx="0" cy="0"/>
+          <a:chOff x="0" y="0"/>
+          <a:chExt cx="0" cy="0"/>
+        </a:xfrm>
+      </p:grpSpPr>
+      <p:sp>
+        <p:nvSpPr>
+          <p:cNvPr id="2" name="Slide Image Placeholder 1"/>
+          <p:cNvSpPr>
+            <a:spLocks noGrp="1" noRot="1" noChangeAspect="1"/>
+          </p:cNvSpPr>
+          <p:nvPr>
+            <p:ph type="sldImg"/>
+          </p:nvPr>
+        </p:nvSpPr>
+        <p:spPr/>
+      </p:sp>
+      <p:sp>
+        <p:nvSpPr>
+          <p:cNvPr id="3" name="Notes Placeholder 2"/>
+          <p:cNvSpPr>
+            <a:spLocks noGrp="1"/>
+          </p:cNvSpPr>
+          <p:nvPr>
+            <p:ph type="body" idx="1"/>
+          </p:nvPr>
+        </p:nvSpPr>
+        <p:spPr/>
+        <p:txBody>
+          <a:bodyPr/>
+          <a:lstStyle/>
+          <a:p>
+            <a:pPr marL="0" marR="0" indent="0" algn="l" defTabSz="457200" rtl="0" eaLnBrk="1" fontAlgn="auto" latinLnBrk="0" hangingPunct="1">
+              <a:lnSpc>
+                <a:spcPct val="100000"/>
+              </a:lnSpc>
+              <a:spcBef>
+                <a:spcPts val="0"/>
+              </a:spcBef>
+              <a:spcAft>
+                <a:spcPts val="0"/>
+              </a:spcAft>
+              <a:buClrTx/>
+              <a:buSzTx/>
+              <a:buFontTx/>
+              <a:buNone/>
+              <a:tabLst/>
+              <a:defRPr/>
+            </a:pPr>
+            <a:r>
+              <a:rPr lang="en-GB" dirty="0" smtClean="0"/>
+              <a:t>“Classes” are simply functions</a:t>
+            </a:r>
+            <a:r>
+              <a:rPr lang="en-GB" baseline="0" dirty="0" smtClean="0"/>
+              <a:t> which we then use as constructors</a:t>
+            </a:r>
+            <a:endParaRPr lang="en-GB" dirty="0" smtClean="0"/>
+          </a:p>
+          <a:p>
+            <a:endParaRPr lang="en-GB" dirty="0" smtClean="0"/>
+          </a:p>
+          <a:p>
+            <a:r>
+              <a:rPr lang="en-GB" dirty="0" smtClean="0"/>
+              <a:t>The </a:t>
+            </a:r>
+            <a:r>
+              <a:rPr lang="en-GB" dirty="0" err="1" smtClean="0"/>
+              <a:t>util</a:t>
+            </a:r>
+            <a:r>
+              <a:rPr lang="en-GB" dirty="0" smtClean="0"/>
+              <a:t> module provides an inherits function which is all we need to do inheritance.</a:t>
+            </a:r>
+          </a:p>
+          <a:p>
+            <a:endParaRPr lang="en-GB" dirty="0" smtClean="0"/>
+          </a:p>
+          <a:p>
+            <a:r>
+              <a:rPr lang="en-GB" dirty="0" smtClean="0"/>
+              <a:t>It</a:t>
+            </a:r>
+            <a:r>
+              <a:rPr lang="en-GB" baseline="0" dirty="0" smtClean="0"/>
+              <a:t> sets the prototype of the child object to the parent object, and also sets up </a:t>
+            </a:r>
+            <a:r>
+              <a:rPr lang="en-GB" baseline="0" dirty="0" err="1" smtClean="0"/>
+              <a:t>this.constructor</a:t>
+            </a:r>
+            <a:r>
+              <a:rPr lang="en-GB" baseline="0" dirty="0" smtClean="0"/>
+              <a:t> and .super_ correctly</a:t>
+            </a:r>
+            <a:endParaRPr lang="en-GB" dirty="0"/>
+          </a:p>
+        </p:txBody>
+      </p:sp>
+      <p:sp>
+        <p:nvSpPr>
+          <p:cNvPr id="4" name="Slide Number Placeholder 3"/>
+          <p:cNvSpPr>
+            <a:spLocks noGrp="1"/>
+          </p:cNvSpPr>
+          <p:nvPr>
+            <p:ph type="sldNum" sz="quarter" idx="10"/>
+          </p:nvPr>
+        </p:nvSpPr>
+        <p:spPr/>
+        <p:txBody>
+          <a:bodyPr/>
+          <a:lstStyle/>
+          <a:p>
+            <a:fld id="{66631812-A541-604F-85AA-B8A61CCC8741}" type="slidenum">
+              <a:rPr lang="en-US" smtClean="0"/>
+              <a:t>45</a:t>
+            </a:fld>
+            <a:endParaRPr lang="en-US" dirty="0"/>
+          </a:p>
+        </p:txBody>
+      </p:sp>
+    </p:spTree>
+    <p:extLst>
+      <p:ext uri="{BB962C8B-B14F-4D97-AF65-F5344CB8AC3E}">
+        <p14:creationId xmlns:p14="http://schemas.microsoft.com/office/powerpoint/2010/main" val="591357642"/>
+      </p:ext>
+    </p:extLst>
+  </p:cSld>
+  <p:clrMapOvr>
+    <a:masterClrMapping/>
+  </p:clrMapOvr>
+</p:notes>
+</file>
+
+<file path=ppt/notesSlides/notesSlide35.xml><?xml version="1.0" encoding="utf-8"?>
+<p:notes xmlns:a="http://schemas.openxmlformats.org/drawingml/2006/main" xmlns:r="http://schemas.openxmlformats.org/officeDocument/2006/relationships" xmlns:p="http://schemas.openxmlformats.org/presentationml/2006/main">
+  <p:cSld>
+    <p:spTree>
+      <p:nvGrpSpPr>
+        <p:cNvPr id="1" name=""/>
+        <p:cNvGrpSpPr/>
+        <p:nvPr/>
+      </p:nvGrpSpPr>
+      <p:grpSpPr>
+        <a:xfrm>
+          <a:off x="0" y="0"/>
+          <a:ext cx="0" cy="0"/>
+          <a:chOff x="0" y="0"/>
+          <a:chExt cx="0" cy="0"/>
+        </a:xfrm>
+      </p:grpSpPr>
+      <p:sp>
+        <p:nvSpPr>
+          <p:cNvPr id="2" name="Slide Image Placeholder 1"/>
+          <p:cNvSpPr>
+            <a:spLocks noGrp="1" noRot="1" noChangeAspect="1"/>
+          </p:cNvSpPr>
+          <p:nvPr>
+            <p:ph type="sldImg"/>
+          </p:nvPr>
+        </p:nvSpPr>
+        <p:spPr/>
+      </p:sp>
+      <p:sp>
+        <p:nvSpPr>
+          <p:cNvPr id="3" name="Notes Placeholder 2"/>
+          <p:cNvSpPr>
+            <a:spLocks noGrp="1"/>
+          </p:cNvSpPr>
+          <p:nvPr>
+            <p:ph type="body" idx="1"/>
+          </p:nvPr>
+        </p:nvSpPr>
+        <p:spPr/>
+        <p:txBody>
+          <a:bodyPr/>
+          <a:lstStyle/>
+          <a:p>
+            <a:r>
+              <a:rPr lang="en-GB" dirty="0" smtClean="0"/>
+              <a:t>We use the “new” operator to create</a:t>
+            </a:r>
+            <a:r>
+              <a:rPr lang="en-GB" baseline="0" dirty="0" smtClean="0"/>
+              <a:t> instances</a:t>
+            </a:r>
+            <a:endParaRPr lang="en-GB" dirty="0"/>
+          </a:p>
+        </p:txBody>
+      </p:sp>
+      <p:sp>
+        <p:nvSpPr>
+          <p:cNvPr id="4" name="Slide Number Placeholder 3"/>
+          <p:cNvSpPr>
+            <a:spLocks noGrp="1"/>
+          </p:cNvSpPr>
+          <p:nvPr>
+            <p:ph type="sldNum" sz="quarter" idx="10"/>
+          </p:nvPr>
+        </p:nvSpPr>
+        <p:spPr/>
+        <p:txBody>
+          <a:bodyPr/>
+          <a:lstStyle/>
+          <a:p>
+            <a:fld id="{66631812-A541-604F-85AA-B8A61CCC8741}" type="slidenum">
+              <a:rPr lang="en-US" smtClean="0"/>
+              <a:t>46</a:t>
+            </a:fld>
+            <a:endParaRPr lang="en-US" dirty="0"/>
+          </a:p>
+        </p:txBody>
+      </p:sp>
+    </p:spTree>
+    <p:extLst>
+      <p:ext uri="{BB962C8B-B14F-4D97-AF65-F5344CB8AC3E}">
+        <p14:creationId xmlns:p14="http://schemas.microsoft.com/office/powerpoint/2010/main" val="1980828894"/>
+      </p:ext>
+    </p:extLst>
+  </p:cSld>
+  <p:clrMapOvr>
+    <a:masterClrMapping/>
+  </p:clrMapOvr>
+</p:notes>
+</file>
+
+<file path=ppt/notesSlides/notesSlide36.xml><?xml version="1.0" encoding="utf-8"?>
+<p:notes xmlns:a="http://schemas.openxmlformats.org/drawingml/2006/main" xmlns:r="http://schemas.openxmlformats.org/officeDocument/2006/relationships" xmlns:p="http://schemas.openxmlformats.org/presentationml/2006/main">
+  <p:cSld>
+    <p:spTree>
+      <p:nvGrpSpPr>
+        <p:cNvPr id="1" name=""/>
+        <p:cNvGrpSpPr/>
+        <p:nvPr/>
+      </p:nvGrpSpPr>
+      <p:grpSpPr>
+        <a:xfrm>
+          <a:off x="0" y="0"/>
+          <a:ext cx="0" cy="0"/>
+          <a:chOff x="0" y="0"/>
+          <a:chExt cx="0" cy="0"/>
+        </a:xfrm>
+      </p:grpSpPr>
+      <p:sp>
+        <p:nvSpPr>
+          <p:cNvPr id="2" name="Slide Image Placeholder 1"/>
+          <p:cNvSpPr>
+            <a:spLocks noGrp="1" noRot="1" noChangeAspect="1"/>
+          </p:cNvSpPr>
+          <p:nvPr>
+            <p:ph type="sldImg"/>
+          </p:nvPr>
+        </p:nvSpPr>
+        <p:spPr/>
+      </p:sp>
+      <p:sp>
+        <p:nvSpPr>
+          <p:cNvPr id="3" name="Notes Placeholder 2"/>
+          <p:cNvSpPr>
+            <a:spLocks noGrp="1"/>
+          </p:cNvSpPr>
+          <p:nvPr>
+            <p:ph type="body" idx="1"/>
+          </p:nvPr>
+        </p:nvSpPr>
+        <p:spPr/>
+        <p:txBody>
+          <a:bodyPr/>
+          <a:lstStyle/>
+          <a:p>
+            <a:r>
+              <a:rPr lang="en-GB" dirty="0" smtClean="0"/>
+              <a:t>By assigning to the prototype</a:t>
+            </a:r>
+            <a:r>
+              <a:rPr lang="en-GB" baseline="0" dirty="0" smtClean="0"/>
+              <a:t> we make functions / properties available to all instances</a:t>
+            </a:r>
+            <a:endParaRPr lang="en-GB" dirty="0"/>
+          </a:p>
+        </p:txBody>
+      </p:sp>
+      <p:sp>
+        <p:nvSpPr>
+          <p:cNvPr id="4" name="Slide Number Placeholder 3"/>
+          <p:cNvSpPr>
+            <a:spLocks noGrp="1"/>
+          </p:cNvSpPr>
+          <p:nvPr>
+            <p:ph type="sldNum" sz="quarter" idx="10"/>
+          </p:nvPr>
+        </p:nvSpPr>
+        <p:spPr/>
+        <p:txBody>
+          <a:bodyPr/>
+          <a:lstStyle/>
+          <a:p>
+            <a:fld id="{66631812-A541-604F-85AA-B8A61CCC8741}" type="slidenum">
+              <a:rPr lang="en-US" smtClean="0"/>
+              <a:t>47</a:t>
+            </a:fld>
+            <a:endParaRPr lang="en-US" dirty="0"/>
+          </a:p>
+        </p:txBody>
+      </p:sp>
+    </p:spTree>
+    <p:extLst>
+      <p:ext uri="{BB962C8B-B14F-4D97-AF65-F5344CB8AC3E}">
+        <p14:creationId xmlns:p14="http://schemas.microsoft.com/office/powerpoint/2010/main" val="4057508956"/>
+      </p:ext>
+    </p:extLst>
+  </p:cSld>
+  <p:clrMapOvr>
+    <a:masterClrMapping/>
+  </p:clrMapOvr>
+</p:notes>
+</file>
+
+<file path=ppt/notesSlides/notesSlide37.xml><?xml version="1.0" encoding="utf-8"?>
+<p:notes xmlns:a="http://schemas.openxmlformats.org/drawingml/2006/main" xmlns:r="http://schemas.openxmlformats.org/officeDocument/2006/relationships" xmlns:p="http://schemas.openxmlformats.org/presentationml/2006/main">
+  <p:cSld>
+    <p:spTree>
+      <p:nvGrpSpPr>
+        <p:cNvPr id="1" name=""/>
+        <p:cNvGrpSpPr/>
+        <p:nvPr/>
+      </p:nvGrpSpPr>
+      <p:grpSpPr>
+        <a:xfrm>
+          <a:off x="0" y="0"/>
+          <a:ext cx="0" cy="0"/>
+          <a:chOff x="0" y="0"/>
+          <a:chExt cx="0" cy="0"/>
+        </a:xfrm>
+      </p:grpSpPr>
+      <p:sp>
+        <p:nvSpPr>
+          <p:cNvPr id="2" name="Slide Image Placeholder 1"/>
+          <p:cNvSpPr>
+            <a:spLocks noGrp="1" noRot="1" noChangeAspect="1"/>
+          </p:cNvSpPr>
+          <p:nvPr>
+            <p:ph type="sldImg"/>
+          </p:nvPr>
+        </p:nvSpPr>
+        <p:spPr/>
+      </p:sp>
+      <p:sp>
+        <p:nvSpPr>
+          <p:cNvPr id="3" name="Notes Placeholder 2"/>
+          <p:cNvSpPr>
+            <a:spLocks noGrp="1"/>
+          </p:cNvSpPr>
+          <p:nvPr>
+            <p:ph type="body" idx="1"/>
+          </p:nvPr>
+        </p:nvSpPr>
+        <p:spPr/>
+        <p:txBody>
+          <a:bodyPr/>
+          <a:lstStyle/>
+          <a:p>
+            <a:r>
+              <a:rPr lang="en-GB" dirty="0" smtClean="0"/>
+              <a:t>Any</a:t>
+            </a:r>
+            <a:r>
+              <a:rPr lang="en-GB" baseline="0" dirty="0" smtClean="0"/>
+              <a:t> class has a “prototype chain”, property/method access looks along this chain – here we attach a method on Animal</a:t>
+            </a:r>
+          </a:p>
+          <a:p>
+            <a:endParaRPr lang="en-GB" baseline="0" dirty="0" smtClean="0"/>
+          </a:p>
+          <a:p>
+            <a:r>
+              <a:rPr lang="en-GB" baseline="0" dirty="0" smtClean="0"/>
+              <a:t>Interpreter checks </a:t>
+            </a:r>
+            <a:r>
+              <a:rPr lang="en-GB" baseline="0" dirty="0" err="1" smtClean="0"/>
+              <a:t>fido.speed</a:t>
+            </a:r>
+            <a:r>
+              <a:rPr lang="en-GB" baseline="0" dirty="0" smtClean="0"/>
+              <a:t>, </a:t>
+            </a:r>
+            <a:r>
+              <a:rPr lang="en-GB" baseline="0" dirty="0" err="1" smtClean="0"/>
+              <a:t>Dog.prototype.speed</a:t>
+            </a:r>
+            <a:r>
+              <a:rPr lang="en-GB" baseline="0" dirty="0" smtClean="0"/>
+              <a:t> and then matches </a:t>
+            </a:r>
+            <a:r>
+              <a:rPr lang="en-GB" baseline="0" dirty="0" err="1" smtClean="0"/>
+              <a:t>Animal.prototype.speed</a:t>
+            </a:r>
+            <a:r>
+              <a:rPr lang="en-GB" baseline="0" dirty="0" smtClean="0"/>
+              <a:t> – if this didn’t exist it’d look at </a:t>
+            </a:r>
+            <a:r>
+              <a:rPr lang="en-GB" baseline="0" dirty="0" err="1" smtClean="0"/>
+              <a:t>Object.prototype.speed</a:t>
+            </a:r>
+            <a:endParaRPr lang="en-GB" dirty="0"/>
+          </a:p>
+        </p:txBody>
+      </p:sp>
+      <p:sp>
+        <p:nvSpPr>
+          <p:cNvPr id="4" name="Slide Number Placeholder 3"/>
+          <p:cNvSpPr>
+            <a:spLocks noGrp="1"/>
+          </p:cNvSpPr>
+          <p:nvPr>
+            <p:ph type="sldNum" sz="quarter" idx="10"/>
+          </p:nvPr>
+        </p:nvSpPr>
+        <p:spPr/>
+        <p:txBody>
+          <a:bodyPr/>
+          <a:lstStyle/>
+          <a:p>
+            <a:fld id="{66631812-A541-604F-85AA-B8A61CCC8741}" type="slidenum">
+              <a:rPr lang="en-US" smtClean="0"/>
+              <a:t>48</a:t>
+            </a:fld>
+            <a:endParaRPr lang="en-US" dirty="0"/>
+          </a:p>
+        </p:txBody>
+      </p:sp>
+    </p:spTree>
+    <p:extLst>
+      <p:ext uri="{BB962C8B-B14F-4D97-AF65-F5344CB8AC3E}">
+        <p14:creationId xmlns:p14="http://schemas.microsoft.com/office/powerpoint/2010/main" val="1185859649"/>
+      </p:ext>
+    </p:extLst>
+  </p:cSld>
+  <p:clrMapOvr>
+    <a:masterClrMapping/>
+  </p:clrMapOvr>
+</p:notes>
+</file>
+
+<file path=ppt/notesSlides/notesSlide38.xml><?xml version="1.0" encoding="utf-8"?>
+<p:notes xmlns:a="http://schemas.openxmlformats.org/drawingml/2006/main" xmlns:r="http://schemas.openxmlformats.org/officeDocument/2006/relationships" xmlns:p="http://schemas.openxmlformats.org/presentationml/2006/main">
+  <p:cSld>
+    <p:spTree>
+      <p:nvGrpSpPr>
+        <p:cNvPr id="1" name=""/>
+        <p:cNvGrpSpPr/>
+        <p:nvPr/>
+      </p:nvGrpSpPr>
+      <p:grpSpPr>
+        <a:xfrm>
+          <a:off x="0" y="0"/>
+          <a:ext cx="0" cy="0"/>
+          <a:chOff x="0" y="0"/>
+          <a:chExt cx="0" cy="0"/>
+        </a:xfrm>
+      </p:grpSpPr>
+      <p:sp>
+        <p:nvSpPr>
+          <p:cNvPr id="2" name="Slide Image Placeholder 1"/>
+          <p:cNvSpPr>
+            <a:spLocks noGrp="1" noRot="1" noChangeAspect="1"/>
+          </p:cNvSpPr>
+          <p:nvPr>
+            <p:ph type="sldImg"/>
+          </p:nvPr>
+        </p:nvSpPr>
+        <p:spPr/>
+      </p:sp>
+      <p:sp>
+        <p:nvSpPr>
+          <p:cNvPr id="3" name="Notes Placeholder 2"/>
+          <p:cNvSpPr>
+            <a:spLocks noGrp="1"/>
+          </p:cNvSpPr>
+          <p:nvPr>
+            <p:ph type="body" idx="1"/>
+          </p:nvPr>
+        </p:nvSpPr>
+        <p:spPr/>
+        <p:txBody>
+          <a:bodyPr/>
+          <a:lstStyle/>
+          <a:p>
+            <a:r>
+              <a:rPr lang="en-GB" dirty="0" smtClean="0"/>
+              <a:t>When using </a:t>
+            </a:r>
+            <a:r>
+              <a:rPr lang="en-GB" dirty="0" err="1" smtClean="0"/>
+              <a:t>for..in</a:t>
+            </a:r>
+            <a:r>
+              <a:rPr lang="en-GB" dirty="0" smtClean="0"/>
+              <a:t> to iterate</a:t>
+            </a:r>
+            <a:r>
+              <a:rPr lang="en-GB" baseline="0" dirty="0" smtClean="0"/>
+              <a:t> over an instance, we get all of its properties and those up the prototype chain.</a:t>
+            </a:r>
+            <a:endParaRPr lang="en-GB" dirty="0"/>
+          </a:p>
+        </p:txBody>
+      </p:sp>
+      <p:sp>
+        <p:nvSpPr>
+          <p:cNvPr id="4" name="Slide Number Placeholder 3"/>
+          <p:cNvSpPr>
+            <a:spLocks noGrp="1"/>
+          </p:cNvSpPr>
+          <p:nvPr>
+            <p:ph type="sldNum" sz="quarter" idx="10"/>
+          </p:nvPr>
+        </p:nvSpPr>
+        <p:spPr/>
+        <p:txBody>
+          <a:bodyPr/>
+          <a:lstStyle/>
+          <a:p>
+            <a:fld id="{66631812-A541-604F-85AA-B8A61CCC8741}" type="slidenum">
+              <a:rPr lang="en-US" smtClean="0"/>
+              <a:t>49</a:t>
+            </a:fld>
+            <a:endParaRPr lang="en-US" dirty="0"/>
+          </a:p>
+        </p:txBody>
+      </p:sp>
+    </p:spTree>
+    <p:extLst>
+      <p:ext uri="{BB962C8B-B14F-4D97-AF65-F5344CB8AC3E}">
+        <p14:creationId xmlns:p14="http://schemas.microsoft.com/office/powerpoint/2010/main" val="3072065633"/>
+      </p:ext>
+    </p:extLst>
+  </p:cSld>
+  <p:clrMapOvr>
+    <a:masterClrMapping/>
+  </p:clrMapOvr>
+</p:notes>
+</file>
+
+<file path=ppt/notesSlides/notesSlide39.xml><?xml version="1.0" encoding="utf-8"?>
+<p:notes xmlns:a="http://schemas.openxmlformats.org/drawingml/2006/main" xmlns:r="http://schemas.openxmlformats.org/officeDocument/2006/relationships" xmlns:p="http://schemas.openxmlformats.org/presentationml/2006/main">
+  <p:cSld>
+    <p:spTree>
+      <p:nvGrpSpPr>
+        <p:cNvPr id="1" name=""/>
+        <p:cNvGrpSpPr/>
+        <p:nvPr/>
+      </p:nvGrpSpPr>
+      <p:grpSpPr>
+        <a:xfrm>
+          <a:off x="0" y="0"/>
+          <a:ext cx="0" cy="0"/>
+          <a:chOff x="0" y="0"/>
+          <a:chExt cx="0" cy="0"/>
+        </a:xfrm>
+      </p:grpSpPr>
+      <p:sp>
+        <p:nvSpPr>
+          <p:cNvPr id="2" name="Slide Image Placeholder 1"/>
+          <p:cNvSpPr>
+            <a:spLocks noGrp="1" noRot="1" noChangeAspect="1"/>
+          </p:cNvSpPr>
+          <p:nvPr>
+            <p:ph type="sldImg"/>
+          </p:nvPr>
+        </p:nvSpPr>
+        <p:spPr/>
+      </p:sp>
+      <p:sp>
+        <p:nvSpPr>
+          <p:cNvPr id="3" name="Notes Placeholder 2"/>
+          <p:cNvSpPr>
+            <a:spLocks noGrp="1"/>
+          </p:cNvSpPr>
+          <p:nvPr>
+            <p:ph type="body" idx="1"/>
+          </p:nvPr>
+        </p:nvSpPr>
+        <p:spPr/>
+        <p:txBody>
+          <a:bodyPr/>
+          <a:lstStyle/>
+          <a:p>
+            <a:r>
+              <a:rPr lang="en-GB" dirty="0" smtClean="0"/>
+              <a:t>If we want further</a:t>
+            </a:r>
+            <a:r>
+              <a:rPr lang="en-GB" baseline="0" dirty="0" smtClean="0"/>
+              <a:t> control over this then we can use </a:t>
+            </a:r>
+            <a:r>
+              <a:rPr lang="en-GB" baseline="0" dirty="0" err="1" smtClean="0"/>
+              <a:t>Object.defineProperty</a:t>
+            </a:r>
+            <a:r>
+              <a:rPr lang="en-GB" baseline="0" dirty="0" smtClean="0"/>
+              <a:t> and make non-enumerable properties</a:t>
+            </a:r>
+            <a:endParaRPr lang="en-GB" dirty="0"/>
+          </a:p>
+        </p:txBody>
+      </p:sp>
+      <p:sp>
+        <p:nvSpPr>
+          <p:cNvPr id="4" name="Slide Number Placeholder 3"/>
+          <p:cNvSpPr>
+            <a:spLocks noGrp="1"/>
+          </p:cNvSpPr>
+          <p:nvPr>
+            <p:ph type="sldNum" sz="quarter" idx="10"/>
+          </p:nvPr>
+        </p:nvSpPr>
+        <p:spPr/>
+        <p:txBody>
+          <a:bodyPr/>
+          <a:lstStyle/>
+          <a:p>
+            <a:fld id="{66631812-A541-604F-85AA-B8A61CCC8741}" type="slidenum">
+              <a:rPr lang="en-US" smtClean="0"/>
+              <a:t>50</a:t>
+            </a:fld>
+            <a:endParaRPr lang="en-US" dirty="0"/>
+          </a:p>
+        </p:txBody>
+      </p:sp>
+    </p:spTree>
+    <p:extLst>
+      <p:ext uri="{BB962C8B-B14F-4D97-AF65-F5344CB8AC3E}">
+        <p14:creationId xmlns:p14="http://schemas.microsoft.com/office/powerpoint/2010/main" val="2319520298"/>
       </p:ext>
     </p:extLst>
   </p:cSld>
@@ -2791,35 +3961,14 @@
           <a:lstStyle/>
           <a:p>
             <a:r>
-              <a:rPr lang="en-US" dirty="0" smtClean="0"/>
-              <a:t>Looking again at the first</a:t>
-            </a:r>
-            <a:r>
-              <a:rPr lang="en-US" baseline="0" dirty="0" smtClean="0"/>
-              <a:t> approach, we see time is wasted waiting for external resources</a:t>
-            </a:r>
-          </a:p>
-          <a:p>
-            <a:endParaRPr lang="en-US" baseline="0" dirty="0" smtClean="0"/>
-          </a:p>
-          <a:p>
-            <a:r>
-              <a:rPr lang="en-US" baseline="0" dirty="0" smtClean="0"/>
-              <a:t>Filesystem writes</a:t>
-            </a:r>
-          </a:p>
-          <a:p>
-            <a:r>
-              <a:rPr lang="en-US" baseline="0" dirty="0" smtClean="0"/>
-              <a:t>Remote HTTP calls</a:t>
-            </a:r>
-          </a:p>
-          <a:p>
-            <a:r>
-              <a:rPr lang="en-US" baseline="0" dirty="0" smtClean="0"/>
-              <a:t>User input</a:t>
-            </a:r>
-            <a:endParaRPr lang="en-US" dirty="0"/>
+              <a:rPr lang="en-GB" dirty="0" smtClean="0"/>
+              <a:t>Anyone</a:t>
+            </a:r>
+            <a:r>
+              <a:rPr lang="en-GB" baseline="0" dirty="0" smtClean="0"/>
+              <a:t> used these?</a:t>
+            </a:r>
+            <a:endParaRPr lang="en-GB" dirty="0"/>
           </a:p>
         </p:txBody>
       </p:sp>
@@ -2840,7 +3989,7 @@
           <a:p>
             <a:fld id="{66631812-A541-604F-85AA-B8A61CCC8741}" type="slidenum">
               <a:rPr lang="en-US" smtClean="0"/>
-              <a:t>10</a:t>
+              <a:t>6</a:t>
             </a:fld>
             <a:endParaRPr lang="en-US" dirty="0"/>
           </a:p>
@@ -2849,7 +3998,1091 @@
     </p:spTree>
     <p:extLst>
       <p:ext uri="{BB962C8B-B14F-4D97-AF65-F5344CB8AC3E}">
-        <p14:creationId xmlns:p14="http://schemas.microsoft.com/office/powerpoint/2010/main" val="4125337713"/>
+        <p14:creationId xmlns:p14="http://schemas.microsoft.com/office/powerpoint/2010/main" val="2064326872"/>
+      </p:ext>
+    </p:extLst>
+  </p:cSld>
+  <p:clrMapOvr>
+    <a:masterClrMapping/>
+  </p:clrMapOvr>
+</p:notes>
+</file>
+
+<file path=ppt/notesSlides/notesSlide40.xml><?xml version="1.0" encoding="utf-8"?>
+<p:notes xmlns:a="http://schemas.openxmlformats.org/drawingml/2006/main" xmlns:r="http://schemas.openxmlformats.org/officeDocument/2006/relationships" xmlns:p="http://schemas.openxmlformats.org/presentationml/2006/main">
+  <p:cSld>
+    <p:spTree>
+      <p:nvGrpSpPr>
+        <p:cNvPr id="1" name=""/>
+        <p:cNvGrpSpPr/>
+        <p:nvPr/>
+      </p:nvGrpSpPr>
+      <p:grpSpPr>
+        <a:xfrm>
+          <a:off x="0" y="0"/>
+          <a:ext cx="0" cy="0"/>
+          <a:chOff x="0" y="0"/>
+          <a:chExt cx="0" cy="0"/>
+        </a:xfrm>
+      </p:grpSpPr>
+      <p:sp>
+        <p:nvSpPr>
+          <p:cNvPr id="2" name="Slide Image Placeholder 1"/>
+          <p:cNvSpPr>
+            <a:spLocks noGrp="1" noRot="1" noChangeAspect="1"/>
+          </p:cNvSpPr>
+          <p:nvPr>
+            <p:ph type="sldImg"/>
+          </p:nvPr>
+        </p:nvSpPr>
+        <p:spPr/>
+      </p:sp>
+      <p:sp>
+        <p:nvSpPr>
+          <p:cNvPr id="3" name="Notes Placeholder 2"/>
+          <p:cNvSpPr>
+            <a:spLocks noGrp="1"/>
+          </p:cNvSpPr>
+          <p:nvPr>
+            <p:ph type="body" idx="1"/>
+          </p:nvPr>
+        </p:nvSpPr>
+        <p:spPr/>
+        <p:txBody>
+          <a:bodyPr/>
+          <a:lstStyle/>
+          <a:p>
+            <a:r>
+              <a:rPr lang="en-GB" dirty="0" smtClean="0"/>
+              <a:t>Quite low level</a:t>
+            </a:r>
+          </a:p>
+          <a:p>
+            <a:r>
+              <a:rPr lang="en-GB" dirty="0" smtClean="0"/>
+              <a:t>Server</a:t>
+            </a:r>
+            <a:r>
+              <a:rPr lang="en-GB" baseline="0" dirty="0" smtClean="0"/>
+              <a:t> gets a request event</a:t>
+            </a:r>
+          </a:p>
+          <a:p>
+            <a:r>
+              <a:rPr lang="en-GB" baseline="0" dirty="0" smtClean="0"/>
+              <a:t>Request emits a number of data events followed by end</a:t>
+            </a:r>
+          </a:p>
+          <a:p>
+            <a:r>
+              <a:rPr lang="en-GB" baseline="0" dirty="0" smtClean="0"/>
+              <a:t>Response is a writeable stream</a:t>
+            </a:r>
+          </a:p>
+          <a:p>
+            <a:endParaRPr lang="en-GB" baseline="0" dirty="0" smtClean="0"/>
+          </a:p>
+          <a:p>
+            <a:r>
+              <a:rPr lang="en-GB" baseline="0" dirty="0" smtClean="0"/>
+              <a:t>Intentionally non-buffering because its easy to buffer over the top, but hard to get streams out of a higher level </a:t>
+            </a:r>
+            <a:r>
+              <a:rPr lang="en-GB" baseline="0" dirty="0" err="1" smtClean="0"/>
+              <a:t>api</a:t>
+            </a:r>
+            <a:endParaRPr lang="en-GB" dirty="0"/>
+          </a:p>
+        </p:txBody>
+      </p:sp>
+      <p:sp>
+        <p:nvSpPr>
+          <p:cNvPr id="4" name="Slide Number Placeholder 3"/>
+          <p:cNvSpPr>
+            <a:spLocks noGrp="1"/>
+          </p:cNvSpPr>
+          <p:nvPr>
+            <p:ph type="sldNum" sz="quarter" idx="10"/>
+          </p:nvPr>
+        </p:nvSpPr>
+        <p:spPr/>
+        <p:txBody>
+          <a:bodyPr/>
+          <a:lstStyle/>
+          <a:p>
+            <a:fld id="{66631812-A541-604F-85AA-B8A61CCC8741}" type="slidenum">
+              <a:rPr lang="en-US" smtClean="0"/>
+              <a:t>52</a:t>
+            </a:fld>
+            <a:endParaRPr lang="en-US" dirty="0"/>
+          </a:p>
+        </p:txBody>
+      </p:sp>
+    </p:spTree>
+    <p:extLst>
+      <p:ext uri="{BB962C8B-B14F-4D97-AF65-F5344CB8AC3E}">
+        <p14:creationId xmlns:p14="http://schemas.microsoft.com/office/powerpoint/2010/main" val="3815270022"/>
+      </p:ext>
+    </p:extLst>
+  </p:cSld>
+  <p:clrMapOvr>
+    <a:masterClrMapping/>
+  </p:clrMapOvr>
+</p:notes>
+</file>
+
+<file path=ppt/notesSlides/notesSlide41.xml><?xml version="1.0" encoding="utf-8"?>
+<p:notes xmlns:a="http://schemas.openxmlformats.org/drawingml/2006/main" xmlns:r="http://schemas.openxmlformats.org/officeDocument/2006/relationships" xmlns:p="http://schemas.openxmlformats.org/presentationml/2006/main">
+  <p:cSld>
+    <p:spTree>
+      <p:nvGrpSpPr>
+        <p:cNvPr id="1" name=""/>
+        <p:cNvGrpSpPr/>
+        <p:nvPr/>
+      </p:nvGrpSpPr>
+      <p:grpSpPr>
+        <a:xfrm>
+          <a:off x="0" y="0"/>
+          <a:ext cx="0" cy="0"/>
+          <a:chOff x="0" y="0"/>
+          <a:chExt cx="0" cy="0"/>
+        </a:xfrm>
+      </p:grpSpPr>
+      <p:sp>
+        <p:nvSpPr>
+          <p:cNvPr id="2" name="Slide Image Placeholder 1"/>
+          <p:cNvSpPr>
+            <a:spLocks noGrp="1" noRot="1" noChangeAspect="1"/>
+          </p:cNvSpPr>
+          <p:nvPr>
+            <p:ph type="sldImg"/>
+          </p:nvPr>
+        </p:nvSpPr>
+        <p:spPr/>
+      </p:sp>
+      <p:sp>
+        <p:nvSpPr>
+          <p:cNvPr id="3" name="Notes Placeholder 2"/>
+          <p:cNvSpPr>
+            <a:spLocks noGrp="1"/>
+          </p:cNvSpPr>
+          <p:nvPr>
+            <p:ph type="body" idx="1"/>
+          </p:nvPr>
+        </p:nvSpPr>
+        <p:spPr/>
+        <p:txBody>
+          <a:bodyPr/>
+          <a:lstStyle/>
+          <a:p>
+            <a:r>
+              <a:rPr lang="en-GB" dirty="0" smtClean="0"/>
+              <a:t>Again, quite</a:t>
+            </a:r>
+            <a:r>
+              <a:rPr lang="en-GB" baseline="0" dirty="0" smtClean="0"/>
+              <a:t> low level, we deal with streams which we must buffer ourselves – there are 3</a:t>
+            </a:r>
+            <a:r>
+              <a:rPr lang="en-GB" baseline="30000" dirty="0" smtClean="0"/>
+              <a:t>rd</a:t>
+            </a:r>
+            <a:r>
+              <a:rPr lang="en-GB" baseline="0" dirty="0" smtClean="0"/>
+              <a:t> party libs which can tidy this up if we want them</a:t>
+            </a:r>
+          </a:p>
+          <a:p>
+            <a:endParaRPr lang="en-GB" baseline="0" dirty="0" smtClean="0"/>
+          </a:p>
+          <a:p>
+            <a:r>
+              <a:rPr lang="en-GB" baseline="0" dirty="0" smtClean="0"/>
+              <a:t>When we hit </a:t>
+            </a:r>
+            <a:r>
+              <a:rPr lang="en-GB" baseline="0" dirty="0" err="1" smtClean="0"/>
+              <a:t>req.end</a:t>
+            </a:r>
+            <a:r>
+              <a:rPr lang="en-GB" baseline="0" dirty="0" smtClean="0"/>
+              <a:t> we start getting events from the response, again a series of data events followed by end.</a:t>
+            </a:r>
+            <a:endParaRPr lang="en-GB" dirty="0"/>
+          </a:p>
+        </p:txBody>
+      </p:sp>
+      <p:sp>
+        <p:nvSpPr>
+          <p:cNvPr id="4" name="Slide Number Placeholder 3"/>
+          <p:cNvSpPr>
+            <a:spLocks noGrp="1"/>
+          </p:cNvSpPr>
+          <p:nvPr>
+            <p:ph type="sldNum" sz="quarter" idx="10"/>
+          </p:nvPr>
+        </p:nvSpPr>
+        <p:spPr/>
+        <p:txBody>
+          <a:bodyPr/>
+          <a:lstStyle/>
+          <a:p>
+            <a:fld id="{66631812-A541-604F-85AA-B8A61CCC8741}" type="slidenum">
+              <a:rPr lang="en-US" smtClean="0"/>
+              <a:t>53</a:t>
+            </a:fld>
+            <a:endParaRPr lang="en-US" dirty="0"/>
+          </a:p>
+        </p:txBody>
+      </p:sp>
+    </p:spTree>
+    <p:extLst>
+      <p:ext uri="{BB962C8B-B14F-4D97-AF65-F5344CB8AC3E}">
+        <p14:creationId xmlns:p14="http://schemas.microsoft.com/office/powerpoint/2010/main" val="996926638"/>
+      </p:ext>
+    </p:extLst>
+  </p:cSld>
+  <p:clrMapOvr>
+    <a:masterClrMapping/>
+  </p:clrMapOvr>
+</p:notes>
+</file>
+
+<file path=ppt/notesSlides/notesSlide42.xml><?xml version="1.0" encoding="utf-8"?>
+<p:notes xmlns:a="http://schemas.openxmlformats.org/drawingml/2006/main" xmlns:r="http://schemas.openxmlformats.org/officeDocument/2006/relationships" xmlns:p="http://schemas.openxmlformats.org/presentationml/2006/main">
+  <p:cSld>
+    <p:spTree>
+      <p:nvGrpSpPr>
+        <p:cNvPr id="1" name=""/>
+        <p:cNvGrpSpPr/>
+        <p:nvPr/>
+      </p:nvGrpSpPr>
+      <p:grpSpPr>
+        <a:xfrm>
+          <a:off x="0" y="0"/>
+          <a:ext cx="0" cy="0"/>
+          <a:chOff x="0" y="0"/>
+          <a:chExt cx="0" cy="0"/>
+        </a:xfrm>
+      </p:grpSpPr>
+      <p:sp>
+        <p:nvSpPr>
+          <p:cNvPr id="2" name="Slide Image Placeholder 1"/>
+          <p:cNvSpPr>
+            <a:spLocks noGrp="1" noRot="1" noChangeAspect="1"/>
+          </p:cNvSpPr>
+          <p:nvPr>
+            <p:ph type="sldImg"/>
+          </p:nvPr>
+        </p:nvSpPr>
+        <p:spPr/>
+      </p:sp>
+      <p:sp>
+        <p:nvSpPr>
+          <p:cNvPr id="3" name="Notes Placeholder 2"/>
+          <p:cNvSpPr>
+            <a:spLocks noGrp="1"/>
+          </p:cNvSpPr>
+          <p:nvPr>
+            <p:ph type="body" idx="1"/>
+          </p:nvPr>
+        </p:nvSpPr>
+        <p:spPr/>
+        <p:txBody>
+          <a:bodyPr/>
+          <a:lstStyle/>
+          <a:p>
+            <a:r>
+              <a:rPr lang="en-GB" dirty="0" smtClean="0"/>
+              <a:t>Common </a:t>
+            </a:r>
+            <a:r>
+              <a:rPr lang="en-GB" dirty="0" err="1" smtClean="0"/>
+              <a:t>async</a:t>
+            </a:r>
+            <a:r>
+              <a:rPr lang="en-GB" baseline="0" dirty="0" smtClean="0"/>
+              <a:t> control patterns abstracted out</a:t>
+            </a:r>
+            <a:endParaRPr lang="en-GB" dirty="0"/>
+          </a:p>
+        </p:txBody>
+      </p:sp>
+      <p:sp>
+        <p:nvSpPr>
+          <p:cNvPr id="4" name="Slide Number Placeholder 3"/>
+          <p:cNvSpPr>
+            <a:spLocks noGrp="1"/>
+          </p:cNvSpPr>
+          <p:nvPr>
+            <p:ph type="sldNum" sz="quarter" idx="10"/>
+          </p:nvPr>
+        </p:nvSpPr>
+        <p:spPr/>
+        <p:txBody>
+          <a:bodyPr/>
+          <a:lstStyle/>
+          <a:p>
+            <a:fld id="{66631812-A541-604F-85AA-B8A61CCC8741}" type="slidenum">
+              <a:rPr lang="en-US" smtClean="0"/>
+              <a:t>55</a:t>
+            </a:fld>
+            <a:endParaRPr lang="en-US" dirty="0"/>
+          </a:p>
+        </p:txBody>
+      </p:sp>
+    </p:spTree>
+    <p:extLst>
+      <p:ext uri="{BB962C8B-B14F-4D97-AF65-F5344CB8AC3E}">
+        <p14:creationId xmlns:p14="http://schemas.microsoft.com/office/powerpoint/2010/main" val="20294831"/>
+      </p:ext>
+    </p:extLst>
+  </p:cSld>
+  <p:clrMapOvr>
+    <a:masterClrMapping/>
+  </p:clrMapOvr>
+</p:notes>
+</file>
+
+<file path=ppt/notesSlides/notesSlide43.xml><?xml version="1.0" encoding="utf-8"?>
+<p:notes xmlns:a="http://schemas.openxmlformats.org/drawingml/2006/main" xmlns:r="http://schemas.openxmlformats.org/officeDocument/2006/relationships" xmlns:p="http://schemas.openxmlformats.org/presentationml/2006/main">
+  <p:cSld>
+    <p:spTree>
+      <p:nvGrpSpPr>
+        <p:cNvPr id="1" name=""/>
+        <p:cNvGrpSpPr/>
+        <p:nvPr/>
+      </p:nvGrpSpPr>
+      <p:grpSpPr>
+        <a:xfrm>
+          <a:off x="0" y="0"/>
+          <a:ext cx="0" cy="0"/>
+          <a:chOff x="0" y="0"/>
+          <a:chExt cx="0" cy="0"/>
+        </a:xfrm>
+      </p:grpSpPr>
+      <p:sp>
+        <p:nvSpPr>
+          <p:cNvPr id="2" name="Slide Image Placeholder 1"/>
+          <p:cNvSpPr>
+            <a:spLocks noGrp="1" noRot="1" noChangeAspect="1"/>
+          </p:cNvSpPr>
+          <p:nvPr>
+            <p:ph type="sldImg"/>
+          </p:nvPr>
+        </p:nvSpPr>
+        <p:spPr/>
+      </p:sp>
+      <p:sp>
+        <p:nvSpPr>
+          <p:cNvPr id="3" name="Notes Placeholder 2"/>
+          <p:cNvSpPr>
+            <a:spLocks noGrp="1"/>
+          </p:cNvSpPr>
+          <p:nvPr>
+            <p:ph type="body" idx="1"/>
+          </p:nvPr>
+        </p:nvSpPr>
+        <p:spPr/>
+        <p:txBody>
+          <a:bodyPr/>
+          <a:lstStyle/>
+          <a:p>
+            <a:r>
+              <a:rPr lang="en-GB" dirty="0" smtClean="0"/>
+              <a:t>Consider if there were more</a:t>
+            </a:r>
+            <a:r>
+              <a:rPr lang="en-GB" baseline="0" dirty="0" smtClean="0"/>
+              <a:t> than just 2 pre-requisites before we could call query, the nesting is annoying.</a:t>
+            </a:r>
+          </a:p>
+          <a:p>
+            <a:endParaRPr lang="en-GB" baseline="0" dirty="0" smtClean="0"/>
+          </a:p>
+          <a:p>
+            <a:r>
+              <a:rPr lang="en-GB" baseline="0" dirty="0" smtClean="0"/>
+              <a:t>Note also the repeating (if error then bail out) pattern </a:t>
+            </a:r>
+            <a:endParaRPr lang="en-GB" dirty="0"/>
+          </a:p>
+        </p:txBody>
+      </p:sp>
+      <p:sp>
+        <p:nvSpPr>
+          <p:cNvPr id="4" name="Slide Number Placeholder 3"/>
+          <p:cNvSpPr>
+            <a:spLocks noGrp="1"/>
+          </p:cNvSpPr>
+          <p:nvPr>
+            <p:ph type="sldNum" sz="quarter" idx="10"/>
+          </p:nvPr>
+        </p:nvSpPr>
+        <p:spPr/>
+        <p:txBody>
+          <a:bodyPr/>
+          <a:lstStyle/>
+          <a:p>
+            <a:fld id="{66631812-A541-604F-85AA-B8A61CCC8741}" type="slidenum">
+              <a:rPr lang="en-US" smtClean="0"/>
+              <a:t>56</a:t>
+            </a:fld>
+            <a:endParaRPr lang="en-US" dirty="0"/>
+          </a:p>
+        </p:txBody>
+      </p:sp>
+    </p:spTree>
+    <p:extLst>
+      <p:ext uri="{BB962C8B-B14F-4D97-AF65-F5344CB8AC3E}">
+        <p14:creationId xmlns:p14="http://schemas.microsoft.com/office/powerpoint/2010/main" val="375954689"/>
+      </p:ext>
+    </p:extLst>
+  </p:cSld>
+  <p:clrMapOvr>
+    <a:masterClrMapping/>
+  </p:clrMapOvr>
+</p:notes>
+</file>
+
+<file path=ppt/notesSlides/notesSlide44.xml><?xml version="1.0" encoding="utf-8"?>
+<p:notes xmlns:a="http://schemas.openxmlformats.org/drawingml/2006/main" xmlns:r="http://schemas.openxmlformats.org/officeDocument/2006/relationships" xmlns:p="http://schemas.openxmlformats.org/presentationml/2006/main">
+  <p:cSld>
+    <p:spTree>
+      <p:nvGrpSpPr>
+        <p:cNvPr id="1" name=""/>
+        <p:cNvGrpSpPr/>
+        <p:nvPr/>
+      </p:nvGrpSpPr>
+      <p:grpSpPr>
+        <a:xfrm>
+          <a:off x="0" y="0"/>
+          <a:ext cx="0" cy="0"/>
+          <a:chOff x="0" y="0"/>
+          <a:chExt cx="0" cy="0"/>
+        </a:xfrm>
+      </p:grpSpPr>
+      <p:sp>
+        <p:nvSpPr>
+          <p:cNvPr id="2" name="Slide Image Placeholder 1"/>
+          <p:cNvSpPr>
+            <a:spLocks noGrp="1" noRot="1" noChangeAspect="1"/>
+          </p:cNvSpPr>
+          <p:nvPr>
+            <p:ph type="sldImg"/>
+          </p:nvPr>
+        </p:nvSpPr>
+        <p:spPr/>
+      </p:sp>
+      <p:sp>
+        <p:nvSpPr>
+          <p:cNvPr id="3" name="Notes Placeholder 2"/>
+          <p:cNvSpPr>
+            <a:spLocks noGrp="1"/>
+          </p:cNvSpPr>
+          <p:nvPr>
+            <p:ph type="body" idx="1"/>
+          </p:nvPr>
+        </p:nvSpPr>
+        <p:spPr/>
+        <p:txBody>
+          <a:bodyPr/>
+          <a:lstStyle/>
+          <a:p>
+            <a:r>
+              <a:rPr lang="en-GB" dirty="0" err="1" smtClean="0"/>
+              <a:t>Function.bind</a:t>
+            </a:r>
+            <a:r>
+              <a:rPr lang="en-GB" dirty="0" smtClean="0"/>
+              <a:t> makes</a:t>
+            </a:r>
+            <a:r>
+              <a:rPr lang="en-GB" baseline="0" dirty="0" smtClean="0"/>
+              <a:t> sure “this” is set properly in the tasks, and also allows us to curry the function</a:t>
+            </a:r>
+            <a:endParaRPr lang="en-GB" dirty="0"/>
+          </a:p>
+        </p:txBody>
+      </p:sp>
+      <p:sp>
+        <p:nvSpPr>
+          <p:cNvPr id="4" name="Slide Number Placeholder 3"/>
+          <p:cNvSpPr>
+            <a:spLocks noGrp="1"/>
+          </p:cNvSpPr>
+          <p:nvPr>
+            <p:ph type="sldNum" sz="quarter" idx="10"/>
+          </p:nvPr>
+        </p:nvSpPr>
+        <p:spPr/>
+        <p:txBody>
+          <a:bodyPr/>
+          <a:lstStyle/>
+          <a:p>
+            <a:fld id="{66631812-A541-604F-85AA-B8A61CCC8741}" type="slidenum">
+              <a:rPr lang="en-US" smtClean="0"/>
+              <a:t>57</a:t>
+            </a:fld>
+            <a:endParaRPr lang="en-US" dirty="0"/>
+          </a:p>
+        </p:txBody>
+      </p:sp>
+    </p:spTree>
+    <p:extLst>
+      <p:ext uri="{BB962C8B-B14F-4D97-AF65-F5344CB8AC3E}">
+        <p14:creationId xmlns:p14="http://schemas.microsoft.com/office/powerpoint/2010/main" val="1002154800"/>
+      </p:ext>
+    </p:extLst>
+  </p:cSld>
+  <p:clrMapOvr>
+    <a:masterClrMapping/>
+  </p:clrMapOvr>
+</p:notes>
+</file>
+
+<file path=ppt/notesSlides/notesSlide45.xml><?xml version="1.0" encoding="utf-8"?>
+<p:notes xmlns:a="http://schemas.openxmlformats.org/drawingml/2006/main" xmlns:r="http://schemas.openxmlformats.org/officeDocument/2006/relationships" xmlns:p="http://schemas.openxmlformats.org/presentationml/2006/main">
+  <p:cSld>
+    <p:spTree>
+      <p:nvGrpSpPr>
+        <p:cNvPr id="1" name=""/>
+        <p:cNvGrpSpPr/>
+        <p:nvPr/>
+      </p:nvGrpSpPr>
+      <p:grpSpPr>
+        <a:xfrm>
+          <a:off x="0" y="0"/>
+          <a:ext cx="0" cy="0"/>
+          <a:chOff x="0" y="0"/>
+          <a:chExt cx="0" cy="0"/>
+        </a:xfrm>
+      </p:grpSpPr>
+      <p:sp>
+        <p:nvSpPr>
+          <p:cNvPr id="2" name="Slide Image Placeholder 1"/>
+          <p:cNvSpPr>
+            <a:spLocks noGrp="1" noRot="1" noChangeAspect="1"/>
+          </p:cNvSpPr>
+          <p:nvPr>
+            <p:ph type="sldImg"/>
+          </p:nvPr>
+        </p:nvSpPr>
+        <p:spPr/>
+      </p:sp>
+      <p:sp>
+        <p:nvSpPr>
+          <p:cNvPr id="3" name="Notes Placeholder 2"/>
+          <p:cNvSpPr>
+            <a:spLocks noGrp="1"/>
+          </p:cNvSpPr>
+          <p:nvPr>
+            <p:ph type="body" idx="1"/>
+          </p:nvPr>
+        </p:nvSpPr>
+        <p:spPr/>
+        <p:txBody>
+          <a:bodyPr/>
+          <a:lstStyle/>
+          <a:p>
+            <a:r>
+              <a:rPr lang="en-GB" dirty="0" smtClean="0"/>
+              <a:t>We have a number of different connections and miscellanea to set up before we can start processing data in this program</a:t>
+            </a:r>
+          </a:p>
+          <a:p>
+            <a:r>
+              <a:rPr lang="en-GB" dirty="0" smtClean="0"/>
+              <a:t>We</a:t>
+            </a:r>
+            <a:r>
+              <a:rPr lang="en-GB" baseline="0" dirty="0" smtClean="0"/>
+              <a:t> spool them all up in parallel, and then continue with the program flow</a:t>
+            </a:r>
+            <a:endParaRPr lang="en-GB" dirty="0"/>
+          </a:p>
+        </p:txBody>
+      </p:sp>
+      <p:sp>
+        <p:nvSpPr>
+          <p:cNvPr id="4" name="Slide Number Placeholder 3"/>
+          <p:cNvSpPr>
+            <a:spLocks noGrp="1"/>
+          </p:cNvSpPr>
+          <p:nvPr>
+            <p:ph type="sldNum" sz="quarter" idx="10"/>
+          </p:nvPr>
+        </p:nvSpPr>
+        <p:spPr/>
+        <p:txBody>
+          <a:bodyPr/>
+          <a:lstStyle/>
+          <a:p>
+            <a:fld id="{66631812-A541-604F-85AA-B8A61CCC8741}" type="slidenum">
+              <a:rPr lang="en-US" smtClean="0"/>
+              <a:t>58</a:t>
+            </a:fld>
+            <a:endParaRPr lang="en-US" dirty="0"/>
+          </a:p>
+        </p:txBody>
+      </p:sp>
+    </p:spTree>
+    <p:extLst>
+      <p:ext uri="{BB962C8B-B14F-4D97-AF65-F5344CB8AC3E}">
+        <p14:creationId xmlns:p14="http://schemas.microsoft.com/office/powerpoint/2010/main" val="3877243017"/>
+      </p:ext>
+    </p:extLst>
+  </p:cSld>
+  <p:clrMapOvr>
+    <a:masterClrMapping/>
+  </p:clrMapOvr>
+</p:notes>
+</file>
+
+<file path=ppt/notesSlides/notesSlide46.xml><?xml version="1.0" encoding="utf-8"?>
+<p:notes xmlns:a="http://schemas.openxmlformats.org/drawingml/2006/main" xmlns:r="http://schemas.openxmlformats.org/officeDocument/2006/relationships" xmlns:p="http://schemas.openxmlformats.org/presentationml/2006/main">
+  <p:cSld>
+    <p:spTree>
+      <p:nvGrpSpPr>
+        <p:cNvPr id="1" name=""/>
+        <p:cNvGrpSpPr/>
+        <p:nvPr/>
+      </p:nvGrpSpPr>
+      <p:grpSpPr>
+        <a:xfrm>
+          <a:off x="0" y="0"/>
+          <a:ext cx="0" cy="0"/>
+          <a:chOff x="0" y="0"/>
+          <a:chExt cx="0" cy="0"/>
+        </a:xfrm>
+      </p:grpSpPr>
+      <p:sp>
+        <p:nvSpPr>
+          <p:cNvPr id="2" name="Slide Image Placeholder 1"/>
+          <p:cNvSpPr>
+            <a:spLocks noGrp="1" noRot="1" noChangeAspect="1"/>
+          </p:cNvSpPr>
+          <p:nvPr>
+            <p:ph type="sldImg"/>
+          </p:nvPr>
+        </p:nvSpPr>
+        <p:spPr/>
+      </p:sp>
+      <p:sp>
+        <p:nvSpPr>
+          <p:cNvPr id="3" name="Notes Placeholder 2"/>
+          <p:cNvSpPr>
+            <a:spLocks noGrp="1"/>
+          </p:cNvSpPr>
+          <p:nvPr>
+            <p:ph type="body" idx="1"/>
+          </p:nvPr>
+        </p:nvSpPr>
+        <p:spPr/>
+        <p:txBody>
+          <a:bodyPr/>
+          <a:lstStyle/>
+          <a:p>
+            <a:r>
+              <a:rPr lang="en-GB" dirty="0" smtClean="0"/>
+              <a:t>Assume that files is</a:t>
+            </a:r>
+            <a:r>
+              <a:rPr lang="en-GB" baseline="0" dirty="0" smtClean="0"/>
+              <a:t> an array of high-level file objects which have a save() method that accepts a </a:t>
+            </a:r>
+            <a:r>
+              <a:rPr lang="en-GB" baseline="0" dirty="0" err="1" smtClean="0"/>
+              <a:t>callback</a:t>
+            </a:r>
+            <a:r>
+              <a:rPr lang="en-GB" baseline="0" dirty="0" smtClean="0"/>
+              <a:t> to be triggered on completion</a:t>
+            </a:r>
+          </a:p>
+          <a:p>
+            <a:endParaRPr lang="en-GB" baseline="0" dirty="0" smtClean="0"/>
+          </a:p>
+          <a:p>
+            <a:r>
+              <a:rPr lang="en-GB" baseline="0" dirty="0" smtClean="0"/>
+              <a:t>The series variant has the same signature, but runs the tasks in series.</a:t>
+            </a:r>
+            <a:endParaRPr lang="en-GB" dirty="0"/>
+          </a:p>
+        </p:txBody>
+      </p:sp>
+      <p:sp>
+        <p:nvSpPr>
+          <p:cNvPr id="4" name="Slide Number Placeholder 3"/>
+          <p:cNvSpPr>
+            <a:spLocks noGrp="1"/>
+          </p:cNvSpPr>
+          <p:nvPr>
+            <p:ph type="sldNum" sz="quarter" idx="10"/>
+          </p:nvPr>
+        </p:nvSpPr>
+        <p:spPr/>
+        <p:txBody>
+          <a:bodyPr/>
+          <a:lstStyle/>
+          <a:p>
+            <a:fld id="{66631812-A541-604F-85AA-B8A61CCC8741}" type="slidenum">
+              <a:rPr lang="en-US" smtClean="0"/>
+              <a:t>59</a:t>
+            </a:fld>
+            <a:endParaRPr lang="en-US" dirty="0"/>
+          </a:p>
+        </p:txBody>
+      </p:sp>
+    </p:spTree>
+    <p:extLst>
+      <p:ext uri="{BB962C8B-B14F-4D97-AF65-F5344CB8AC3E}">
+        <p14:creationId xmlns:p14="http://schemas.microsoft.com/office/powerpoint/2010/main" val="3331941521"/>
+      </p:ext>
+    </p:extLst>
+  </p:cSld>
+  <p:clrMapOvr>
+    <a:masterClrMapping/>
+  </p:clrMapOvr>
+</p:notes>
+</file>
+
+<file path=ppt/notesSlides/notesSlide47.xml><?xml version="1.0" encoding="utf-8"?>
+<p:notes xmlns:a="http://schemas.openxmlformats.org/drawingml/2006/main" xmlns:r="http://schemas.openxmlformats.org/officeDocument/2006/relationships" xmlns:p="http://schemas.openxmlformats.org/presentationml/2006/main">
+  <p:cSld>
+    <p:spTree>
+      <p:nvGrpSpPr>
+        <p:cNvPr id="1" name=""/>
+        <p:cNvGrpSpPr/>
+        <p:nvPr/>
+      </p:nvGrpSpPr>
+      <p:grpSpPr>
+        <a:xfrm>
+          <a:off x="0" y="0"/>
+          <a:ext cx="0" cy="0"/>
+          <a:chOff x="0" y="0"/>
+          <a:chExt cx="0" cy="0"/>
+        </a:xfrm>
+      </p:grpSpPr>
+      <p:sp>
+        <p:nvSpPr>
+          <p:cNvPr id="2" name="Slide Image Placeholder 1"/>
+          <p:cNvSpPr>
+            <a:spLocks noGrp="1" noRot="1" noChangeAspect="1"/>
+          </p:cNvSpPr>
+          <p:nvPr>
+            <p:ph type="sldImg"/>
+          </p:nvPr>
+        </p:nvSpPr>
+        <p:spPr/>
+      </p:sp>
+      <p:sp>
+        <p:nvSpPr>
+          <p:cNvPr id="3" name="Notes Placeholder 2"/>
+          <p:cNvSpPr>
+            <a:spLocks noGrp="1"/>
+          </p:cNvSpPr>
+          <p:nvPr>
+            <p:ph type="body" idx="1"/>
+          </p:nvPr>
+        </p:nvSpPr>
+        <p:spPr/>
+        <p:txBody>
+          <a:bodyPr/>
+          <a:lstStyle/>
+          <a:p>
+            <a:r>
+              <a:rPr lang="en-GB" dirty="0" smtClean="0"/>
+              <a:t>Also provides</a:t>
+            </a:r>
+            <a:r>
+              <a:rPr lang="en-GB" baseline="0" dirty="0" smtClean="0"/>
+              <a:t> the common functional </a:t>
+            </a:r>
+            <a:r>
+              <a:rPr lang="en-GB" baseline="0" dirty="0" err="1" smtClean="0"/>
+              <a:t>constucts</a:t>
+            </a:r>
+            <a:endParaRPr lang="en-GB" dirty="0"/>
+          </a:p>
+        </p:txBody>
+      </p:sp>
+      <p:sp>
+        <p:nvSpPr>
+          <p:cNvPr id="4" name="Slide Number Placeholder 3"/>
+          <p:cNvSpPr>
+            <a:spLocks noGrp="1"/>
+          </p:cNvSpPr>
+          <p:nvPr>
+            <p:ph type="sldNum" sz="quarter" idx="10"/>
+          </p:nvPr>
+        </p:nvSpPr>
+        <p:spPr/>
+        <p:txBody>
+          <a:bodyPr/>
+          <a:lstStyle/>
+          <a:p>
+            <a:fld id="{66631812-A541-604F-85AA-B8A61CCC8741}" type="slidenum">
+              <a:rPr lang="en-US" smtClean="0"/>
+              <a:t>60</a:t>
+            </a:fld>
+            <a:endParaRPr lang="en-US" dirty="0"/>
+          </a:p>
+        </p:txBody>
+      </p:sp>
+    </p:spTree>
+    <p:extLst>
+      <p:ext uri="{BB962C8B-B14F-4D97-AF65-F5344CB8AC3E}">
+        <p14:creationId xmlns:p14="http://schemas.microsoft.com/office/powerpoint/2010/main" val="3189868025"/>
+      </p:ext>
+    </p:extLst>
+  </p:cSld>
+  <p:clrMapOvr>
+    <a:masterClrMapping/>
+  </p:clrMapOvr>
+</p:notes>
+</file>
+
+<file path=ppt/notesSlides/notesSlide48.xml><?xml version="1.0" encoding="utf-8"?>
+<p:notes xmlns:a="http://schemas.openxmlformats.org/drawingml/2006/main" xmlns:r="http://schemas.openxmlformats.org/officeDocument/2006/relationships" xmlns:p="http://schemas.openxmlformats.org/presentationml/2006/main">
+  <p:cSld>
+    <p:spTree>
+      <p:nvGrpSpPr>
+        <p:cNvPr id="1" name=""/>
+        <p:cNvGrpSpPr/>
+        <p:nvPr/>
+      </p:nvGrpSpPr>
+      <p:grpSpPr>
+        <a:xfrm>
+          <a:off x="0" y="0"/>
+          <a:ext cx="0" cy="0"/>
+          <a:chOff x="0" y="0"/>
+          <a:chExt cx="0" cy="0"/>
+        </a:xfrm>
+      </p:grpSpPr>
+      <p:sp>
+        <p:nvSpPr>
+          <p:cNvPr id="2" name="Slide Image Placeholder 1"/>
+          <p:cNvSpPr>
+            <a:spLocks noGrp="1" noRot="1" noChangeAspect="1"/>
+          </p:cNvSpPr>
+          <p:nvPr>
+            <p:ph type="sldImg"/>
+          </p:nvPr>
+        </p:nvSpPr>
+        <p:spPr/>
+      </p:sp>
+      <p:sp>
+        <p:nvSpPr>
+          <p:cNvPr id="3" name="Notes Placeholder 2"/>
+          <p:cNvSpPr>
+            <a:spLocks noGrp="1"/>
+          </p:cNvSpPr>
+          <p:nvPr>
+            <p:ph type="body" idx="1"/>
+          </p:nvPr>
+        </p:nvSpPr>
+        <p:spPr/>
+        <p:txBody>
+          <a:bodyPr/>
+          <a:lstStyle/>
+          <a:p>
+            <a:r>
+              <a:rPr lang="en-GB" dirty="0" smtClean="0"/>
+              <a:t>And some funky</a:t>
+            </a:r>
+            <a:r>
+              <a:rPr lang="en-GB" baseline="0" dirty="0" smtClean="0"/>
+              <a:t> control flow constructs</a:t>
+            </a:r>
+          </a:p>
+          <a:p>
+            <a:endParaRPr lang="en-GB" baseline="0" dirty="0" smtClean="0"/>
+          </a:p>
+          <a:p>
+            <a:r>
+              <a:rPr lang="en-GB" baseline="0" dirty="0" smtClean="0"/>
+              <a:t>Queue: takes a worker function and a concurrency limit, when tasks are pushed onto the queue will only run up to the limit at once. Emits events for saturated and drained</a:t>
+            </a:r>
+          </a:p>
+          <a:p>
+            <a:endParaRPr lang="en-GB" baseline="0" dirty="0" smtClean="0"/>
+          </a:p>
+          <a:p>
+            <a:r>
+              <a:rPr lang="en-GB" baseline="0" dirty="0" smtClean="0"/>
+              <a:t>Auto: specify workers much like series and parallel, but can say which tasks are dependencies of each other. A bit like in </a:t>
+            </a:r>
+            <a:r>
+              <a:rPr lang="en-GB" baseline="0" dirty="0" err="1" smtClean="0"/>
+              <a:t>Rakefiles</a:t>
+            </a:r>
+            <a:r>
+              <a:rPr lang="en-GB" baseline="0" dirty="0" smtClean="0"/>
+              <a:t>. Imagine this for an </a:t>
+            </a:r>
+            <a:r>
+              <a:rPr lang="en-GB" baseline="0" dirty="0" err="1" smtClean="0"/>
+              <a:t>async</a:t>
+            </a:r>
+            <a:r>
+              <a:rPr lang="en-GB" baseline="0" dirty="0" smtClean="0"/>
+              <a:t> deploy script.</a:t>
+            </a:r>
+            <a:endParaRPr lang="en-GB" dirty="0"/>
+          </a:p>
+        </p:txBody>
+      </p:sp>
+      <p:sp>
+        <p:nvSpPr>
+          <p:cNvPr id="4" name="Slide Number Placeholder 3"/>
+          <p:cNvSpPr>
+            <a:spLocks noGrp="1"/>
+          </p:cNvSpPr>
+          <p:nvPr>
+            <p:ph type="sldNum" sz="quarter" idx="10"/>
+          </p:nvPr>
+        </p:nvSpPr>
+        <p:spPr/>
+        <p:txBody>
+          <a:bodyPr/>
+          <a:lstStyle/>
+          <a:p>
+            <a:fld id="{66631812-A541-604F-85AA-B8A61CCC8741}" type="slidenum">
+              <a:rPr lang="en-US" smtClean="0"/>
+              <a:t>61</a:t>
+            </a:fld>
+            <a:endParaRPr lang="en-US" dirty="0"/>
+          </a:p>
+        </p:txBody>
+      </p:sp>
+    </p:spTree>
+    <p:extLst>
+      <p:ext uri="{BB962C8B-B14F-4D97-AF65-F5344CB8AC3E}">
+        <p14:creationId xmlns:p14="http://schemas.microsoft.com/office/powerpoint/2010/main" val="2379553780"/>
+      </p:ext>
+    </p:extLst>
+  </p:cSld>
+  <p:clrMapOvr>
+    <a:masterClrMapping/>
+  </p:clrMapOvr>
+</p:notes>
+</file>
+
+<file path=ppt/notesSlides/notesSlide49.xml><?xml version="1.0" encoding="utf-8"?>
+<p:notes xmlns:a="http://schemas.openxmlformats.org/drawingml/2006/main" xmlns:r="http://schemas.openxmlformats.org/officeDocument/2006/relationships" xmlns:p="http://schemas.openxmlformats.org/presentationml/2006/main">
+  <p:cSld>
+    <p:spTree>
+      <p:nvGrpSpPr>
+        <p:cNvPr id="1" name=""/>
+        <p:cNvGrpSpPr/>
+        <p:nvPr/>
+      </p:nvGrpSpPr>
+      <p:grpSpPr>
+        <a:xfrm>
+          <a:off x="0" y="0"/>
+          <a:ext cx="0" cy="0"/>
+          <a:chOff x="0" y="0"/>
+          <a:chExt cx="0" cy="0"/>
+        </a:xfrm>
+      </p:grpSpPr>
+      <p:sp>
+        <p:nvSpPr>
+          <p:cNvPr id="2" name="Slide Image Placeholder 1"/>
+          <p:cNvSpPr>
+            <a:spLocks noGrp="1" noRot="1" noChangeAspect="1"/>
+          </p:cNvSpPr>
+          <p:nvPr>
+            <p:ph type="sldImg"/>
+          </p:nvPr>
+        </p:nvSpPr>
+        <p:spPr/>
+      </p:sp>
+      <p:sp>
+        <p:nvSpPr>
+          <p:cNvPr id="3" name="Notes Placeholder 2"/>
+          <p:cNvSpPr>
+            <a:spLocks noGrp="1"/>
+          </p:cNvSpPr>
+          <p:nvPr>
+            <p:ph type="body" idx="1"/>
+          </p:nvPr>
+        </p:nvSpPr>
+        <p:spPr/>
+        <p:txBody>
+          <a:bodyPr/>
+          <a:lstStyle/>
+          <a:p>
+            <a:r>
+              <a:rPr lang="en-GB" dirty="0" smtClean="0"/>
+              <a:t>Rack / WSGI</a:t>
+            </a:r>
+          </a:p>
+          <a:p>
+            <a:endParaRPr lang="en-GB" dirty="0" smtClean="0"/>
+          </a:p>
+          <a:p>
+            <a:r>
+              <a:rPr lang="en-GB" dirty="0" smtClean="0"/>
+              <a:t>Heavily</a:t>
+            </a:r>
+            <a:r>
+              <a:rPr lang="en-GB" baseline="0" dirty="0" smtClean="0"/>
+              <a:t> based around pluggable middleware components which operate on the request/response </a:t>
+            </a:r>
+            <a:r>
+              <a:rPr lang="en-GB" baseline="0" dirty="0" smtClean="0"/>
+              <a:t>objects</a:t>
+            </a:r>
+          </a:p>
+          <a:p>
+            <a:endParaRPr lang="en-GB" baseline="0" dirty="0" smtClean="0"/>
+          </a:p>
+          <a:p>
+            <a:r>
+              <a:rPr lang="en-GB" baseline="0" dirty="0" smtClean="0"/>
+              <a:t>Provides things like routing, sessions, post-data / </a:t>
+            </a:r>
+            <a:r>
+              <a:rPr lang="en-GB" baseline="0" dirty="0" err="1" smtClean="0"/>
+              <a:t>querystring</a:t>
+            </a:r>
+            <a:r>
+              <a:rPr lang="en-GB" baseline="0" dirty="0" smtClean="0"/>
+              <a:t> parsing, profiling and even a little favicon server</a:t>
+            </a:r>
+            <a:endParaRPr lang="en-GB" dirty="0"/>
+          </a:p>
+        </p:txBody>
+      </p:sp>
+      <p:sp>
+        <p:nvSpPr>
+          <p:cNvPr id="4" name="Slide Number Placeholder 3"/>
+          <p:cNvSpPr>
+            <a:spLocks noGrp="1"/>
+          </p:cNvSpPr>
+          <p:nvPr>
+            <p:ph type="sldNum" sz="quarter" idx="10"/>
+          </p:nvPr>
+        </p:nvSpPr>
+        <p:spPr/>
+        <p:txBody>
+          <a:bodyPr/>
+          <a:lstStyle/>
+          <a:p>
+            <a:fld id="{66631812-A541-604F-85AA-B8A61CCC8741}" type="slidenum">
+              <a:rPr lang="en-US" smtClean="0"/>
+              <a:t>63</a:t>
+            </a:fld>
+            <a:endParaRPr lang="en-US" dirty="0"/>
+          </a:p>
+        </p:txBody>
+      </p:sp>
+    </p:spTree>
+    <p:extLst>
+      <p:ext uri="{BB962C8B-B14F-4D97-AF65-F5344CB8AC3E}">
+        <p14:creationId xmlns:p14="http://schemas.microsoft.com/office/powerpoint/2010/main" val="257137136"/>
       </p:ext>
     </p:extLst>
   </p:cSld>
@@ -2905,29 +5138,13 @@
           <a:p>
             <a:r>
               <a:rPr lang="en-US" dirty="0" smtClean="0"/>
-              <a:t>By splitting into smaller subtasks we can achieve a sort of</a:t>
+              <a:t>Basically this, we’ll look at some diagrams</a:t>
             </a:r>
             <a:r>
               <a:rPr lang="en-US" baseline="0" dirty="0" smtClean="0"/>
-              <a:t> </a:t>
-            </a:r>
-            <a:r>
-              <a:rPr lang="en-GB" baseline="0" noProof="0" dirty="0" smtClean="0"/>
-              <a:t>parallelisation</a:t>
-            </a:r>
-            <a:r>
-              <a:rPr lang="en-US" baseline="0" noProof="0" dirty="0" smtClean="0"/>
-              <a:t>.</a:t>
-            </a:r>
-          </a:p>
-          <a:p>
-            <a:endParaRPr lang="en-US" baseline="0" noProof="0" dirty="0" smtClean="0"/>
-          </a:p>
-          <a:p>
-            <a:r>
-              <a:rPr lang="en-US" baseline="0" noProof="0" dirty="0" smtClean="0"/>
-              <a:t>Single thread means we don’t have to worry about locks and things</a:t>
-            </a:r>
+              <a:t> to illustrate</a:t>
+            </a:r>
+            <a:endParaRPr lang="en-US" dirty="0"/>
           </a:p>
         </p:txBody>
       </p:sp>
@@ -2948,7 +5165,7 @@
           <a:p>
             <a:fld id="{66631812-A541-604F-85AA-B8A61CCC8741}" type="slidenum">
               <a:rPr lang="en-US" smtClean="0"/>
-              <a:t>11</a:t>
+              <a:t>7</a:t>
             </a:fld>
             <a:endParaRPr lang="en-US" dirty="0"/>
           </a:p>
@@ -2957,7 +5174,630 @@
     </p:spTree>
     <p:extLst>
       <p:ext uri="{BB962C8B-B14F-4D97-AF65-F5344CB8AC3E}">
-        <p14:creationId xmlns:p14="http://schemas.microsoft.com/office/powerpoint/2010/main" val="1171622096"/>
+        <p14:creationId xmlns:p14="http://schemas.microsoft.com/office/powerpoint/2010/main" val="3034630423"/>
+      </p:ext>
+    </p:extLst>
+  </p:cSld>
+  <p:clrMapOvr>
+    <a:masterClrMapping/>
+  </p:clrMapOvr>
+</p:notes>
+</file>
+
+<file path=ppt/notesSlides/notesSlide50.xml><?xml version="1.0" encoding="utf-8"?>
+<p:notes xmlns:a="http://schemas.openxmlformats.org/drawingml/2006/main" xmlns:r="http://schemas.openxmlformats.org/officeDocument/2006/relationships" xmlns:p="http://schemas.openxmlformats.org/presentationml/2006/main">
+  <p:cSld>
+    <p:spTree>
+      <p:nvGrpSpPr>
+        <p:cNvPr id="1" name=""/>
+        <p:cNvGrpSpPr/>
+        <p:nvPr/>
+      </p:nvGrpSpPr>
+      <p:grpSpPr>
+        <a:xfrm>
+          <a:off x="0" y="0"/>
+          <a:ext cx="0" cy="0"/>
+          <a:chOff x="0" y="0"/>
+          <a:chExt cx="0" cy="0"/>
+        </a:xfrm>
+      </p:grpSpPr>
+      <p:sp>
+        <p:nvSpPr>
+          <p:cNvPr id="2" name="Slide Image Placeholder 1"/>
+          <p:cNvSpPr>
+            <a:spLocks noGrp="1" noRot="1" noChangeAspect="1"/>
+          </p:cNvSpPr>
+          <p:nvPr>
+            <p:ph type="sldImg"/>
+          </p:nvPr>
+        </p:nvSpPr>
+        <p:spPr/>
+      </p:sp>
+      <p:sp>
+        <p:nvSpPr>
+          <p:cNvPr id="3" name="Notes Placeholder 2"/>
+          <p:cNvSpPr>
+            <a:spLocks noGrp="1"/>
+          </p:cNvSpPr>
+          <p:nvPr>
+            <p:ph type="body" idx="1"/>
+          </p:nvPr>
+        </p:nvSpPr>
+        <p:spPr/>
+        <p:txBody>
+          <a:bodyPr/>
+          <a:lstStyle/>
+          <a:p>
+            <a:r>
+              <a:rPr lang="en-GB" dirty="0" smtClean="0"/>
+              <a:t>While connect</a:t>
+            </a:r>
+            <a:r>
+              <a:rPr lang="en-GB" baseline="0" dirty="0" smtClean="0"/>
+              <a:t> does provide a </a:t>
+            </a:r>
+            <a:r>
+              <a:rPr lang="en-GB" baseline="0" dirty="0" err="1" smtClean="0"/>
+              <a:t>sinatra</a:t>
+            </a:r>
+            <a:r>
+              <a:rPr lang="en-GB" baseline="0" dirty="0" smtClean="0"/>
+              <a:t>-style routing middleware, it’s fairly basic.</a:t>
+            </a:r>
+          </a:p>
+          <a:p>
+            <a:endParaRPr lang="en-GB" baseline="0" dirty="0" smtClean="0"/>
+          </a:p>
+          <a:p>
+            <a:r>
+              <a:rPr lang="en-GB" baseline="0" dirty="0" smtClean="0"/>
+              <a:t>Express is a framework designed to work on top of connect and connect compatible middleware to provide a much richer </a:t>
+            </a:r>
+            <a:r>
+              <a:rPr lang="en-GB" baseline="0" dirty="0" err="1" smtClean="0"/>
+              <a:t>sinatra</a:t>
+            </a:r>
+            <a:r>
+              <a:rPr lang="en-GB" baseline="0" dirty="0" smtClean="0"/>
+              <a:t>-like experience</a:t>
+            </a:r>
+            <a:endParaRPr lang="en-GB" dirty="0"/>
+          </a:p>
+        </p:txBody>
+      </p:sp>
+      <p:sp>
+        <p:nvSpPr>
+          <p:cNvPr id="4" name="Slide Number Placeholder 3"/>
+          <p:cNvSpPr>
+            <a:spLocks noGrp="1"/>
+          </p:cNvSpPr>
+          <p:nvPr>
+            <p:ph type="sldNum" sz="quarter" idx="10"/>
+          </p:nvPr>
+        </p:nvSpPr>
+        <p:spPr/>
+        <p:txBody>
+          <a:bodyPr/>
+          <a:lstStyle/>
+          <a:p>
+            <a:fld id="{66631812-A541-604F-85AA-B8A61CCC8741}" type="slidenum">
+              <a:rPr lang="en-US" smtClean="0"/>
+              <a:t>65</a:t>
+            </a:fld>
+            <a:endParaRPr lang="en-US" dirty="0"/>
+          </a:p>
+        </p:txBody>
+      </p:sp>
+    </p:spTree>
+    <p:extLst>
+      <p:ext uri="{BB962C8B-B14F-4D97-AF65-F5344CB8AC3E}">
+        <p14:creationId xmlns:p14="http://schemas.microsoft.com/office/powerpoint/2010/main" val="1218781532"/>
+      </p:ext>
+    </p:extLst>
+  </p:cSld>
+  <p:clrMapOvr>
+    <a:masterClrMapping/>
+  </p:clrMapOvr>
+</p:notes>
+</file>
+
+<file path=ppt/notesSlides/notesSlide51.xml><?xml version="1.0" encoding="utf-8"?>
+<p:notes xmlns:a="http://schemas.openxmlformats.org/drawingml/2006/main" xmlns:r="http://schemas.openxmlformats.org/officeDocument/2006/relationships" xmlns:p="http://schemas.openxmlformats.org/presentationml/2006/main">
+  <p:cSld>
+    <p:spTree>
+      <p:nvGrpSpPr>
+        <p:cNvPr id="1" name=""/>
+        <p:cNvGrpSpPr/>
+        <p:nvPr/>
+      </p:nvGrpSpPr>
+      <p:grpSpPr>
+        <a:xfrm>
+          <a:off x="0" y="0"/>
+          <a:ext cx="0" cy="0"/>
+          <a:chOff x="0" y="0"/>
+          <a:chExt cx="0" cy="0"/>
+        </a:xfrm>
+      </p:grpSpPr>
+      <p:sp>
+        <p:nvSpPr>
+          <p:cNvPr id="2" name="Slide Image Placeholder 1"/>
+          <p:cNvSpPr>
+            <a:spLocks noGrp="1" noRot="1" noChangeAspect="1"/>
+          </p:cNvSpPr>
+          <p:nvPr>
+            <p:ph type="sldImg"/>
+          </p:nvPr>
+        </p:nvSpPr>
+        <p:spPr/>
+      </p:sp>
+      <p:sp>
+        <p:nvSpPr>
+          <p:cNvPr id="3" name="Notes Placeholder 2"/>
+          <p:cNvSpPr>
+            <a:spLocks noGrp="1"/>
+          </p:cNvSpPr>
+          <p:nvPr>
+            <p:ph type="body" idx="1"/>
+          </p:nvPr>
+        </p:nvSpPr>
+        <p:spPr/>
+        <p:txBody>
+          <a:bodyPr/>
+          <a:lstStyle/>
+          <a:p>
+            <a:r>
+              <a:rPr lang="en-GB" dirty="0" smtClean="0"/>
+              <a:t>You can</a:t>
+            </a:r>
+            <a:r>
+              <a:rPr lang="en-GB" baseline="0" dirty="0" smtClean="0"/>
+              <a:t> see the similarities with connect, including using the middleware.</a:t>
+            </a:r>
+          </a:p>
+        </p:txBody>
+      </p:sp>
+      <p:sp>
+        <p:nvSpPr>
+          <p:cNvPr id="4" name="Slide Number Placeholder 3"/>
+          <p:cNvSpPr>
+            <a:spLocks noGrp="1"/>
+          </p:cNvSpPr>
+          <p:nvPr>
+            <p:ph type="sldNum" sz="quarter" idx="10"/>
+          </p:nvPr>
+        </p:nvSpPr>
+        <p:spPr/>
+        <p:txBody>
+          <a:bodyPr/>
+          <a:lstStyle/>
+          <a:p>
+            <a:fld id="{66631812-A541-604F-85AA-B8A61CCC8741}" type="slidenum">
+              <a:rPr lang="en-US" smtClean="0"/>
+              <a:t>66</a:t>
+            </a:fld>
+            <a:endParaRPr lang="en-US" dirty="0"/>
+          </a:p>
+        </p:txBody>
+      </p:sp>
+    </p:spTree>
+    <p:extLst>
+      <p:ext uri="{BB962C8B-B14F-4D97-AF65-F5344CB8AC3E}">
+        <p14:creationId xmlns:p14="http://schemas.microsoft.com/office/powerpoint/2010/main" val="1638028995"/>
+      </p:ext>
+    </p:extLst>
+  </p:cSld>
+  <p:clrMapOvr>
+    <a:masterClrMapping/>
+  </p:clrMapOvr>
+</p:notes>
+</file>
+
+<file path=ppt/notesSlides/notesSlide52.xml><?xml version="1.0" encoding="utf-8"?>
+<p:notes xmlns:a="http://schemas.openxmlformats.org/drawingml/2006/main" xmlns:r="http://schemas.openxmlformats.org/officeDocument/2006/relationships" xmlns:p="http://schemas.openxmlformats.org/presentationml/2006/main">
+  <p:cSld>
+    <p:spTree>
+      <p:nvGrpSpPr>
+        <p:cNvPr id="1" name=""/>
+        <p:cNvGrpSpPr/>
+        <p:nvPr/>
+      </p:nvGrpSpPr>
+      <p:grpSpPr>
+        <a:xfrm>
+          <a:off x="0" y="0"/>
+          <a:ext cx="0" cy="0"/>
+          <a:chOff x="0" y="0"/>
+          <a:chExt cx="0" cy="0"/>
+        </a:xfrm>
+      </p:grpSpPr>
+      <p:sp>
+        <p:nvSpPr>
+          <p:cNvPr id="2" name="Slide Image Placeholder 1"/>
+          <p:cNvSpPr>
+            <a:spLocks noGrp="1" noRot="1" noChangeAspect="1"/>
+          </p:cNvSpPr>
+          <p:nvPr>
+            <p:ph type="sldImg"/>
+          </p:nvPr>
+        </p:nvSpPr>
+        <p:spPr/>
+      </p:sp>
+      <p:sp>
+        <p:nvSpPr>
+          <p:cNvPr id="3" name="Notes Placeholder 2"/>
+          <p:cNvSpPr>
+            <a:spLocks noGrp="1"/>
+          </p:cNvSpPr>
+          <p:nvPr>
+            <p:ph type="body" idx="1"/>
+          </p:nvPr>
+        </p:nvSpPr>
+        <p:spPr/>
+        <p:txBody>
+          <a:bodyPr/>
+          <a:lstStyle/>
+          <a:p>
+            <a:r>
+              <a:rPr lang="en-GB" dirty="0" smtClean="0"/>
+              <a:t>HAML</a:t>
+            </a:r>
+            <a:r>
+              <a:rPr lang="en-GB" baseline="0" dirty="0" smtClean="0"/>
+              <a:t> inspired, there’s also a JS implementation of HAML available</a:t>
+            </a:r>
+            <a:endParaRPr lang="en-GB" dirty="0"/>
+          </a:p>
+        </p:txBody>
+      </p:sp>
+      <p:sp>
+        <p:nvSpPr>
+          <p:cNvPr id="4" name="Slide Number Placeholder 3"/>
+          <p:cNvSpPr>
+            <a:spLocks noGrp="1"/>
+          </p:cNvSpPr>
+          <p:nvPr>
+            <p:ph type="sldNum" sz="quarter" idx="10"/>
+          </p:nvPr>
+        </p:nvSpPr>
+        <p:spPr/>
+        <p:txBody>
+          <a:bodyPr/>
+          <a:lstStyle/>
+          <a:p>
+            <a:fld id="{66631812-A541-604F-85AA-B8A61CCC8741}" type="slidenum">
+              <a:rPr lang="en-US" smtClean="0"/>
+              <a:t>69</a:t>
+            </a:fld>
+            <a:endParaRPr lang="en-US" dirty="0"/>
+          </a:p>
+        </p:txBody>
+      </p:sp>
+    </p:spTree>
+    <p:extLst>
+      <p:ext uri="{BB962C8B-B14F-4D97-AF65-F5344CB8AC3E}">
+        <p14:creationId xmlns:p14="http://schemas.microsoft.com/office/powerpoint/2010/main" val="9434458"/>
+      </p:ext>
+    </p:extLst>
+  </p:cSld>
+  <p:clrMapOvr>
+    <a:masterClrMapping/>
+  </p:clrMapOvr>
+</p:notes>
+</file>
+
+<file path=ppt/notesSlides/notesSlide53.xml><?xml version="1.0" encoding="utf-8"?>
+<p:notes xmlns:a="http://schemas.openxmlformats.org/drawingml/2006/main" xmlns:r="http://schemas.openxmlformats.org/officeDocument/2006/relationships" xmlns:p="http://schemas.openxmlformats.org/presentationml/2006/main">
+  <p:cSld>
+    <p:spTree>
+      <p:nvGrpSpPr>
+        <p:cNvPr id="1" name=""/>
+        <p:cNvGrpSpPr/>
+        <p:nvPr/>
+      </p:nvGrpSpPr>
+      <p:grpSpPr>
+        <a:xfrm>
+          <a:off x="0" y="0"/>
+          <a:ext cx="0" cy="0"/>
+          <a:chOff x="0" y="0"/>
+          <a:chExt cx="0" cy="0"/>
+        </a:xfrm>
+      </p:grpSpPr>
+      <p:sp>
+        <p:nvSpPr>
+          <p:cNvPr id="2" name="Slide Image Placeholder 1"/>
+          <p:cNvSpPr>
+            <a:spLocks noGrp="1" noRot="1" noChangeAspect="1"/>
+          </p:cNvSpPr>
+          <p:nvPr>
+            <p:ph type="sldImg"/>
+          </p:nvPr>
+        </p:nvSpPr>
+        <p:spPr/>
+      </p:sp>
+      <p:sp>
+        <p:nvSpPr>
+          <p:cNvPr id="3" name="Notes Placeholder 2"/>
+          <p:cNvSpPr>
+            <a:spLocks noGrp="1"/>
+          </p:cNvSpPr>
+          <p:nvPr>
+            <p:ph type="body" idx="1"/>
+          </p:nvPr>
+        </p:nvSpPr>
+        <p:spPr/>
+        <p:txBody>
+          <a:bodyPr/>
+          <a:lstStyle/>
+          <a:p>
+            <a:r>
+              <a:rPr lang="en-GB" dirty="0" smtClean="0"/>
+              <a:t>Here’s the little sample module we’re going to be</a:t>
+            </a:r>
+            <a:r>
+              <a:rPr lang="en-GB" baseline="0" dirty="0" smtClean="0"/>
+              <a:t> testing</a:t>
+            </a:r>
+          </a:p>
+          <a:p>
+            <a:endParaRPr lang="en-GB" baseline="0" dirty="0" smtClean="0"/>
+          </a:p>
+          <a:p>
+            <a:r>
+              <a:rPr lang="en-GB" baseline="0" dirty="0" smtClean="0"/>
+              <a:t>A traditional calculator, where the methods are roughly equivalent to buttons you’d get</a:t>
+            </a:r>
+            <a:endParaRPr lang="en-GB" dirty="0"/>
+          </a:p>
+        </p:txBody>
+      </p:sp>
+      <p:sp>
+        <p:nvSpPr>
+          <p:cNvPr id="4" name="Slide Number Placeholder 3"/>
+          <p:cNvSpPr>
+            <a:spLocks noGrp="1"/>
+          </p:cNvSpPr>
+          <p:nvPr>
+            <p:ph type="sldNum" sz="quarter" idx="10"/>
+          </p:nvPr>
+        </p:nvSpPr>
+        <p:spPr/>
+        <p:txBody>
+          <a:bodyPr/>
+          <a:lstStyle/>
+          <a:p>
+            <a:fld id="{66631812-A541-604F-85AA-B8A61CCC8741}" type="slidenum">
+              <a:rPr lang="en-US" smtClean="0"/>
+              <a:t>72</a:t>
+            </a:fld>
+            <a:endParaRPr lang="en-US" dirty="0"/>
+          </a:p>
+        </p:txBody>
+      </p:sp>
+    </p:spTree>
+    <p:extLst>
+      <p:ext uri="{BB962C8B-B14F-4D97-AF65-F5344CB8AC3E}">
+        <p14:creationId xmlns:p14="http://schemas.microsoft.com/office/powerpoint/2010/main" val="3055473272"/>
+      </p:ext>
+    </p:extLst>
+  </p:cSld>
+  <p:clrMapOvr>
+    <a:masterClrMapping/>
+  </p:clrMapOvr>
+</p:notes>
+</file>
+
+<file path=ppt/notesSlides/notesSlide54.xml><?xml version="1.0" encoding="utf-8"?>
+<p:notes xmlns:a="http://schemas.openxmlformats.org/drawingml/2006/main" xmlns:r="http://schemas.openxmlformats.org/officeDocument/2006/relationships" xmlns:p="http://schemas.openxmlformats.org/presentationml/2006/main">
+  <p:cSld>
+    <p:spTree>
+      <p:nvGrpSpPr>
+        <p:cNvPr id="1" name=""/>
+        <p:cNvGrpSpPr/>
+        <p:nvPr/>
+      </p:nvGrpSpPr>
+      <p:grpSpPr>
+        <a:xfrm>
+          <a:off x="0" y="0"/>
+          <a:ext cx="0" cy="0"/>
+          <a:chOff x="0" y="0"/>
+          <a:chExt cx="0" cy="0"/>
+        </a:xfrm>
+      </p:grpSpPr>
+      <p:sp>
+        <p:nvSpPr>
+          <p:cNvPr id="2" name="Slide Image Placeholder 1"/>
+          <p:cNvSpPr>
+            <a:spLocks noGrp="1" noRot="1" noChangeAspect="1"/>
+          </p:cNvSpPr>
+          <p:nvPr>
+            <p:ph type="sldImg"/>
+          </p:nvPr>
+        </p:nvSpPr>
+        <p:spPr/>
+      </p:sp>
+      <p:sp>
+        <p:nvSpPr>
+          <p:cNvPr id="3" name="Notes Placeholder 2"/>
+          <p:cNvSpPr>
+            <a:spLocks noGrp="1"/>
+          </p:cNvSpPr>
+          <p:nvPr>
+            <p:ph type="body" idx="1"/>
+          </p:nvPr>
+        </p:nvSpPr>
+        <p:spPr/>
+        <p:txBody>
+          <a:bodyPr/>
+          <a:lstStyle/>
+          <a:p>
+            <a:r>
+              <a:rPr lang="en-GB" dirty="0" smtClean="0"/>
+              <a:t>And to see how the test frameworks handle </a:t>
+            </a:r>
+            <a:r>
+              <a:rPr lang="en-GB" dirty="0" err="1" smtClean="0"/>
+              <a:t>async</a:t>
+            </a:r>
+            <a:r>
+              <a:rPr lang="en-GB" dirty="0" smtClean="0"/>
+              <a:t> code, we’ll add some arbitrary </a:t>
+            </a:r>
+            <a:r>
+              <a:rPr lang="en-GB" dirty="0" err="1" smtClean="0"/>
+              <a:t>callback</a:t>
+            </a:r>
+            <a:r>
+              <a:rPr lang="en-GB" dirty="0" smtClean="0"/>
+              <a:t> component into the implementation</a:t>
+            </a:r>
+          </a:p>
+          <a:p>
+            <a:endParaRPr lang="en-GB" dirty="0" smtClean="0"/>
+          </a:p>
+          <a:p>
+            <a:r>
+              <a:rPr lang="en-GB" dirty="0" smtClean="0"/>
+              <a:t>In</a:t>
+            </a:r>
+            <a:r>
+              <a:rPr lang="en-GB" baseline="0" dirty="0" smtClean="0"/>
+              <a:t> most real cases you’d probably be doing some form of IO and so this would occur naturally</a:t>
+            </a:r>
+            <a:endParaRPr lang="en-GB" dirty="0"/>
+          </a:p>
+        </p:txBody>
+      </p:sp>
+      <p:sp>
+        <p:nvSpPr>
+          <p:cNvPr id="4" name="Slide Number Placeholder 3"/>
+          <p:cNvSpPr>
+            <a:spLocks noGrp="1"/>
+          </p:cNvSpPr>
+          <p:nvPr>
+            <p:ph type="sldNum" sz="quarter" idx="10"/>
+          </p:nvPr>
+        </p:nvSpPr>
+        <p:spPr/>
+        <p:txBody>
+          <a:bodyPr/>
+          <a:lstStyle/>
+          <a:p>
+            <a:fld id="{66631812-A541-604F-85AA-B8A61CCC8741}" type="slidenum">
+              <a:rPr lang="en-US" smtClean="0"/>
+              <a:t>73</a:t>
+            </a:fld>
+            <a:endParaRPr lang="en-US" dirty="0"/>
+          </a:p>
+        </p:txBody>
+      </p:sp>
+    </p:spTree>
+    <p:extLst>
+      <p:ext uri="{BB962C8B-B14F-4D97-AF65-F5344CB8AC3E}">
+        <p14:creationId xmlns:p14="http://schemas.microsoft.com/office/powerpoint/2010/main" val="119951365"/>
+      </p:ext>
+    </p:extLst>
+  </p:cSld>
+  <p:clrMapOvr>
+    <a:masterClrMapping/>
+  </p:clrMapOvr>
+</p:notes>
+</file>
+
+<file path=ppt/notesSlides/notesSlide55.xml><?xml version="1.0" encoding="utf-8"?>
+<p:notes xmlns:a="http://schemas.openxmlformats.org/drawingml/2006/main" xmlns:r="http://schemas.openxmlformats.org/officeDocument/2006/relationships" xmlns:p="http://schemas.openxmlformats.org/presentationml/2006/main">
+  <p:cSld>
+    <p:spTree>
+      <p:nvGrpSpPr>
+        <p:cNvPr id="1" name=""/>
+        <p:cNvGrpSpPr/>
+        <p:nvPr/>
+      </p:nvGrpSpPr>
+      <p:grpSpPr>
+        <a:xfrm>
+          <a:off x="0" y="0"/>
+          <a:ext cx="0" cy="0"/>
+          <a:chOff x="0" y="0"/>
+          <a:chExt cx="0" cy="0"/>
+        </a:xfrm>
+      </p:grpSpPr>
+      <p:sp>
+        <p:nvSpPr>
+          <p:cNvPr id="2" name="Slide Image Placeholder 1"/>
+          <p:cNvSpPr>
+            <a:spLocks noGrp="1" noRot="1" noChangeAspect="1"/>
+          </p:cNvSpPr>
+          <p:nvPr>
+            <p:ph type="sldImg"/>
+          </p:nvPr>
+        </p:nvSpPr>
+        <p:spPr/>
+      </p:sp>
+      <p:sp>
+        <p:nvSpPr>
+          <p:cNvPr id="3" name="Notes Placeholder 2"/>
+          <p:cNvSpPr>
+            <a:spLocks noGrp="1"/>
+          </p:cNvSpPr>
+          <p:nvPr>
+            <p:ph type="body" idx="1"/>
+          </p:nvPr>
+        </p:nvSpPr>
+        <p:spPr/>
+        <p:txBody>
+          <a:bodyPr/>
+          <a:lstStyle/>
+          <a:p>
+            <a:r>
+              <a:rPr lang="en-GB" dirty="0" smtClean="0"/>
+              <a:t>Not </a:t>
+            </a:r>
+            <a:r>
+              <a:rPr lang="en-GB" dirty="0" err="1" smtClean="0"/>
+              <a:t>rspec</a:t>
+            </a:r>
+            <a:r>
+              <a:rPr lang="en-GB" dirty="0" smtClean="0"/>
+              <a:t>-style assertions though!</a:t>
+            </a:r>
+          </a:p>
+          <a:p>
+            <a:endParaRPr lang="en-GB" dirty="0" smtClean="0"/>
+          </a:p>
+          <a:p>
+            <a:r>
+              <a:rPr lang="en-GB" dirty="0" smtClean="0"/>
+              <a:t>No reason they couldn’t be plugged in</a:t>
+            </a:r>
+            <a:endParaRPr lang="en-GB" dirty="0"/>
+          </a:p>
+        </p:txBody>
+      </p:sp>
+      <p:sp>
+        <p:nvSpPr>
+          <p:cNvPr id="4" name="Slide Number Placeholder 3"/>
+          <p:cNvSpPr>
+            <a:spLocks noGrp="1"/>
+          </p:cNvSpPr>
+          <p:nvPr>
+            <p:ph type="sldNum" sz="quarter" idx="10"/>
+          </p:nvPr>
+        </p:nvSpPr>
+        <p:spPr/>
+        <p:txBody>
+          <a:bodyPr/>
+          <a:lstStyle/>
+          <a:p>
+            <a:fld id="{66631812-A541-604F-85AA-B8A61CCC8741}" type="slidenum">
+              <a:rPr lang="en-US" smtClean="0"/>
+              <a:t>91</a:t>
+            </a:fld>
+            <a:endParaRPr lang="en-US" dirty="0"/>
+          </a:p>
+        </p:txBody>
+      </p:sp>
+    </p:spTree>
+    <p:extLst>
+      <p:ext uri="{BB962C8B-B14F-4D97-AF65-F5344CB8AC3E}">
+        <p14:creationId xmlns:p14="http://schemas.microsoft.com/office/powerpoint/2010/main" val="90004260"/>
       </p:ext>
     </p:extLst>
   </p:cSld>
@@ -3012,24 +5852,14 @@
           <a:lstStyle/>
           <a:p>
             <a:r>
-              <a:rPr lang="en-GB" dirty="0" smtClean="0"/>
-              <a:t>An interactive interpreter just</a:t>
-            </a:r>
-            <a:r>
-              <a:rPr lang="en-GB" baseline="0" dirty="0" smtClean="0"/>
-              <a:t> like </a:t>
-            </a:r>
-            <a:r>
-              <a:rPr lang="en-GB" baseline="0" dirty="0" err="1" smtClean="0"/>
-              <a:t>irb</a:t>
-            </a:r>
-            <a:r>
-              <a:rPr lang="en-GB" baseline="0" dirty="0" smtClean="0"/>
-              <a:t>, or python</a:t>
-            </a:r>
-          </a:p>
-          <a:p>
-            <a:endParaRPr lang="en-GB" dirty="0"/>
+              <a:rPr lang="en-US" dirty="0" smtClean="0"/>
+              <a:t>We</a:t>
+            </a:r>
+            <a:r>
+              <a:rPr lang="en-US" baseline="0" dirty="0" smtClean="0"/>
+              <a:t> can speed this up by doing all the tasks at the same time</a:t>
+            </a:r>
+            <a:endParaRPr lang="en-US" dirty="0"/>
           </a:p>
         </p:txBody>
       </p:sp>
@@ -3050,7 +5880,7 @@
           <a:p>
             <a:fld id="{66631812-A541-604F-85AA-B8A61CCC8741}" type="slidenum">
               <a:rPr lang="en-US" smtClean="0"/>
-              <a:t>28</a:t>
+              <a:t>8</a:t>
             </a:fld>
             <a:endParaRPr lang="en-US" dirty="0"/>
           </a:p>
@@ -3059,7 +5889,7 @@
     </p:spTree>
     <p:extLst>
       <p:ext uri="{BB962C8B-B14F-4D97-AF65-F5344CB8AC3E}">
-        <p14:creationId xmlns:p14="http://schemas.microsoft.com/office/powerpoint/2010/main" val="3576962916"/>
+        <p14:creationId xmlns:p14="http://schemas.microsoft.com/office/powerpoint/2010/main" val="1427303560"/>
       </p:ext>
     </p:extLst>
   </p:cSld>
@@ -3114,39 +5944,58 @@
           <a:lstStyle/>
           <a:p>
             <a:r>
-              <a:rPr lang="en-GB" dirty="0" smtClean="0"/>
-              <a:t>Require returns</a:t>
-            </a:r>
-            <a:r>
-              <a:rPr lang="en-GB" baseline="0" dirty="0" smtClean="0"/>
-              <a:t> an ordinary </a:t>
-            </a:r>
-            <a:r>
-              <a:rPr lang="en-GB" baseline="0" dirty="0" err="1" smtClean="0"/>
-              <a:t>javascript</a:t>
-            </a:r>
-            <a:r>
-              <a:rPr lang="en-GB" baseline="0" dirty="0" smtClean="0"/>
-              <a:t> object which is defined by the module</a:t>
-            </a:r>
-          </a:p>
-          <a:p>
-            <a:r>
-              <a:rPr lang="en-GB" baseline="0" dirty="0" smtClean="0"/>
-              <a:t>To use it, we just store this object in a variable scoped to the requiring module</a:t>
-            </a:r>
-          </a:p>
-          <a:p>
-            <a:r>
-              <a:rPr lang="en-GB" baseline="0" dirty="0" smtClean="0"/>
-              <a:t>If we start with . or / then interpret as file path, otherwise use module load paths</a:t>
-            </a:r>
-          </a:p>
-          <a:p>
-            <a:r>
-              <a:rPr lang="en-GB" baseline="0" dirty="0" smtClean="0"/>
-              <a:t>There is an internal cache so subsequent calls to require will always return the same module</a:t>
-            </a:r>
+              <a:rPr lang="en-US" dirty="0" smtClean="0"/>
+              <a:t>However</a:t>
+            </a:r>
+            <a:r>
+              <a:rPr lang="en-US" baseline="0" dirty="0" smtClean="0"/>
+              <a:t> this comes with its own set of problems – not all tasks play nicely together</a:t>
+            </a:r>
+          </a:p>
+          <a:p>
+            <a:endParaRPr lang="en-US" baseline="0" dirty="0" smtClean="0"/>
+          </a:p>
+          <a:p>
+            <a:r>
+              <a:rPr lang="en-US" baseline="0" dirty="0" smtClean="0"/>
+              <a:t>Locks – and thus deadlocks</a:t>
+            </a:r>
+          </a:p>
+          <a:p>
+            <a:r>
+              <a:rPr lang="en-US" baseline="0" dirty="0" smtClean="0"/>
+              <a:t>Immutable state</a:t>
+            </a:r>
+          </a:p>
+          <a:p>
+            <a:r>
+              <a:rPr lang="en-US" baseline="0" dirty="0" smtClean="0"/>
+              <a:t>Software Transactional </a:t>
+            </a:r>
+            <a:r>
+              <a:rPr lang="en-US" baseline="0" dirty="0" smtClean="0"/>
+              <a:t>Memory</a:t>
+            </a:r>
+          </a:p>
+          <a:p>
+            <a:endParaRPr lang="en-US" baseline="0" dirty="0" smtClean="0"/>
+          </a:p>
+          <a:p>
+            <a:r>
+              <a:rPr lang="en-US" baseline="0" dirty="0" smtClean="0"/>
+              <a:t>One core/</a:t>
+            </a:r>
+            <a:r>
+              <a:rPr lang="en-US" baseline="0" dirty="0" err="1" smtClean="0"/>
+              <a:t>cpu</a:t>
+            </a:r>
+            <a:r>
+              <a:rPr lang="en-US" baseline="0" dirty="0" smtClean="0"/>
+              <a:t> = 1 thing at a time, so unless number of tasks &lt;= number of CPUs/cores threads aren’t optimal</a:t>
+            </a:r>
+          </a:p>
+          <a:p>
+            <a:endParaRPr lang="en-US" dirty="0"/>
           </a:p>
         </p:txBody>
       </p:sp>
@@ -3167,7 +6016,7 @@
           <a:p>
             <a:fld id="{66631812-A541-604F-85AA-B8A61CCC8741}" type="slidenum">
               <a:rPr lang="en-US" smtClean="0"/>
-              <a:t>31</a:t>
+              <a:t>9</a:t>
             </a:fld>
             <a:endParaRPr lang="en-US" dirty="0"/>
           </a:p>
@@ -3176,7 +6025,7 @@
     </p:spTree>
     <p:extLst>
       <p:ext uri="{BB962C8B-B14F-4D97-AF65-F5344CB8AC3E}">
-        <p14:creationId xmlns:p14="http://schemas.microsoft.com/office/powerpoint/2010/main" val="3353350119"/>
+        <p14:creationId xmlns:p14="http://schemas.microsoft.com/office/powerpoint/2010/main" val="2711109673"/>
       </p:ext>
     </p:extLst>
   </p:cSld>
@@ -3231,14 +6080,35 @@
           <a:lstStyle/>
           <a:p>
             <a:r>
-              <a:rPr lang="en-GB" dirty="0" smtClean="0"/>
-              <a:t>Each module has an</a:t>
-            </a:r>
-            <a:r>
-              <a:rPr lang="en-GB" baseline="0" dirty="0" smtClean="0"/>
-              <a:t> “exports” object, which becomes the return value of “require”</a:t>
-            </a:r>
-            <a:endParaRPr lang="en-GB" dirty="0"/>
+              <a:rPr lang="en-US" dirty="0" smtClean="0"/>
+              <a:t>Looking again at the first</a:t>
+            </a:r>
+            <a:r>
+              <a:rPr lang="en-US" baseline="0" dirty="0" smtClean="0"/>
+              <a:t> approach, we see time is wasted waiting for external resources</a:t>
+            </a:r>
+          </a:p>
+          <a:p>
+            <a:endParaRPr lang="en-US" baseline="0" dirty="0" smtClean="0"/>
+          </a:p>
+          <a:p>
+            <a:r>
+              <a:rPr lang="en-US" baseline="0" dirty="0" smtClean="0"/>
+              <a:t>Filesystem writes</a:t>
+            </a:r>
+          </a:p>
+          <a:p>
+            <a:r>
+              <a:rPr lang="en-US" baseline="0" dirty="0" smtClean="0"/>
+              <a:t>Remote HTTP calls</a:t>
+            </a:r>
+          </a:p>
+          <a:p>
+            <a:r>
+              <a:rPr lang="en-US" baseline="0" dirty="0" smtClean="0"/>
+              <a:t>User input</a:t>
+            </a:r>
+            <a:endParaRPr lang="en-US" dirty="0"/>
           </a:p>
         </p:txBody>
       </p:sp>
@@ -3259,7 +6129,7 @@
           <a:p>
             <a:fld id="{66631812-A541-604F-85AA-B8A61CCC8741}" type="slidenum">
               <a:rPr lang="en-US" smtClean="0"/>
-              <a:t>32</a:t>
+              <a:t>10</a:t>
             </a:fld>
             <a:endParaRPr lang="en-US" dirty="0"/>
           </a:p>
@@ -3268,7 +6138,7 @@
     </p:spTree>
     <p:extLst>
       <p:ext uri="{BB962C8B-B14F-4D97-AF65-F5344CB8AC3E}">
-        <p14:creationId xmlns:p14="http://schemas.microsoft.com/office/powerpoint/2010/main" val="3771942041"/>
+        <p14:creationId xmlns:p14="http://schemas.microsoft.com/office/powerpoint/2010/main" val="4125337713"/>
       </p:ext>
     </p:extLst>
   </p:cSld>
@@ -3323,32 +6193,40 @@
           <a:lstStyle/>
           <a:p>
             <a:r>
-              <a:rPr lang="en-GB" dirty="0" smtClean="0"/>
-              <a:t>“module” in a module refers to the current scope, exports === </a:t>
-            </a:r>
-            <a:r>
-              <a:rPr lang="en-GB" dirty="0" err="1" smtClean="0"/>
-              <a:t>module.exports</a:t>
-            </a:r>
-            <a:r>
-              <a:rPr lang="en-GB" dirty="0" smtClean="0"/>
+              <a:rPr lang="en-US" dirty="0" smtClean="0"/>
+              <a:t>By splitting into smaller subtasks we can achieve a sort of</a:t>
+            </a:r>
+            <a:r>
+              <a:rPr lang="en-US" baseline="0" dirty="0" smtClean="0"/>
+              <a:t> </a:t>
+            </a:r>
+            <a:r>
+              <a:rPr lang="en-GB" baseline="0" noProof="0" dirty="0" smtClean="0"/>
+              <a:t>parallelisation</a:t>
+            </a:r>
+            <a:r>
+              <a:rPr lang="en-US" baseline="0" noProof="0" dirty="0" smtClean="0"/>
               <a:t>.</a:t>
             </a:r>
           </a:p>
           <a:p>
-            <a:r>
-              <a:rPr lang="en-GB" dirty="0" smtClean="0"/>
-              <a:t>We can set </a:t>
-            </a:r>
-            <a:r>
-              <a:rPr lang="en-GB" dirty="0" err="1" smtClean="0"/>
-              <a:t>module.exports</a:t>
-            </a:r>
-            <a:r>
-              <a:rPr lang="en-GB" dirty="0" smtClean="0"/>
-              <a:t> to anything we want – like a function.</a:t>
-            </a:r>
-            <a:endParaRPr lang="en-GB" dirty="0"/>
+            <a:endParaRPr lang="en-US" baseline="0" noProof="0" dirty="0" smtClean="0"/>
+          </a:p>
+          <a:p>
+            <a:r>
+              <a:rPr lang="en-US" baseline="0" noProof="0" dirty="0" smtClean="0"/>
+              <a:t>Whenever we would be waiting for IO, lets do something else and return when the IO is ready</a:t>
+            </a:r>
+            <a:endParaRPr lang="en-US" baseline="0" noProof="0" dirty="0" smtClean="0"/>
+          </a:p>
+          <a:p>
+            <a:endParaRPr lang="en-US" baseline="0" noProof="0" dirty="0" smtClean="0"/>
+          </a:p>
+          <a:p>
+            <a:r>
+              <a:rPr lang="en-US" baseline="0" noProof="0" dirty="0" smtClean="0"/>
+              <a:t>Single thread means we don’t have to worry about locks and things</a:t>
+            </a:r>
           </a:p>
         </p:txBody>
       </p:sp>
@@ -3369,7 +6247,7 @@
           <a:p>
             <a:fld id="{66631812-A541-604F-85AA-B8A61CCC8741}" type="slidenum">
               <a:rPr lang="en-US" smtClean="0"/>
-              <a:t>33</a:t>
+              <a:t>11</a:t>
             </a:fld>
             <a:endParaRPr lang="en-US" dirty="0"/>
           </a:p>
@@ -3378,7 +6256,7 @@
     </p:spTree>
     <p:extLst>
       <p:ext uri="{BB962C8B-B14F-4D97-AF65-F5344CB8AC3E}">
-        <p14:creationId xmlns:p14="http://schemas.microsoft.com/office/powerpoint/2010/main" val="3882745360"/>
+        <p14:creationId xmlns:p14="http://schemas.microsoft.com/office/powerpoint/2010/main" val="1171622096"/>
       </p:ext>
     </p:extLst>
   </p:cSld>
@@ -8358,7 +11236,7 @@
           </p:nvPr>
         </p:nvPicPr>
         <p:blipFill>
-          <a:blip r:embed="rId2">
+          <a:blip r:embed="rId3">
             <a:extLst>
               <a:ext uri="{28A0092B-C50C-407E-A947-70E740481C1C}">
                 <a14:useLocalDpi xmlns:a14="http://schemas.microsoft.com/office/drawing/2010/main" val="0"/>
@@ -8919,7 +11797,7 @@
             </a:br>
             <a:r>
               <a:rPr lang="en-GB" sz="4400" dirty="0">
-                <a:hlinkClick r:id="rId2"/>
+                <a:hlinkClick r:id="rId3"/>
               </a:rPr>
               <a:t>http://npmjs.org</a:t>
             </a:r>
@@ -9215,7 +12093,7 @@
           </p:nvPr>
         </p:nvPicPr>
         <p:blipFill>
-          <a:blip r:embed="rId2" r:link="rId3">
+          <a:blip r:embed="rId3" r:link="rId4">
             <a:extLst>
               <a:ext uri="{28A0092B-C50C-407E-A947-70E740481C1C}">
                 <a14:useLocalDpi xmlns:a14="http://schemas.microsoft.com/office/drawing/2010/main" val="0"/>
@@ -9470,7 +12348,7 @@
           </p:nvPr>
         </p:nvPicPr>
         <p:blipFill>
-          <a:blip r:embed="rId2" r:link="rId3">
+          <a:blip r:embed="rId3" r:link="rId4">
             <a:extLst>
               <a:ext uri="{28A0092B-C50C-407E-A947-70E740481C1C}">
                 <a14:useLocalDpi xmlns:a14="http://schemas.microsoft.com/office/drawing/2010/main" val="0"/>
@@ -9747,7 +12625,7 @@
           </p:nvPr>
         </p:nvPicPr>
         <p:blipFill>
-          <a:blip r:embed="rId2">
+          <a:blip r:embed="rId3">
             <a:extLst>
               <a:ext uri="{28A0092B-C50C-407E-A947-70E740481C1C}">
                 <a14:useLocalDpi xmlns:a14="http://schemas.microsoft.com/office/drawing/2010/main" val="0"/>
@@ -9834,7 +12712,7 @@
           </p:nvPr>
         </p:nvPicPr>
         <p:blipFill>
-          <a:blip r:embed="rId2">
+          <a:blip r:embed="rId3">
             <a:extLst>
               <a:ext uri="{28A0092B-C50C-407E-A947-70E740481C1C}">
                 <a14:useLocalDpi xmlns:a14="http://schemas.microsoft.com/office/drawing/2010/main" val="0"/>
@@ -9919,7 +12797,7 @@
           </p:nvPr>
         </p:nvPicPr>
         <p:blipFill>
-          <a:blip r:embed="rId2">
+          <a:blip r:embed="rId3">
             <a:extLst>
               <a:ext uri="{28A0092B-C50C-407E-A947-70E740481C1C}">
                 <a14:useLocalDpi xmlns:a14="http://schemas.microsoft.com/office/drawing/2010/main" val="0"/>
@@ -10004,7 +12882,7 @@
           </p:nvPr>
         </p:nvPicPr>
         <p:blipFill>
-          <a:blip r:embed="rId2">
+          <a:blip r:embed="rId3">
             <a:extLst>
               <a:ext uri="{28A0092B-C50C-407E-A947-70E740481C1C}">
                 <a14:useLocalDpi xmlns:a14="http://schemas.microsoft.com/office/drawing/2010/main" val="0"/>
@@ -10089,7 +12967,7 @@
           </p:nvPr>
         </p:nvPicPr>
         <p:blipFill>
-          <a:blip r:embed="rId2">
+          <a:blip r:embed="rId3">
             <a:extLst>
               <a:ext uri="{28A0092B-C50C-407E-A947-70E740481C1C}">
                 <a14:useLocalDpi xmlns:a14="http://schemas.microsoft.com/office/drawing/2010/main" val="0"/>
@@ -10241,7 +13119,7 @@
           </p:nvPr>
         </p:nvPicPr>
         <p:blipFill>
-          <a:blip r:embed="rId2">
+          <a:blip r:embed="rId3">
             <a:extLst>
               <a:ext uri="{28A0092B-C50C-407E-A947-70E740481C1C}">
                 <a14:useLocalDpi xmlns:a14="http://schemas.microsoft.com/office/drawing/2010/main" val="0"/>
@@ -10386,7 +13264,7 @@
           </p:nvPr>
         </p:nvPicPr>
         <p:blipFill>
-          <a:blip r:embed="rId2">
+          <a:blip r:embed="rId3">
             <a:extLst>
               <a:ext uri="{28A0092B-C50C-407E-A947-70E740481C1C}">
                 <a14:useLocalDpi xmlns:a14="http://schemas.microsoft.com/office/drawing/2010/main" val="0"/>
@@ -10471,7 +13349,7 @@
           </p:nvPr>
         </p:nvPicPr>
         <p:blipFill>
-          <a:blip r:embed="rId2">
+          <a:blip r:embed="rId3">
             <a:extLst>
               <a:ext uri="{28A0092B-C50C-407E-A947-70E740481C1C}">
                 <a14:useLocalDpi xmlns:a14="http://schemas.microsoft.com/office/drawing/2010/main" val="0"/>
@@ -14702,7 +17580,7 @@
       </p:grpSpPr>
       <p:sp>
         <p:nvSpPr>
-          <p:cNvPr id="2" name="Title 1"/>
+          <p:cNvPr id="4" name="Title 3"/>
           <p:cNvSpPr>
             <a:spLocks noGrp="1"/>
           </p:cNvSpPr>
@@ -14717,7 +17595,132 @@
           <a:p>
             <a:r>
               <a:rPr lang="en-GB" dirty="0" smtClean="0"/>
-              <a:t>Your Turn</a:t>
+              <a:t>Further Reading</a:t>
+            </a:r>
+            <a:endParaRPr lang="en-GB" dirty="0"/>
+          </a:p>
+        </p:txBody>
+      </p:sp>
+      <p:sp>
+        <p:nvSpPr>
+          <p:cNvPr id="5" name="Content Placeholder 4"/>
+          <p:cNvSpPr>
+            <a:spLocks noGrp="1"/>
+          </p:cNvSpPr>
+          <p:nvPr>
+            <p:ph idx="1"/>
+          </p:nvPr>
+        </p:nvSpPr>
+        <p:spPr/>
+        <p:txBody>
+          <a:bodyPr>
+            <a:normAutofit fontScale="92500" lnSpcReduction="20000"/>
+          </a:bodyPr>
+          <a:lstStyle/>
+          <a:p>
+            <a:r>
+              <a:rPr lang="en-GB" dirty="0"/>
+              <a:t>MDC – JavaScript </a:t>
+            </a:r>
+            <a:r>
+              <a:rPr lang="en-GB" dirty="0" smtClean="0"/>
+              <a:t>1.5 </a:t>
+            </a:r>
+            <a:r>
+              <a:rPr lang="en-GB" dirty="0" err="1" smtClean="0"/>
+              <a:t>Reference</a:t>
+            </a:r>
+            <a:r>
+              <a:rPr lang="en-GB" dirty="0" err="1" smtClean="0">
+                <a:hlinkClick r:id="rId2"/>
+              </a:rPr>
+              <a:t>https</a:t>
+            </a:r>
+            <a:r>
+              <a:rPr lang="en-GB" dirty="0">
+                <a:hlinkClick r:id="rId2"/>
+              </a:rPr>
+              <a:t>://developer.mozilla.org/en/JavaScript/Reference</a:t>
+            </a:r>
+            <a:endParaRPr lang="en-GB" dirty="0" smtClean="0"/>
+          </a:p>
+          <a:p>
+            <a:r>
+              <a:rPr lang="en-GB" dirty="0" err="1" smtClean="0"/>
+              <a:t>NodeJS</a:t>
+            </a:r>
+            <a:r>
+              <a:rPr lang="en-GB" dirty="0" smtClean="0"/>
+              <a:t> </a:t>
+            </a:r>
+            <a:r>
+              <a:rPr lang="en-GB" dirty="0"/>
+              <a:t>homepage </a:t>
+            </a:r>
+            <a:r>
+              <a:rPr lang="en-GB" dirty="0">
+                <a:hlinkClick r:id="rId3"/>
+              </a:rPr>
+              <a:t>http://nodejs.org/</a:t>
+            </a:r>
+            <a:endParaRPr lang="en-GB" dirty="0" smtClean="0"/>
+          </a:p>
+          <a:p>
+            <a:r>
+              <a:rPr lang="en-GB" dirty="0" smtClean="0"/>
+              <a:t>My blog post </a:t>
+            </a:r>
+            <a:r>
+              <a:rPr lang="en-GB" dirty="0"/>
+              <a:t>on prototypes </a:t>
+            </a:r>
+            <a:r>
+              <a:rPr lang="en-GB" dirty="0">
+                <a:hlinkClick r:id="rId4"/>
+              </a:rPr>
+              <a:t>http://</a:t>
+            </a:r>
+            <a:r>
+              <a:rPr lang="en-GB" dirty="0" err="1">
+                <a:hlinkClick r:id="rId4"/>
+              </a:rPr>
+              <a:t>blog.glenjamin.co.uk</a:t>
+            </a:r>
+            <a:r>
+              <a:rPr lang="en-GB" dirty="0">
+                <a:hlinkClick r:id="rId4"/>
+              </a:rPr>
+              <a:t>/</a:t>
+            </a:r>
+            <a:r>
+              <a:rPr lang="en-GB" dirty="0" err="1">
+                <a:hlinkClick r:id="rId4"/>
+              </a:rPr>
+              <a:t>i</a:t>
+            </a:r>
+            <a:r>
+              <a:rPr lang="en-GB" dirty="0">
+                <a:hlinkClick r:id="rId4"/>
+              </a:rPr>
+              <a:t>-think-</a:t>
+            </a:r>
+            <a:r>
+              <a:rPr lang="en-GB" dirty="0" err="1">
+                <a:hlinkClick r:id="rId4"/>
+              </a:rPr>
+              <a:t>i</a:t>
+            </a:r>
+            <a:r>
+              <a:rPr lang="en-GB" dirty="0">
+                <a:hlinkClick r:id="rId4"/>
+              </a:rPr>
+              <a:t>-finally-really-understand-</a:t>
+            </a:r>
+            <a:r>
+              <a:rPr lang="en-GB" dirty="0" err="1">
+                <a:hlinkClick r:id="rId4"/>
+              </a:rPr>
+              <a:t>javascrip</a:t>
             </a:r>
             <a:endParaRPr lang="en-GB" dirty="0"/>
           </a:p>
@@ -14726,7 +17729,7 @@
     </p:spTree>
     <p:extLst>
       <p:ext uri="{BB962C8B-B14F-4D97-AF65-F5344CB8AC3E}">
-        <p14:creationId xmlns:p14="http://schemas.microsoft.com/office/powerpoint/2010/main" val="3771257875"/>
+        <p14:creationId xmlns:p14="http://schemas.microsoft.com/office/powerpoint/2010/main" val="2164911743"/>
       </p:ext>
     </p:extLst>
   </p:cSld>
@@ -14777,339 +17780,16 @@
           <a:p>
             <a:r>
               <a:rPr lang="en-GB" dirty="0" smtClean="0"/>
-              <a:t>Challenge: Parallel Searching</a:t>
+              <a:t>Your Turn</a:t>
             </a:r>
             <a:endParaRPr lang="en-GB" dirty="0"/>
-          </a:p>
-        </p:txBody>
-      </p:sp>
-      <p:sp>
-        <p:nvSpPr>
-          <p:cNvPr id="3" name="Content Placeholder 2"/>
-          <p:cNvSpPr>
-            <a:spLocks noGrp="1"/>
-          </p:cNvSpPr>
-          <p:nvPr>
-            <p:ph idx="1"/>
-          </p:nvPr>
-        </p:nvSpPr>
-        <p:spPr/>
-        <p:txBody>
-          <a:bodyPr>
-            <a:normAutofit fontScale="85000" lnSpcReduction="20000"/>
-          </a:bodyPr>
-          <a:lstStyle/>
-          <a:p>
-            <a:r>
-              <a:rPr lang="en-GB" dirty="0" smtClean="0"/>
-              <a:t>Install node + </a:t>
-            </a:r>
-            <a:r>
-              <a:rPr lang="en-GB" dirty="0" err="1" smtClean="0"/>
-              <a:t>npm</a:t>
-            </a:r>
-            <a:r>
-              <a:rPr lang="en-GB" dirty="0" smtClean="0"/>
-              <a:t>, and clone </a:t>
-            </a:r>
-            <a:r>
-              <a:rPr lang="en-GB" dirty="0" smtClean="0">
-                <a:hlinkClick r:id="rId2"/>
-              </a:rPr>
-              <a:t>https://github.com/glenjamin/node-intro-challenge</a:t>
-            </a:r>
-            <a:endParaRPr lang="en-GB" dirty="0" smtClean="0"/>
-          </a:p>
-          <a:p>
-            <a:r>
-              <a:rPr lang="en-GB" dirty="0" smtClean="0"/>
-              <a:t>Make requests in </a:t>
-            </a:r>
-            <a:r>
-              <a:rPr lang="en-GB" b="1" dirty="0" smtClean="0"/>
-              <a:t>parallel</a:t>
-            </a:r>
-            <a:r>
-              <a:rPr lang="en-GB" dirty="0" smtClean="0"/>
-              <a:t> then output first 100 chars</a:t>
-            </a:r>
-            <a:endParaRPr lang="en-GB" b="1" dirty="0" smtClean="0"/>
-          </a:p>
-          <a:p>
-            <a:r>
-              <a:rPr lang="en-GB" dirty="0" smtClean="0"/>
-              <a:t>Modify to make requests </a:t>
-            </a:r>
-            <a:r>
-              <a:rPr lang="en-GB" b="1" dirty="0" smtClean="0"/>
-              <a:t>one at a time</a:t>
-            </a:r>
-          </a:p>
-          <a:p>
-            <a:r>
-              <a:rPr lang="en-GB" dirty="0" smtClean="0"/>
-              <a:t>Now go back to parallel, and implement:</a:t>
-            </a:r>
-          </a:p>
-          <a:p>
-            <a:pPr marL="0" indent="0">
-              <a:buNone/>
-            </a:pPr>
-            <a:r>
-              <a:rPr lang="en-GB" sz="2400" dirty="0">
-                <a:solidFill>
-                  <a:srgbClr val="660066"/>
-                </a:solidFill>
-                <a:latin typeface="Consolas"/>
-                <a:cs typeface="Consolas"/>
-              </a:rPr>
-              <a:t>f</a:t>
-            </a:r>
-            <a:r>
-              <a:rPr lang="en-GB" sz="2400" dirty="0" smtClean="0">
-                <a:solidFill>
-                  <a:srgbClr val="660066"/>
-                </a:solidFill>
-                <a:latin typeface="Consolas"/>
-                <a:cs typeface="Consolas"/>
-              </a:rPr>
-              <a:t>unction</a:t>
-            </a:r>
-            <a:r>
-              <a:rPr lang="en-GB" sz="2400" dirty="0" smtClean="0">
-                <a:latin typeface="Consolas"/>
-                <a:cs typeface="Consolas"/>
-              </a:rPr>
-              <a:t> search</a:t>
-            </a:r>
-            <a:r>
-              <a:rPr lang="en-GB" sz="2400" dirty="0" smtClean="0">
-                <a:solidFill>
-                  <a:schemeClr val="accent4">
-                    <a:lumMod val="50000"/>
-                  </a:schemeClr>
-                </a:solidFill>
-                <a:latin typeface="Consolas"/>
-                <a:cs typeface="Consolas"/>
-              </a:rPr>
-              <a:t>(</a:t>
-            </a:r>
-            <a:r>
-              <a:rPr lang="en-GB" sz="2400" dirty="0" smtClean="0">
-                <a:solidFill>
-                  <a:schemeClr val="tx2"/>
-                </a:solidFill>
-                <a:latin typeface="Consolas"/>
-                <a:cs typeface="Consolas"/>
-              </a:rPr>
-              <a:t>term</a:t>
-            </a:r>
-            <a:r>
-              <a:rPr lang="en-GB" sz="2400" dirty="0" smtClean="0">
-                <a:solidFill>
-                  <a:srgbClr val="403152"/>
-                </a:solidFill>
-                <a:latin typeface="Consolas"/>
-                <a:cs typeface="Consolas"/>
-              </a:rPr>
-              <a:t>,</a:t>
-            </a:r>
-            <a:r>
-              <a:rPr lang="en-GB" sz="2400" dirty="0" smtClean="0">
-                <a:latin typeface="Consolas"/>
-                <a:cs typeface="Consolas"/>
-              </a:rPr>
-              <a:t> </a:t>
-            </a:r>
-            <a:r>
-              <a:rPr lang="en-GB" sz="2400" dirty="0" err="1" smtClean="0">
-                <a:solidFill>
-                  <a:srgbClr val="1F497D"/>
-                </a:solidFill>
-                <a:latin typeface="Consolas"/>
-                <a:cs typeface="Consolas"/>
-              </a:rPr>
-              <a:t>callback</a:t>
-            </a:r>
-            <a:r>
-              <a:rPr lang="en-GB" sz="2400" dirty="0" smtClean="0">
-                <a:solidFill>
-                  <a:srgbClr val="403152"/>
-                </a:solidFill>
-                <a:latin typeface="Consolas"/>
-                <a:cs typeface="Consolas"/>
-              </a:rPr>
-              <a:t>(</a:t>
-            </a:r>
-            <a:r>
-              <a:rPr lang="en-GB" sz="2400" dirty="0" smtClean="0">
-                <a:solidFill>
-                  <a:schemeClr val="tx2">
-                    <a:lumMod val="60000"/>
-                    <a:lumOff val="40000"/>
-                  </a:schemeClr>
-                </a:solidFill>
-                <a:latin typeface="Consolas"/>
-                <a:cs typeface="Consolas"/>
-              </a:rPr>
-              <a:t>err</a:t>
-            </a:r>
-            <a:r>
-              <a:rPr lang="en-GB" sz="2400" dirty="0" smtClean="0">
-                <a:solidFill>
-                  <a:srgbClr val="403152"/>
-                </a:solidFill>
-                <a:latin typeface="Consolas"/>
-                <a:cs typeface="Consolas"/>
-              </a:rPr>
-              <a:t>,</a:t>
-            </a:r>
-            <a:r>
-              <a:rPr lang="en-GB" sz="2400" dirty="0" smtClean="0">
-                <a:latin typeface="Consolas"/>
-                <a:cs typeface="Consolas"/>
-              </a:rPr>
-              <a:t> </a:t>
-            </a:r>
-            <a:r>
-              <a:rPr lang="en-GB" sz="2400" dirty="0" smtClean="0">
-                <a:solidFill>
-                  <a:srgbClr val="558ED5"/>
-                </a:solidFill>
-                <a:latin typeface="Consolas"/>
-                <a:cs typeface="Consolas"/>
-              </a:rPr>
-              <a:t>results</a:t>
-            </a:r>
-            <a:r>
-              <a:rPr lang="en-GB" sz="2400" dirty="0" smtClean="0">
-                <a:solidFill>
-                  <a:srgbClr val="403152"/>
-                </a:solidFill>
-                <a:latin typeface="Consolas"/>
-                <a:cs typeface="Consolas"/>
-              </a:rPr>
-              <a:t>))</a:t>
-            </a:r>
-          </a:p>
-          <a:p>
-            <a:pPr marL="0" indent="0">
-              <a:buNone/>
-            </a:pPr>
-            <a:r>
-              <a:rPr lang="en-GB" sz="2400" dirty="0">
-                <a:solidFill>
-                  <a:schemeClr val="tx2">
-                    <a:lumMod val="60000"/>
-                    <a:lumOff val="40000"/>
-                  </a:schemeClr>
-                </a:solidFill>
-                <a:latin typeface="Consolas"/>
-                <a:cs typeface="Consolas"/>
-              </a:rPr>
-              <a:t>r</a:t>
-            </a:r>
-            <a:r>
-              <a:rPr lang="en-GB" sz="2400" dirty="0" smtClean="0">
-                <a:solidFill>
-                  <a:schemeClr val="tx2">
-                    <a:lumMod val="60000"/>
-                    <a:lumOff val="40000"/>
-                  </a:schemeClr>
-                </a:solidFill>
-                <a:latin typeface="Consolas"/>
-                <a:cs typeface="Consolas"/>
-              </a:rPr>
-              <a:t>esults</a:t>
-            </a:r>
-            <a:r>
-              <a:rPr lang="en-GB" sz="2400" dirty="0" smtClean="0">
-                <a:latin typeface="Consolas"/>
-                <a:cs typeface="Consolas"/>
-              </a:rPr>
-              <a:t> = </a:t>
-            </a:r>
-            <a:r>
-              <a:rPr lang="en-GB" sz="2400" dirty="0" smtClean="0">
-                <a:solidFill>
-                  <a:srgbClr val="403152"/>
-                </a:solidFill>
-                <a:latin typeface="Consolas"/>
-                <a:cs typeface="Consolas"/>
-              </a:rPr>
-              <a:t>{</a:t>
-            </a:r>
-            <a:r>
-              <a:rPr lang="en-GB" sz="2400" dirty="0" err="1" smtClean="0">
-                <a:latin typeface="Consolas"/>
-                <a:cs typeface="Consolas"/>
-              </a:rPr>
-              <a:t>google</a:t>
-            </a:r>
-            <a:r>
-              <a:rPr lang="en-GB" sz="2400" dirty="0" smtClean="0">
-                <a:solidFill>
-                  <a:srgbClr val="403152"/>
-                </a:solidFill>
-                <a:latin typeface="Consolas"/>
-                <a:cs typeface="Consolas"/>
-              </a:rPr>
-              <a:t>:</a:t>
-            </a:r>
-            <a:r>
-              <a:rPr lang="en-GB" sz="2400" dirty="0" smtClean="0">
-                <a:latin typeface="Consolas"/>
-                <a:cs typeface="Consolas"/>
-              </a:rPr>
-              <a:t> {data: ‘html…’, time: 1.34},</a:t>
-            </a:r>
-          </a:p>
-          <a:p>
-            <a:pPr marL="0" indent="0">
-              <a:buNone/>
-            </a:pPr>
-            <a:r>
-              <a:rPr lang="en-GB" sz="2400" dirty="0">
-                <a:latin typeface="Consolas"/>
-                <a:cs typeface="Consolas"/>
-              </a:rPr>
-              <a:t> </a:t>
-            </a:r>
-            <a:r>
-              <a:rPr lang="en-GB" sz="2400" dirty="0" smtClean="0">
-                <a:latin typeface="Consolas"/>
-                <a:cs typeface="Consolas"/>
-              </a:rPr>
-              <a:t>          yahoo</a:t>
-            </a:r>
-            <a:r>
-              <a:rPr lang="en-GB" sz="2400" dirty="0" smtClean="0">
-                <a:solidFill>
-                  <a:srgbClr val="403152"/>
-                </a:solidFill>
-                <a:latin typeface="Consolas"/>
-                <a:cs typeface="Consolas"/>
-              </a:rPr>
-              <a:t>:</a:t>
-            </a:r>
-            <a:r>
-              <a:rPr lang="en-GB" sz="2400" dirty="0" smtClean="0">
-                <a:latin typeface="Consolas"/>
-                <a:cs typeface="Consolas"/>
-              </a:rPr>
-              <a:t> {data: ‘html…’, time: 2.01}, … }</a:t>
-            </a:r>
-            <a:endParaRPr lang="en-GB" sz="2400" dirty="0">
-              <a:latin typeface="Consolas"/>
-              <a:cs typeface="Consolas"/>
-            </a:endParaRPr>
           </a:p>
         </p:txBody>
       </p:sp>
     </p:spTree>
     <p:extLst>
       <p:ext uri="{BB962C8B-B14F-4D97-AF65-F5344CB8AC3E}">
-        <p14:creationId xmlns:p14="http://schemas.microsoft.com/office/powerpoint/2010/main" val="2213859494"/>
+        <p14:creationId xmlns:p14="http://schemas.microsoft.com/office/powerpoint/2010/main" val="3771257875"/>
       </p:ext>
     </p:extLst>
   </p:cSld>
@@ -15145,7 +17825,7 @@
       </p:grpSpPr>
       <p:sp>
         <p:nvSpPr>
-          <p:cNvPr id="4" name="Title 3"/>
+          <p:cNvPr id="2" name="Title 1"/>
           <p:cNvSpPr>
             <a:spLocks noGrp="1"/>
           </p:cNvSpPr>
@@ -15160,7 +17840,7 @@
           <a:p>
             <a:r>
               <a:rPr lang="en-GB" dirty="0" smtClean="0"/>
-              <a:t>Further Reading</a:t>
+              <a:t>Challenge: Parallel Searching</a:t>
             </a:r>
             <a:endParaRPr lang="en-GB" dirty="0"/>
           </a:p>
@@ -15168,7 +17848,7 @@
       </p:sp>
       <p:sp>
         <p:nvSpPr>
-          <p:cNvPr id="5" name="Content Placeholder 4"/>
+          <p:cNvPr id="3" name="Content Placeholder 2"/>
           <p:cNvSpPr>
             <a:spLocks noGrp="1"/>
           </p:cNvSpPr>
@@ -15179,122 +17859,320 @@
         <p:spPr/>
         <p:txBody>
           <a:bodyPr>
-            <a:normAutofit fontScale="92500" lnSpcReduction="20000"/>
+            <a:normAutofit fontScale="85000" lnSpcReduction="20000"/>
           </a:bodyPr>
           <a:lstStyle/>
           <a:p>
             <a:r>
-              <a:rPr lang="en-GB" dirty="0"/>
-              <a:t>MDC – JavaScript </a:t>
-            </a:r>
-            <a:r>
-              <a:rPr lang="en-GB" dirty="0" smtClean="0"/>
-              <a:t>1.5 </a:t>
+              <a:rPr lang="en-GB" dirty="0" smtClean="0"/>
+              <a:t>Install node + </a:t>
             </a:r>
             <a:r>
               <a:rPr lang="en-GB" dirty="0" err="1" smtClean="0"/>
-              <a:t>Reference</a:t>
-            </a:r>
-            <a:r>
-              <a:rPr lang="en-GB" dirty="0" err="1" smtClean="0">
+              <a:t>npm</a:t>
+            </a:r>
+            <a:r>
+              <a:rPr lang="en-GB" dirty="0" smtClean="0"/>
+              <a:t>, and clone </a:t>
+            </a:r>
+            <a:r>
+              <a:rPr lang="en-GB" dirty="0" smtClean="0">
                 <a:hlinkClick r:id="rId2"/>
               </a:rPr>
-              <a:t>https</a:t>
-            </a:r>
-            <a:r>
-              <a:rPr lang="en-GB" dirty="0">
-                <a:hlinkClick r:id="rId2"/>
+              <a:t>https://github.com/glenjamin/node-intro-challenge</a:t>
+            </a:r>
+            <a:endParaRPr lang="en-GB" dirty="0" smtClean="0"/>
+          </a:p>
+          <a:p>
+            <a:r>
+              <a:rPr lang="en-GB" dirty="0" smtClean="0"/>
+              <a:t>Make requests in </a:t>
+            </a:r>
+            <a:r>
+              <a:rPr lang="en-GB" b="1" dirty="0" smtClean="0"/>
+              <a:t>parallel</a:t>
+            </a:r>
+            <a:r>
+              <a:rPr lang="en-GB" dirty="0" smtClean="0"/>
+              <a:t> then output first 100 chars</a:t>
+            </a:r>
+            <a:endParaRPr lang="en-GB" b="1" dirty="0" smtClean="0"/>
+          </a:p>
+          <a:p>
+            <a:r>
+              <a:rPr lang="en-GB" dirty="0" smtClean="0"/>
+              <a:t>Modify to make requests </a:t>
+            </a:r>
+            <a:r>
+              <a:rPr lang="en-GB" b="1" dirty="0" smtClean="0"/>
+              <a:t>one at a time</a:t>
+            </a:r>
+          </a:p>
+          <a:p>
+            <a:r>
+              <a:rPr lang="en-GB" dirty="0" smtClean="0"/>
+              <a:t>Now go back to parallel, and implement:</a:t>
+            </a:r>
+          </a:p>
+          <a:p>
+            <a:pPr marL="0" indent="0">
+              <a:buNone/>
+            </a:pPr>
+            <a:r>
+              <a:rPr lang="en-GB" sz="2400" dirty="0">
+                <a:solidFill>
+                  <a:srgbClr val="660066"/>
+                </a:solidFill>
+                <a:latin typeface="Consolas"/>
+                <a:cs typeface="Consolas"/>
               </a:rPr>
-              <a:t>://developer.mozilla.org/en/JavaScript/Reference</a:t>
-            </a:r>
-            <a:endParaRPr lang="en-GB" dirty="0" smtClean="0"/>
-          </a:p>
-          <a:p>
-            <a:r>
-              <a:rPr lang="en-GB" dirty="0" err="1" smtClean="0"/>
-              <a:t>NodeJS</a:t>
-            </a:r>
-            <a:r>
-              <a:rPr lang="en-GB" dirty="0" smtClean="0"/>
+              <a:t>f</a:t>
+            </a:r>
+            <a:r>
+              <a:rPr lang="en-GB" sz="2400" dirty="0" smtClean="0">
+                <a:solidFill>
+                  <a:srgbClr val="660066"/>
+                </a:solidFill>
+                <a:latin typeface="Consolas"/>
+                <a:cs typeface="Consolas"/>
+              </a:rPr>
+              <a:t>unction</a:t>
+            </a:r>
+            <a:r>
+              <a:rPr lang="en-GB" sz="2400" dirty="0" smtClean="0">
+                <a:latin typeface="Consolas"/>
+                <a:cs typeface="Consolas"/>
+              </a:rPr>
+              <a:t> search</a:t>
+            </a:r>
+            <a:r>
+              <a:rPr lang="en-GB" sz="2400" dirty="0" smtClean="0">
+                <a:solidFill>
+                  <a:schemeClr val="accent4">
+                    <a:lumMod val="50000"/>
+                  </a:schemeClr>
+                </a:solidFill>
+                <a:latin typeface="Consolas"/>
+                <a:cs typeface="Consolas"/>
+              </a:rPr>
+              <a:t>(</a:t>
+            </a:r>
+            <a:r>
+              <a:rPr lang="en-GB" sz="2400" dirty="0" smtClean="0">
+                <a:solidFill>
+                  <a:schemeClr val="tx2"/>
+                </a:solidFill>
+                <a:latin typeface="Consolas"/>
+                <a:cs typeface="Consolas"/>
+              </a:rPr>
+              <a:t>term</a:t>
+            </a:r>
+            <a:r>
+              <a:rPr lang="en-GB" sz="2400" dirty="0" smtClean="0">
+                <a:solidFill>
+                  <a:srgbClr val="403152"/>
+                </a:solidFill>
+                <a:latin typeface="Consolas"/>
+                <a:cs typeface="Consolas"/>
+              </a:rPr>
+              <a:t>,</a:t>
+            </a:r>
+            <a:r>
+              <a:rPr lang="en-GB" sz="2400" dirty="0" smtClean="0">
+                <a:latin typeface="Consolas"/>
+                <a:cs typeface="Consolas"/>
+              </a:rPr>
               <a:t> </a:t>
             </a:r>
             <a:r>
-              <a:rPr lang="en-GB" dirty="0"/>
-              <a:t>homepage </a:t>
-            </a:r>
-            <a:r>
-              <a:rPr lang="en-GB" dirty="0">
-                <a:hlinkClick r:id="rId3"/>
+              <a:rPr lang="en-GB" sz="2400" dirty="0" err="1" smtClean="0">
+                <a:solidFill>
+                  <a:srgbClr val="1F497D"/>
+                </a:solidFill>
+                <a:latin typeface="Consolas"/>
+                <a:cs typeface="Consolas"/>
               </a:rPr>
-              <a:t>http://nodejs.org/</a:t>
-            </a:r>
-            <a:endParaRPr lang="en-GB" dirty="0" smtClean="0"/>
-          </a:p>
-          <a:p>
-            <a:r>
-              <a:rPr lang="en-GB" dirty="0" smtClean="0"/>
-              <a:t>My blog post </a:t>
-            </a:r>
-            <a:r>
-              <a:rPr lang="en-GB" dirty="0"/>
-              <a:t>on prototypes </a:t>
-            </a:r>
-            <a:r>
-              <a:rPr lang="en-GB" dirty="0">
-                <a:hlinkClick r:id="rId4"/>
+              <a:t>callback</a:t>
+            </a:r>
+            <a:r>
+              <a:rPr lang="en-GB" sz="2400" dirty="0" smtClean="0">
+                <a:solidFill>
+                  <a:srgbClr val="403152"/>
+                </a:solidFill>
+                <a:latin typeface="Consolas"/>
+                <a:cs typeface="Consolas"/>
               </a:rPr>
-              <a:t>http://</a:t>
-            </a:r>
-            <a:r>
-              <a:rPr lang="en-GB" dirty="0" err="1">
-                <a:hlinkClick r:id="rId4"/>
+              <a:t>(</a:t>
+            </a:r>
+            <a:r>
+              <a:rPr lang="en-GB" sz="2400" dirty="0" smtClean="0">
+                <a:solidFill>
+                  <a:schemeClr val="tx2">
+                    <a:lumMod val="60000"/>
+                    <a:lumOff val="40000"/>
+                  </a:schemeClr>
+                </a:solidFill>
+                <a:latin typeface="Consolas"/>
+                <a:cs typeface="Consolas"/>
               </a:rPr>
-              <a:t>blog.glenjamin.co.uk</a:t>
-            </a:r>
-            <a:r>
-              <a:rPr lang="en-GB" dirty="0">
-                <a:hlinkClick r:id="rId4"/>
+              <a:t>err</a:t>
+            </a:r>
+            <a:r>
+              <a:rPr lang="en-GB" sz="2400" dirty="0" smtClean="0">
+                <a:solidFill>
+                  <a:srgbClr val="403152"/>
+                </a:solidFill>
+                <a:latin typeface="Consolas"/>
+                <a:cs typeface="Consolas"/>
               </a:rPr>
-              <a:t>/</a:t>
-            </a:r>
-            <a:r>
-              <a:rPr lang="en-GB" dirty="0" err="1">
-                <a:hlinkClick r:id="rId4"/>
+              <a:t>,</a:t>
+            </a:r>
+            <a:r>
+              <a:rPr lang="en-GB" sz="2400" dirty="0" smtClean="0">
+                <a:latin typeface="Consolas"/>
+                <a:cs typeface="Consolas"/>
               </a:rPr>
-              <a:t>i</a:t>
-            </a:r>
-            <a:r>
-              <a:rPr lang="en-GB" dirty="0">
-                <a:hlinkClick r:id="rId4"/>
+              <a:t> </a:t>
+            </a:r>
+            <a:r>
+              <a:rPr lang="en-GB" sz="2400" dirty="0" smtClean="0">
+                <a:solidFill>
+                  <a:srgbClr val="558ED5"/>
+                </a:solidFill>
+                <a:latin typeface="Consolas"/>
+                <a:cs typeface="Consolas"/>
               </a:rPr>
-              <a:t>-think-</a:t>
-            </a:r>
-            <a:r>
-              <a:rPr lang="en-GB" dirty="0" err="1">
-                <a:hlinkClick r:id="rId4"/>
+              <a:t>results</a:t>
+            </a:r>
+            <a:r>
+              <a:rPr lang="en-GB" sz="2400" dirty="0" smtClean="0">
+                <a:solidFill>
+                  <a:srgbClr val="403152"/>
+                </a:solidFill>
+                <a:latin typeface="Consolas"/>
+                <a:cs typeface="Consolas"/>
               </a:rPr>
-              <a:t>i</a:t>
-            </a:r>
-            <a:r>
-              <a:rPr lang="en-GB" dirty="0">
-                <a:hlinkClick r:id="rId4"/>
+              <a:t>))</a:t>
+            </a:r>
+          </a:p>
+          <a:p>
+            <a:pPr marL="0" indent="0">
+              <a:buNone/>
+            </a:pPr>
+            <a:r>
+              <a:rPr lang="en-GB" sz="2400" dirty="0">
+                <a:solidFill>
+                  <a:schemeClr val="tx2">
+                    <a:lumMod val="60000"/>
+                    <a:lumOff val="40000"/>
+                  </a:schemeClr>
+                </a:solidFill>
+                <a:latin typeface="Consolas"/>
+                <a:cs typeface="Consolas"/>
               </a:rPr>
-              <a:t>-finally-really-understand-</a:t>
-            </a:r>
-            <a:r>
-              <a:rPr lang="en-GB" dirty="0" err="1">
-                <a:hlinkClick r:id="rId4"/>
+              <a:t>r</a:t>
+            </a:r>
+            <a:r>
+              <a:rPr lang="en-GB" sz="2400" dirty="0" smtClean="0">
+                <a:solidFill>
+                  <a:schemeClr val="tx2">
+                    <a:lumMod val="60000"/>
+                    <a:lumOff val="40000"/>
+                  </a:schemeClr>
+                </a:solidFill>
+                <a:latin typeface="Consolas"/>
+                <a:cs typeface="Consolas"/>
               </a:rPr>
-              <a:t>javascrip</a:t>
-            </a:r>
-            <a:endParaRPr lang="en-GB" dirty="0"/>
+              <a:t>esults</a:t>
+            </a:r>
+            <a:r>
+              <a:rPr lang="en-GB" sz="2400" dirty="0" smtClean="0">
+                <a:latin typeface="Consolas"/>
+                <a:cs typeface="Consolas"/>
+              </a:rPr>
+              <a:t> = </a:t>
+            </a:r>
+            <a:r>
+              <a:rPr lang="en-GB" sz="2400" dirty="0" smtClean="0">
+                <a:solidFill>
+                  <a:srgbClr val="403152"/>
+                </a:solidFill>
+                <a:latin typeface="Consolas"/>
+                <a:cs typeface="Consolas"/>
+              </a:rPr>
+              <a:t>{</a:t>
+            </a:r>
+            <a:r>
+              <a:rPr lang="en-GB" sz="2400" dirty="0" err="1" smtClean="0">
+                <a:latin typeface="Consolas"/>
+                <a:cs typeface="Consolas"/>
+              </a:rPr>
+              <a:t>google</a:t>
+            </a:r>
+            <a:r>
+              <a:rPr lang="en-GB" sz="2400" dirty="0" smtClean="0">
+                <a:solidFill>
+                  <a:srgbClr val="403152"/>
+                </a:solidFill>
+                <a:latin typeface="Consolas"/>
+                <a:cs typeface="Consolas"/>
+              </a:rPr>
+              <a:t>:</a:t>
+            </a:r>
+            <a:r>
+              <a:rPr lang="en-GB" sz="2400" dirty="0" smtClean="0">
+                <a:latin typeface="Consolas"/>
+                <a:cs typeface="Consolas"/>
+              </a:rPr>
+              <a:t> {data: ‘html…’, time: 1.34},</a:t>
+            </a:r>
+          </a:p>
+          <a:p>
+            <a:pPr marL="0" indent="0">
+              <a:buNone/>
+            </a:pPr>
+            <a:r>
+              <a:rPr lang="en-GB" sz="2400" dirty="0">
+                <a:latin typeface="Consolas"/>
+                <a:cs typeface="Consolas"/>
+              </a:rPr>
+              <a:t> </a:t>
+            </a:r>
+            <a:r>
+              <a:rPr lang="en-GB" sz="2400" dirty="0" smtClean="0">
+                <a:latin typeface="Consolas"/>
+                <a:cs typeface="Consolas"/>
+              </a:rPr>
+              <a:t>          yahoo</a:t>
+            </a:r>
+            <a:r>
+              <a:rPr lang="en-GB" sz="2400" dirty="0" smtClean="0">
+                <a:solidFill>
+                  <a:srgbClr val="403152"/>
+                </a:solidFill>
+                <a:latin typeface="Consolas"/>
+                <a:cs typeface="Consolas"/>
+              </a:rPr>
+              <a:t>:</a:t>
+            </a:r>
+            <a:r>
+              <a:rPr lang="en-GB" sz="2400" dirty="0" smtClean="0">
+                <a:latin typeface="Consolas"/>
+                <a:cs typeface="Consolas"/>
+              </a:rPr>
+              <a:t> {data: ‘html…’, time: 2.01}, … }</a:t>
+            </a:r>
+            <a:endParaRPr lang="en-GB" sz="2400" dirty="0">
+              <a:latin typeface="Consolas"/>
+              <a:cs typeface="Consolas"/>
+            </a:endParaRPr>
           </a:p>
         </p:txBody>
       </p:sp>
     </p:spTree>
     <p:extLst>
       <p:ext uri="{BB962C8B-B14F-4D97-AF65-F5344CB8AC3E}">
-        <p14:creationId xmlns:p14="http://schemas.microsoft.com/office/powerpoint/2010/main" val="2164911743"/>
+        <p14:creationId xmlns:p14="http://schemas.microsoft.com/office/powerpoint/2010/main" val="2213859494"/>
       </p:ext>
     </p:extLst>
   </p:cSld>
